--- a/Other Documents/Data workshop.pptx
+++ b/Other Documents/Data workshop.pptx
@@ -5,7 +5,7 @@
     <p:sldMasterId id="2147483649" r:id="rId1"/>
   </p:sldMasterIdLst>
   <p:notesMasterIdLst>
-    <p:notesMasterId r:id="rId42"/>
+    <p:notesMasterId r:id="rId43"/>
   </p:notesMasterIdLst>
   <p:sldIdLst>
     <p:sldId id="256" r:id="rId2"/>
@@ -46,8 +46,9 @@
     <p:sldId id="293" r:id="rId37"/>
     <p:sldId id="292" r:id="rId38"/>
     <p:sldId id="294" r:id="rId39"/>
-    <p:sldId id="267" r:id="rId40"/>
-    <p:sldId id="299" r:id="rId41"/>
+    <p:sldId id="304" r:id="rId40"/>
+    <p:sldId id="267" r:id="rId41"/>
+    <p:sldId id="299" r:id="rId42"/>
   </p:sldIdLst>
   <p:sldSz cx="9144000" cy="5143500" type="screen16x9"/>
   <p:notesSz cx="6858000" cy="9144000"/>
@@ -193,7 +194,7 @@
   </p:defaultTextStyle>
   <p:extLst>
     <p:ext uri="{EFAFB233-063F-42B5-8137-9DF3F51BA10A}">
-      <p15:sldGuideLst xmlns:p15="http://schemas.microsoft.com/office/powerpoint/2012/main" xmlns="">
+      <p15:sldGuideLst xmlns:p15="http://schemas.microsoft.com/office/powerpoint/2012/main">
         <p15:guide id="1" orient="horz" pos="2160">
           <p15:clr>
             <a:srgbClr val="A4A3A4"/>
@@ -204,16 +205,34 @@
             <a:srgbClr val="A4A3A4"/>
           </p15:clr>
         </p15:guide>
+        <p15:guide id="3" orient="horz" pos="1620">
+          <p15:clr>
+            <a:srgbClr val="A4A3A4"/>
+          </p15:clr>
+        </p15:guide>
       </p15:sldGuideLst>
     </p:ext>
   </p:extLst>
 </p:presentation>
 </file>
 
+<file path=ppt/revisionInfo.xml><?xml version="1.0" encoding="utf-8"?>
+<p1510:revInfo xmlns:a="http://schemas.openxmlformats.org/drawingml/2006/main" xmlns:r="http://schemas.openxmlformats.org/officeDocument/2006/relationships" xmlns:p1510="http://schemas.microsoft.com/office/powerpoint/2015/10/main"/>
+</file>
+
 <file path=ppt/charts/chart1.xml><?xml version="1.0" encoding="utf-8"?>
-<c:chartSpace xmlns:c="http://schemas.openxmlformats.org/drawingml/2006/chart" xmlns:a="http://schemas.openxmlformats.org/drawingml/2006/main" xmlns:r="http://schemas.openxmlformats.org/officeDocument/2006/relationships">
-  <c:date1904 val="1"/>
+<c:chartSpace xmlns:c="http://schemas.openxmlformats.org/drawingml/2006/chart" xmlns:a="http://schemas.openxmlformats.org/drawingml/2006/main" xmlns:r="http://schemas.openxmlformats.org/officeDocument/2006/relationships" xmlns:c16r2="http://schemas.microsoft.com/office/drawing/2015/06/chart">
+  <c:date1904 val="0"/>
   <c:lang val="en-US"/>
+  <c:roundedCorners val="0"/>
+  <mc:AlternateContent xmlns:mc="http://schemas.openxmlformats.org/markup-compatibility/2006">
+    <mc:Choice xmlns:c14="http://schemas.microsoft.com/office/drawing/2007/8/2/chart" Requires="c14">
+      <c14:style val="102"/>
+    </mc:Choice>
+    <mc:Fallback>
+      <c:style val="2"/>
+    </mc:Fallback>
+  </mc:AlternateContent>
   <c:chart>
     <c:title>
       <c:tx>
@@ -239,11 +258,14 @@
           <c:y val="0"/>
         </c:manualLayout>
       </c:layout>
+      <c:overlay val="0"/>
     </c:title>
+    <c:autoTitleDeleted val="0"/>
     <c:plotArea>
       <c:layout/>
       <c:scatterChart>
         <c:scatterStyle val="lineMarker"/>
+        <c:varyColors val="0"/>
         <c:ser>
           <c:idx val="0"/>
           <c:order val="0"/>
@@ -265,6 +287,8 @@
           </c:spPr>
           <c:trendline>
             <c:trendlineType val="linear"/>
+            <c:dispRSqr val="0"/>
+            <c:dispEq val="0"/>
           </c:trendline>
           <c:xVal>
             <c:numRef>
@@ -356,7 +380,21 @@
               </c:numCache>
             </c:numRef>
           </c:yVal>
+          <c:smooth val="0"/>
+          <c:extLst>
+            <c:ext xmlns:c16="http://schemas.microsoft.com/office/drawing/2014/chart" uri="{C3380CC4-5D6E-409C-BE32-E72D297353CC}">
+              <c16:uniqueId val="{00000001-9368-4364-B7E8-6B24FCF36603}"/>
+            </c:ext>
+          </c:extLst>
         </c:ser>
+        <c:dLbls>
+          <c:showLegendKey val="0"/>
+          <c:showVal val="0"/>
+          <c:showCatName val="0"/>
+          <c:showSerName val="0"/>
+          <c:showPercent val="0"/>
+          <c:showBubbleSize val="0"/>
+        </c:dLbls>
         <c:axId val="127023360"/>
         <c:axId val="127070208"/>
       </c:scatterChart>
@@ -365,8 +403,11 @@
         <c:scaling>
           <c:orientation val="minMax"/>
         </c:scaling>
+        <c:delete val="0"/>
         <c:axPos val="b"/>
         <c:numFmt formatCode="General" sourceLinked="1"/>
+        <c:majorTickMark val="out"/>
+        <c:minorTickMark val="none"/>
         <c:tickLblPos val="nextTo"/>
         <c:txPr>
           <a:bodyPr/>
@@ -388,9 +429,12 @@
           <c:orientation val="minMax"/>
           <c:min val="0.2"/>
         </c:scaling>
+        <c:delete val="0"/>
         <c:axPos val="l"/>
         <c:majorGridlines/>
         <c:numFmt formatCode="General" sourceLinked="1"/>
+        <c:majorTickMark val="out"/>
+        <c:minorTickMark val="none"/>
         <c:tickLblPos val="nextTo"/>
         <c:txPr>
           <a:bodyPr/>
@@ -409,7 +453,7 @@
     </c:plotArea>
     <c:legend>
       <c:legendPos val="r"/>
-      <c:layout/>
+      <c:overlay val="0"/>
       <c:txPr>
         <a:bodyPr/>
         <a:lstStyle/>
@@ -422,8 +466,12 @@
       </c:txPr>
     </c:legend>
     <c:plotVisOnly val="1"/>
+    <c:dispBlanksAs val="gap"/>
+    <c:showDLblsOverMax val="0"/>
   </c:chart>
-  <c:externalData r:id="rId1"/>
+  <c:externalData r:id="rId1">
+    <c:autoUpdate val="0"/>
+  </c:externalData>
 </c:chartSpace>
 </file>
 
@@ -708,35 +756,35 @@
           <a:p>
             <a:pPr lvl="0"/>
             <a:r>
-              <a:rPr lang="en-US" smtClean="0"/>
+              <a:rPr lang="en-US"/>
               <a:t>Click to edit Master text styles</a:t>
             </a:r>
           </a:p>
           <a:p>
             <a:pPr lvl="1"/>
             <a:r>
-              <a:rPr lang="en-US" smtClean="0"/>
+              <a:rPr lang="en-US"/>
               <a:t>Second level</a:t>
             </a:r>
           </a:p>
           <a:p>
             <a:pPr lvl="2"/>
             <a:r>
-              <a:rPr lang="en-US" smtClean="0"/>
+              <a:rPr lang="en-US"/>
               <a:t>Third level</a:t>
             </a:r>
           </a:p>
           <a:p>
             <a:pPr lvl="3"/>
             <a:r>
-              <a:rPr lang="en-US" smtClean="0"/>
+              <a:rPr lang="en-US"/>
               <a:t>Fourth level</a:t>
             </a:r>
           </a:p>
           <a:p>
             <a:pPr lvl="4"/>
             <a:r>
-              <a:rPr lang="en-US" smtClean="0"/>
+              <a:rPr lang="en-US"/>
               <a:t>Fifth level</a:t>
             </a:r>
           </a:p>
@@ -900,7 +948,7 @@
     </p:spTree>
     <p:extLst>
       <p:ext uri="{BB962C8B-B14F-4D97-AF65-F5344CB8AC3E}">
-        <p14:creationId xmlns:p14="http://schemas.microsoft.com/office/powerpoint/2010/main" xmlns="" val="1917760779"/>
+        <p14:creationId xmlns:p14="http://schemas.microsoft.com/office/powerpoint/2010/main" val="1917760779"/>
       </p:ext>
     </p:extLst>
   </p:cSld>
@@ -1073,7 +1121,7 @@
           <a:p>
             <a:pPr lvl="0"/>
             <a:r>
-              <a:rPr lang="en-US" noProof="0" smtClean="0"/>
+              <a:rPr lang="en-US" noProof="0"/>
               <a:t>Click to edit Master title style</a:t>
             </a:r>
             <a:endParaRPr lang="en-US" noProof="0" dirty="0"/>
@@ -1108,7 +1156,7 @@
           <a:p>
             <a:pPr lvl="0"/>
             <a:r>
-              <a:rPr lang="en-US" noProof="0" smtClean="0"/>
+              <a:rPr lang="en-US" noProof="0"/>
               <a:t>Click to edit Master subtitle style</a:t>
             </a:r>
           </a:p>
@@ -1286,10 +1334,9 @@
           <a:lstStyle/>
           <a:p>
             <a:r>
-              <a:rPr lang="en-US" smtClean="0"/>
+              <a:rPr lang="en-US"/>
               <a:t>Click to edit Master title style</a:t>
             </a:r>
-            <a:endParaRPr lang="en-US"/>
           </a:p>
         </p:txBody>
       </p:sp>
@@ -1310,38 +1357,37 @@
           <a:p>
             <a:pPr lvl="0"/>
             <a:r>
-              <a:rPr lang="en-US" smtClean="0"/>
+              <a:rPr lang="en-US"/>
               <a:t>Click to edit Master text styles</a:t>
             </a:r>
           </a:p>
           <a:p>
             <a:pPr lvl="1"/>
             <a:r>
-              <a:rPr lang="en-US" smtClean="0"/>
+              <a:rPr lang="en-US"/>
               <a:t>Second level</a:t>
             </a:r>
           </a:p>
           <a:p>
             <a:pPr lvl="2"/>
             <a:r>
-              <a:rPr lang="en-US" smtClean="0"/>
+              <a:rPr lang="en-US"/>
               <a:t>Third level</a:t>
             </a:r>
           </a:p>
           <a:p>
             <a:pPr lvl="3"/>
             <a:r>
-              <a:rPr lang="en-US" smtClean="0"/>
+              <a:rPr lang="en-US"/>
               <a:t>Fourth level</a:t>
             </a:r>
           </a:p>
           <a:p>
             <a:pPr lvl="4"/>
             <a:r>
-              <a:rPr lang="en-US" smtClean="0"/>
+              <a:rPr lang="en-US"/>
               <a:t>Fifth level</a:t>
             </a:r>
-            <a:endParaRPr lang="en-US"/>
           </a:p>
         </p:txBody>
       </p:sp>
@@ -1382,7 +1428,7 @@
     </p:spTree>
     <p:extLst>
       <p:ext uri="{BB962C8B-B14F-4D97-AF65-F5344CB8AC3E}">
-        <p14:creationId xmlns:p14="http://schemas.microsoft.com/office/powerpoint/2010/main" xmlns="" val="904597699"/>
+        <p14:creationId xmlns:p14="http://schemas.microsoft.com/office/powerpoint/2010/main" val="904597699"/>
       </p:ext>
     </p:extLst>
   </p:cSld>
@@ -1430,10 +1476,9 @@
           <a:lstStyle/>
           <a:p>
             <a:r>
-              <a:rPr lang="en-US" smtClean="0"/>
+              <a:rPr lang="en-US"/>
               <a:t>Click to edit Master title style</a:t>
             </a:r>
-            <a:endParaRPr lang="en-US"/>
           </a:p>
         </p:txBody>
       </p:sp>
@@ -1459,38 +1504,37 @@
           <a:p>
             <a:pPr lvl="0"/>
             <a:r>
-              <a:rPr lang="en-US" smtClean="0"/>
+              <a:rPr lang="en-US"/>
               <a:t>Click to edit Master text styles</a:t>
             </a:r>
           </a:p>
           <a:p>
             <a:pPr lvl="1"/>
             <a:r>
-              <a:rPr lang="en-US" smtClean="0"/>
+              <a:rPr lang="en-US"/>
               <a:t>Second level</a:t>
             </a:r>
           </a:p>
           <a:p>
             <a:pPr lvl="2"/>
             <a:r>
-              <a:rPr lang="en-US" smtClean="0"/>
+              <a:rPr lang="en-US"/>
               <a:t>Third level</a:t>
             </a:r>
           </a:p>
           <a:p>
             <a:pPr lvl="3"/>
             <a:r>
-              <a:rPr lang="en-US" smtClean="0"/>
+              <a:rPr lang="en-US"/>
               <a:t>Fourth level</a:t>
             </a:r>
           </a:p>
           <a:p>
             <a:pPr lvl="4"/>
             <a:r>
-              <a:rPr lang="en-US" smtClean="0"/>
+              <a:rPr lang="en-US"/>
               <a:t>Fifth level</a:t>
             </a:r>
-            <a:endParaRPr lang="en-US"/>
           </a:p>
         </p:txBody>
       </p:sp>
@@ -1531,7 +1575,7 @@
     </p:spTree>
     <p:extLst>
       <p:ext uri="{BB962C8B-B14F-4D97-AF65-F5344CB8AC3E}">
-        <p14:creationId xmlns:p14="http://schemas.microsoft.com/office/powerpoint/2010/main" xmlns="" val="1682284448"/>
+        <p14:creationId xmlns:p14="http://schemas.microsoft.com/office/powerpoint/2010/main" val="1682284448"/>
       </p:ext>
     </p:extLst>
   </p:cSld>
@@ -1551,7 +1595,7 @@
             <a:lum/>
             <a:extLst>
               <a:ext uri="{28A0092B-C50C-407E-A947-70E740481C1C}">
-                <a14:useLocalDpi xmlns="" xmlns:a14="http://schemas.microsoft.com/office/drawing/2010/main" val="0"/>
+                <a14:useLocalDpi xmlns:a14="http://schemas.microsoft.com/office/drawing/2010/main" val="0"/>
               </a:ext>
             </a:extLst>
           </a:blip>
@@ -1667,7 +1711,7 @@
           </a:lstStyle>
           <a:p>
             <a:r>
-              <a:rPr lang="en-US" smtClean="0"/>
+              <a:rPr lang="en-US"/>
               <a:t>Click to edit Master title style</a:t>
             </a:r>
             <a:endParaRPr dirty="0"/>
@@ -1789,7 +1833,7 @@
           </a:lstStyle>
           <a:p>
             <a:r>
-              <a:rPr lang="en-US" smtClean="0"/>
+              <a:rPr lang="en-US"/>
               <a:t>Click to edit Master subtitle style</a:t>
             </a:r>
             <a:endParaRPr dirty="0"/>
@@ -1908,7 +1952,7 @@
                 </a:solidFill>
               </a:rPr>
               <a:pPr/>
-              <a:t>10/24/2016</a:t>
+              <a:t>10/31/2017</a:t>
             </a:fld>
             <a:endParaRPr dirty="0">
               <a:solidFill>
@@ -2189,7 +2233,7 @@
           <a:blip r:embed="rId3" cstate="print">
             <a:extLst>
               <a:ext uri="{28A0092B-C50C-407E-A947-70E740481C1C}">
-                <a14:useLocalDpi xmlns="" xmlns:a14="http://schemas.microsoft.com/office/drawing/2010/main" val="0"/>
+                <a14:useLocalDpi xmlns:a14="http://schemas.microsoft.com/office/drawing/2010/main" val="0"/>
               </a:ext>
             </a:extLst>
           </a:blip>
@@ -2210,7 +2254,7 @@
     </p:spTree>
     <p:extLst>
       <p:ext uri="{BB962C8B-B14F-4D97-AF65-F5344CB8AC3E}">
-        <p14:creationId xmlns="" xmlns:p14="http://schemas.microsoft.com/office/powerpoint/2010/main" val="306378095"/>
+        <p14:creationId xmlns:p14="http://schemas.microsoft.com/office/powerpoint/2010/main" val="306378095"/>
       </p:ext>
     </p:extLst>
   </p:cSld>
@@ -2218,13 +2262,6 @@
     <a:overrideClrMapping bg1="dk1" tx1="lt1" bg2="dk2" tx2="lt2" accent1="accent1" accent2="accent2" accent3="accent3" accent4="accent4" accent5="accent5" accent6="accent6" hlink="hlink" folHlink="folHlink"/>
   </p:clrMapOvr>
   <p:transition/>
-  <p:timing>
-    <p:tnLst>
-      <p:par>
-        <p:cTn id="1" dur="indefinite" restart="never" nodeType="tmRoot"/>
-      </p:par>
-    </p:tnLst>
-  </p:timing>
 </p:sldLayout>
 </file>
 
@@ -2238,7 +2275,7 @@
             <a:lum/>
             <a:extLst>
               <a:ext uri="{28A0092B-C50C-407E-A947-70E740481C1C}">
-                <a14:useLocalDpi xmlns="" xmlns:a14="http://schemas.microsoft.com/office/drawing/2010/main" val="0"/>
+                <a14:useLocalDpi xmlns:a14="http://schemas.microsoft.com/office/drawing/2010/main" val="0"/>
               </a:ext>
             </a:extLst>
           </a:blip>
@@ -2354,7 +2391,7 @@
           </a:lstStyle>
           <a:p>
             <a:r>
-              <a:rPr lang="en-US" smtClean="0"/>
+              <a:rPr lang="en-US"/>
               <a:t>Click to edit Master title style</a:t>
             </a:r>
             <a:endParaRPr dirty="0"/>
@@ -2476,7 +2513,7 @@
           </a:lstStyle>
           <a:p>
             <a:r>
-              <a:rPr lang="en-US" smtClean="0"/>
+              <a:rPr lang="en-US"/>
               <a:t>Click to edit Master subtitle style</a:t>
             </a:r>
             <a:endParaRPr dirty="0"/>
@@ -2595,7 +2632,7 @@
                 </a:solidFill>
               </a:rPr>
               <a:pPr/>
-              <a:t>10/24/2016</a:t>
+              <a:t>10/31/2017</a:t>
             </a:fld>
             <a:endParaRPr dirty="0">
               <a:solidFill>
@@ -2876,7 +2913,7 @@
           <a:blip r:embed="rId3" cstate="print">
             <a:extLst>
               <a:ext uri="{28A0092B-C50C-407E-A947-70E740481C1C}">
-                <a14:useLocalDpi xmlns="" xmlns:a14="http://schemas.microsoft.com/office/drawing/2010/main" val="0"/>
+                <a14:useLocalDpi xmlns:a14="http://schemas.microsoft.com/office/drawing/2010/main" val="0"/>
               </a:ext>
             </a:extLst>
           </a:blip>
@@ -2960,7 +2997,7 @@
     </p:spTree>
     <p:extLst>
       <p:ext uri="{BB962C8B-B14F-4D97-AF65-F5344CB8AC3E}">
-        <p14:creationId xmlns="" xmlns:p14="http://schemas.microsoft.com/office/powerpoint/2010/main" val="1416678242"/>
+        <p14:creationId xmlns:p14="http://schemas.microsoft.com/office/powerpoint/2010/main" val="1416678242"/>
       </p:ext>
     </p:extLst>
   </p:cSld>
@@ -2968,13 +3005,6 @@
     <a:overrideClrMapping bg1="dk1" tx1="lt1" bg2="dk2" tx2="lt2" accent1="accent1" accent2="accent2" accent3="accent3" accent4="accent4" accent5="accent5" accent6="accent6" hlink="hlink" folHlink="folHlink"/>
   </p:clrMapOvr>
   <p:transition/>
-  <p:timing>
-    <p:tnLst>
-      <p:par>
-        <p:cTn id="1" dur="indefinite" restart="never" nodeType="tmRoot"/>
-      </p:par>
-    </p:tnLst>
-  </p:timing>
 </p:sldLayout>
 </file>
 
@@ -3011,10 +3041,9 @@
           <a:lstStyle/>
           <a:p>
             <a:r>
-              <a:rPr lang="en-US" smtClean="0"/>
+              <a:rPr lang="en-US"/>
               <a:t>Click to edit Master title style</a:t>
             </a:r>
-            <a:endParaRPr lang="en-US"/>
           </a:p>
         </p:txBody>
       </p:sp>
@@ -3051,7 +3080,7 @@
                 </a:solidFill>
               </a:rPr>
               <a:pPr/>
-              <a:t>10/24/2016</a:t>
+              <a:t>10/31/2017</a:t>
             </a:fld>
             <a:endParaRPr lang="en-US" dirty="0">
               <a:solidFill>
@@ -3189,7 +3218,7 @@
           </a:lstStyle>
           <a:p>
             <a:r>
-              <a:rPr lang="en-US" dirty="0" smtClean="0"/>
+              <a:rPr lang="en-US" dirty="0"/>
               <a:t>Click icon to add picture</a:t>
             </a:r>
             <a:endParaRPr dirty="0"/>
@@ -3240,14 +3269,14 @@
           <a:p>
             <a:pPr lvl="0"/>
             <a:r>
-              <a:rPr lang="en-US" smtClean="0"/>
+              <a:rPr lang="en-US"/>
               <a:t>Click to edit Master text styles</a:t>
             </a:r>
           </a:p>
           <a:p>
             <a:pPr lvl="1"/>
             <a:r>
-              <a:rPr lang="en-US" smtClean="0"/>
+              <a:rPr lang="en-US"/>
               <a:t>Second level</a:t>
             </a:r>
           </a:p>
@@ -3256,7 +3285,7 @@
     </p:spTree>
     <p:extLst>
       <p:ext uri="{BB962C8B-B14F-4D97-AF65-F5344CB8AC3E}">
-        <p14:creationId xmlns="" xmlns:p14="http://schemas.microsoft.com/office/powerpoint/2010/main" val="1596256317"/>
+        <p14:creationId xmlns:p14="http://schemas.microsoft.com/office/powerpoint/2010/main" val="1596256317"/>
       </p:ext>
     </p:extLst>
   </p:cSld>
@@ -3300,7 +3329,7 @@
           <a:lstStyle/>
           <a:p>
             <a:r>
-              <a:rPr lang="en-US" smtClean="0"/>
+              <a:rPr lang="en-US"/>
               <a:t>Click to edit Master title style</a:t>
             </a:r>
             <a:endParaRPr lang="en-US" dirty="0"/>
@@ -3340,7 +3369,7 @@
                 </a:solidFill>
               </a:rPr>
               <a:pPr/>
-              <a:t>10/24/2016</a:t>
+              <a:t>10/31/2017</a:t>
             </a:fld>
             <a:endParaRPr dirty="0">
               <a:solidFill>
@@ -3420,7 +3449,7 @@
     </p:spTree>
     <p:extLst>
       <p:ext uri="{BB962C8B-B14F-4D97-AF65-F5344CB8AC3E}">
-        <p14:creationId xmlns="" xmlns:p14="http://schemas.microsoft.com/office/powerpoint/2010/main" val="3337699384"/>
+        <p14:creationId xmlns:p14="http://schemas.microsoft.com/office/powerpoint/2010/main" val="3337699384"/>
       </p:ext>
     </p:extLst>
   </p:cSld>
@@ -3428,13 +3457,6 @@
     <a:masterClrMapping/>
   </p:clrMapOvr>
   <p:transition/>
-  <p:timing>
-    <p:tnLst>
-      <p:par>
-        <p:cTn id="1" dur="indefinite" restart="never" nodeType="tmRoot"/>
-      </p:par>
-    </p:tnLst>
-  </p:timing>
 </p:sldLayout>
 </file>
 
@@ -3471,7 +3493,7 @@
           <a:lstStyle/>
           <a:p>
             <a:r>
-              <a:rPr lang="en-US" smtClean="0"/>
+              <a:rPr lang="en-US"/>
               <a:t>Click to edit Master title style</a:t>
             </a:r>
             <a:endParaRPr dirty="0"/>
@@ -3490,7 +3512,7 @@
           <a:blip r:embed="rId2" cstate="print">
             <a:extLst>
               <a:ext uri="{28A0092B-C50C-407E-A947-70E740481C1C}">
-                <a14:useLocalDpi xmlns="" xmlns:a14="http://schemas.microsoft.com/office/drawing/2010/main" val="0"/>
+                <a14:useLocalDpi xmlns:a14="http://schemas.microsoft.com/office/drawing/2010/main" val="0"/>
               </a:ext>
             </a:extLst>
           </a:blip>
@@ -3576,7 +3598,7 @@
           </a:lstStyle>
           <a:p>
             <a:r>
-              <a:rPr lang="en-US" dirty="0" smtClean="0"/>
+              <a:rPr lang="en-US" dirty="0"/>
               <a:t>Click icon to add picture</a:t>
             </a:r>
             <a:endParaRPr dirty="0"/>
@@ -3616,7 +3638,7 @@
                 </a:solidFill>
               </a:rPr>
               <a:pPr/>
-              <a:t>10/24/2016</a:t>
+              <a:t>10/31/2017</a:t>
             </a:fld>
             <a:endParaRPr dirty="0">
               <a:solidFill>
@@ -3705,7 +3727,7 @@
           <a:blip r:embed="rId3" cstate="print">
             <a:extLst>
               <a:ext uri="{28A0092B-C50C-407E-A947-70E740481C1C}">
-                <a14:useLocalDpi xmlns="" xmlns:a14="http://schemas.microsoft.com/office/drawing/2010/main" val="0"/>
+                <a14:useLocalDpi xmlns:a14="http://schemas.microsoft.com/office/drawing/2010/main" val="0"/>
               </a:ext>
             </a:extLst>
           </a:blip>
@@ -3790,7 +3812,7 @@
           </a:lstStyle>
           <a:p>
             <a:r>
-              <a:rPr lang="en-US" dirty="0" smtClean="0"/>
+              <a:rPr lang="en-US" dirty="0"/>
               <a:t>Click icon to add picture</a:t>
             </a:r>
             <a:endParaRPr dirty="0"/>
@@ -3800,7 +3822,7 @@
     </p:spTree>
     <p:extLst>
       <p:ext uri="{BB962C8B-B14F-4D97-AF65-F5344CB8AC3E}">
-        <p14:creationId xmlns="" xmlns:p14="http://schemas.microsoft.com/office/powerpoint/2010/main" val="745444510"/>
+        <p14:creationId xmlns:p14="http://schemas.microsoft.com/office/powerpoint/2010/main" val="745444510"/>
       </p:ext>
     </p:extLst>
   </p:cSld>
@@ -3808,13 +3830,6 @@
     <a:masterClrMapping/>
   </p:clrMapOvr>
   <p:transition/>
-  <p:timing>
-    <p:tnLst>
-      <p:par>
-        <p:cTn id="1" dur="indefinite" restart="never" nodeType="tmRoot"/>
-      </p:par>
-    </p:tnLst>
-  </p:timing>
 </p:sldLayout>
 </file>
 
@@ -3862,7 +3877,7 @@
           </a:lstStyle>
           <a:p>
             <a:r>
-              <a:rPr lang="en-US" smtClean="0"/>
+              <a:rPr lang="en-US"/>
               <a:t>Click to edit Master title style</a:t>
             </a:r>
             <a:endParaRPr dirty="0"/>
@@ -3881,7 +3896,7 @@
           <a:blip r:embed="rId2" cstate="print">
             <a:extLst>
               <a:ext uri="{28A0092B-C50C-407E-A947-70E740481C1C}">
-                <a14:useLocalDpi xmlns="" xmlns:a14="http://schemas.microsoft.com/office/drawing/2010/main" val="0"/>
+                <a14:useLocalDpi xmlns:a14="http://schemas.microsoft.com/office/drawing/2010/main" val="0"/>
               </a:ext>
             </a:extLst>
           </a:blip>
@@ -3966,7 +3981,7 @@
           </a:lstStyle>
           <a:p>
             <a:r>
-              <a:rPr lang="en-US" dirty="0" smtClean="0"/>
+              <a:rPr lang="en-US" dirty="0"/>
               <a:t>Click icon to add picture</a:t>
             </a:r>
             <a:endParaRPr dirty="0"/>
@@ -3985,7 +4000,7 @@
           <a:blip r:embed="rId3" cstate="print">
             <a:extLst>
               <a:ext uri="{28A0092B-C50C-407E-A947-70E740481C1C}">
-                <a14:useLocalDpi xmlns="" xmlns:a14="http://schemas.microsoft.com/office/drawing/2010/main" val="0"/>
+                <a14:useLocalDpi xmlns:a14="http://schemas.microsoft.com/office/drawing/2010/main" val="0"/>
               </a:ext>
             </a:extLst>
           </a:blip>
@@ -4070,7 +4085,7 @@
           </a:lstStyle>
           <a:p>
             <a:r>
-              <a:rPr lang="en-US" dirty="0" smtClean="0"/>
+              <a:rPr lang="en-US" dirty="0"/>
               <a:t>Click icon to add picture</a:t>
             </a:r>
             <a:endParaRPr dirty="0"/>
@@ -4110,7 +4125,7 @@
                 </a:solidFill>
               </a:rPr>
               <a:pPr/>
-              <a:t>10/24/2016</a:t>
+              <a:t>10/31/2017</a:t>
             </a:fld>
             <a:endParaRPr dirty="0">
               <a:solidFill>
@@ -4190,7 +4205,7 @@
     </p:spTree>
     <p:extLst>
       <p:ext uri="{BB962C8B-B14F-4D97-AF65-F5344CB8AC3E}">
-        <p14:creationId xmlns="" xmlns:p14="http://schemas.microsoft.com/office/powerpoint/2010/main" val="2720634047"/>
+        <p14:creationId xmlns:p14="http://schemas.microsoft.com/office/powerpoint/2010/main" val="2720634047"/>
       </p:ext>
     </p:extLst>
   </p:cSld>
@@ -4198,16 +4213,9 @@
     <a:masterClrMapping/>
   </p:clrMapOvr>
   <p:transition/>
-  <p:timing>
-    <p:tnLst>
-      <p:par>
-        <p:cTn id="1" dur="indefinite" restart="never" nodeType="tmRoot"/>
-      </p:par>
-    </p:tnLst>
-  </p:timing>
   <p:extLst mod="1">
     <p:ext uri="{DCECCB84-F9BA-43D5-87BE-67443E8EF086}">
-      <p15:sldGuideLst xmlns="" xmlns:p15="http://schemas.microsoft.com/office/powerpoint/2012/main">
+      <p15:sldGuideLst xmlns:p15="http://schemas.microsoft.com/office/powerpoint/2012/main">
         <p15:guide id="1" orient="horz" pos="2160" userDrawn="1">
           <p15:clr>
             <a:srgbClr val="FBAE40"/>
@@ -4257,7 +4265,7 @@
           <a:lstStyle/>
           <a:p>
             <a:r>
-              <a:rPr lang="en-US" smtClean="0"/>
+              <a:rPr lang="en-US"/>
               <a:t>Click to edit Master title style</a:t>
             </a:r>
             <a:endParaRPr dirty="0"/>
@@ -4297,7 +4305,7 @@
                 </a:solidFill>
               </a:rPr>
               <a:pPr/>
-              <a:t>10/24/2016</a:t>
+              <a:t>10/31/2017</a:t>
             </a:fld>
             <a:endParaRPr dirty="0">
               <a:solidFill>
@@ -4383,10 +4391,10 @@
           <p:nvPr userDrawn="1"/>
         </p:nvPicPr>
         <p:blipFill>
-          <a:blip r:embed="rId2" cstate="screen">
+          <a:blip r:embed="rId2" cstate="print">
             <a:extLst>
               <a:ext uri="{28A0092B-C50C-407E-A947-70E740481C1C}">
-                <a14:useLocalDpi xmlns="" xmlns:a14="http://schemas.microsoft.com/office/drawing/2010/main" val="0"/>
+                <a14:useLocalDpi xmlns:a14="http://schemas.microsoft.com/office/drawing/2010/main" val="0"/>
               </a:ext>
             </a:extLst>
           </a:blip>
@@ -4472,7 +4480,7 @@
           </a:lstStyle>
           <a:p>
             <a:r>
-              <a:rPr lang="en-US" dirty="0" smtClean="0"/>
+              <a:rPr lang="en-US" dirty="0"/>
               <a:t>Click icon to add picture</a:t>
             </a:r>
             <a:endParaRPr dirty="0"/>
@@ -4491,7 +4499,7 @@
           <a:blip r:embed="rId3" cstate="print">
             <a:extLst>
               <a:ext uri="{28A0092B-C50C-407E-A947-70E740481C1C}">
-                <a14:useLocalDpi xmlns="" xmlns:a14="http://schemas.microsoft.com/office/drawing/2010/main" val="0"/>
+                <a14:useLocalDpi xmlns:a14="http://schemas.microsoft.com/office/drawing/2010/main" val="0"/>
               </a:ext>
             </a:extLst>
           </a:blip>
@@ -4577,7 +4585,7 @@
           </a:lstStyle>
           <a:p>
             <a:r>
-              <a:rPr lang="en-US" dirty="0" smtClean="0"/>
+              <a:rPr lang="en-US" dirty="0"/>
               <a:t>Click icon to add picture</a:t>
             </a:r>
             <a:endParaRPr dirty="0"/>
@@ -4587,7 +4595,7 @@
     </p:spTree>
     <p:extLst>
       <p:ext uri="{BB962C8B-B14F-4D97-AF65-F5344CB8AC3E}">
-        <p14:creationId xmlns="" xmlns:p14="http://schemas.microsoft.com/office/powerpoint/2010/main" val="860819270"/>
+        <p14:creationId xmlns:p14="http://schemas.microsoft.com/office/powerpoint/2010/main" val="860819270"/>
       </p:ext>
     </p:extLst>
   </p:cSld>
@@ -4595,13 +4603,6 @@
     <a:masterClrMapping/>
   </p:clrMapOvr>
   <p:transition/>
-  <p:timing>
-    <p:tnLst>
-      <p:par>
-        <p:cTn id="1" dur="indefinite" restart="never" nodeType="tmRoot"/>
-      </p:par>
-    </p:tnLst>
-  </p:timing>
 </p:sldLayout>
 </file>
 
@@ -4649,7 +4650,7 @@
           </a:lstStyle>
           <a:p>
             <a:r>
-              <a:rPr lang="en-US" smtClean="0"/>
+              <a:rPr lang="en-US"/>
               <a:t>Click to edit Master title style</a:t>
             </a:r>
             <a:endParaRPr dirty="0"/>
@@ -4689,7 +4690,7 @@
                 </a:solidFill>
               </a:rPr>
               <a:pPr/>
-              <a:t>10/24/2016</a:t>
+              <a:t>10/31/2017</a:t>
             </a:fld>
             <a:endParaRPr dirty="0">
               <a:solidFill>
@@ -4778,7 +4779,7 @@
           <a:blip r:embed="rId2" cstate="screen">
             <a:extLst>
               <a:ext uri="{28A0092B-C50C-407E-A947-70E740481C1C}">
-                <a14:useLocalDpi xmlns="" xmlns:a14="http://schemas.microsoft.com/office/drawing/2010/main" val="0"/>
+                <a14:useLocalDpi xmlns:a14="http://schemas.microsoft.com/office/drawing/2010/main" val="0"/>
               </a:ext>
             </a:extLst>
           </a:blip>
@@ -4863,7 +4864,7 @@
           </a:lstStyle>
           <a:p>
             <a:r>
-              <a:rPr lang="en-US" dirty="0" smtClean="0"/>
+              <a:rPr lang="en-US" dirty="0"/>
               <a:t>Click icon to add picture</a:t>
             </a:r>
             <a:endParaRPr dirty="0"/>
@@ -4882,7 +4883,7 @@
           <a:blip r:embed="rId3" cstate="print">
             <a:extLst>
               <a:ext uri="{28A0092B-C50C-407E-A947-70E740481C1C}">
-                <a14:useLocalDpi xmlns="" xmlns:a14="http://schemas.microsoft.com/office/drawing/2010/main" val="0"/>
+                <a14:useLocalDpi xmlns:a14="http://schemas.microsoft.com/office/drawing/2010/main" val="0"/>
               </a:ext>
             </a:extLst>
           </a:blip>
@@ -4968,7 +4969,7 @@
           </a:lstStyle>
           <a:p>
             <a:r>
-              <a:rPr lang="en-US" dirty="0" smtClean="0"/>
+              <a:rPr lang="en-US" dirty="0"/>
               <a:t>Click icon to add picture</a:t>
             </a:r>
             <a:endParaRPr dirty="0"/>
@@ -4978,7 +4979,7 @@
     </p:spTree>
     <p:extLst>
       <p:ext uri="{BB962C8B-B14F-4D97-AF65-F5344CB8AC3E}">
-        <p14:creationId xmlns="" xmlns:p14="http://schemas.microsoft.com/office/powerpoint/2010/main" val="187660172"/>
+        <p14:creationId xmlns:p14="http://schemas.microsoft.com/office/powerpoint/2010/main" val="187660172"/>
       </p:ext>
     </p:extLst>
   </p:cSld>
@@ -4986,16 +4987,9 @@
     <a:masterClrMapping/>
   </p:clrMapOvr>
   <p:transition/>
-  <p:timing>
-    <p:tnLst>
-      <p:par>
-        <p:cTn id="1" dur="indefinite" restart="never" nodeType="tmRoot"/>
-      </p:par>
-    </p:tnLst>
-  </p:timing>
   <p:extLst mod="1">
     <p:ext uri="{DCECCB84-F9BA-43D5-87BE-67443E8EF086}">
-      <p15:sldGuideLst xmlns="" xmlns:p15="http://schemas.microsoft.com/office/powerpoint/2012/main">
+      <p15:sldGuideLst xmlns:p15="http://schemas.microsoft.com/office/powerpoint/2012/main">
         <p15:guide id="1" orient="horz" pos="2160">
           <p15:clr>
             <a:srgbClr val="FBAE40"/>
@@ -5045,10 +5039,9 @@
           <a:lstStyle/>
           <a:p>
             <a:r>
-              <a:rPr lang="en-US" smtClean="0"/>
+              <a:rPr lang="en-US"/>
               <a:t>Click to edit Master title style</a:t>
             </a:r>
-            <a:endParaRPr lang="en-US"/>
           </a:p>
         </p:txBody>
       </p:sp>
@@ -5069,38 +5062,37 @@
           <a:p>
             <a:pPr lvl="0"/>
             <a:r>
-              <a:rPr lang="en-US" smtClean="0"/>
+              <a:rPr lang="en-US"/>
               <a:t>Click to edit Master text styles</a:t>
             </a:r>
           </a:p>
           <a:p>
             <a:pPr lvl="1"/>
             <a:r>
-              <a:rPr lang="en-US" smtClean="0"/>
+              <a:rPr lang="en-US"/>
               <a:t>Second level</a:t>
             </a:r>
           </a:p>
           <a:p>
             <a:pPr lvl="2"/>
             <a:r>
-              <a:rPr lang="en-US" smtClean="0"/>
+              <a:rPr lang="en-US"/>
               <a:t>Third level</a:t>
             </a:r>
           </a:p>
           <a:p>
             <a:pPr lvl="3"/>
             <a:r>
-              <a:rPr lang="en-US" smtClean="0"/>
+              <a:rPr lang="en-US"/>
               <a:t>Fourth level</a:t>
             </a:r>
           </a:p>
           <a:p>
             <a:pPr lvl="4"/>
             <a:r>
-              <a:rPr lang="en-US" smtClean="0"/>
+              <a:rPr lang="en-US"/>
               <a:t>Fifth level</a:t>
             </a:r>
-            <a:endParaRPr lang="en-US"/>
           </a:p>
         </p:txBody>
       </p:sp>
@@ -5141,7 +5133,7 @@
     </p:spTree>
     <p:extLst>
       <p:ext uri="{BB962C8B-B14F-4D97-AF65-F5344CB8AC3E}">
-        <p14:creationId xmlns:p14="http://schemas.microsoft.com/office/powerpoint/2010/main" xmlns="" val="2215242326"/>
+        <p14:creationId xmlns:p14="http://schemas.microsoft.com/office/powerpoint/2010/main" val="2215242326"/>
       </p:ext>
     </p:extLst>
   </p:cSld>
@@ -5184,10 +5176,9 @@
           <a:lstStyle/>
           <a:p>
             <a:r>
-              <a:rPr lang="en-US" smtClean="0"/>
+              <a:rPr lang="en-US"/>
               <a:t>Click to edit Master title style</a:t>
             </a:r>
-            <a:endParaRPr lang="en-US"/>
           </a:p>
         </p:txBody>
       </p:sp>
@@ -5224,7 +5215,7 @@
                 </a:solidFill>
               </a:rPr>
               <a:pPr/>
-              <a:t>10/24/2016</a:t>
+              <a:t>10/31/2017</a:t>
             </a:fld>
             <a:endParaRPr lang="en-US" dirty="0">
               <a:solidFill>
@@ -5253,7 +5244,7 @@
           <a:lstStyle/>
           <a:p>
             <a:r>
-              <a:rPr lang="en-US" dirty="0" smtClean="0">
+              <a:rPr lang="en-US" dirty="0">
                 <a:solidFill>
                   <a:srgbClr val="5F5F5F">
                     <a:lumMod val="60000"/>
@@ -5263,14 +5254,6 @@
               </a:rPr>
               <a:t>Oracle Confidential – Internal</a:t>
             </a:r>
-            <a:endParaRPr lang="en-US" dirty="0">
-              <a:solidFill>
-                <a:srgbClr val="5F5F5F">
-                  <a:lumMod val="60000"/>
-                  <a:lumOff val="40000"/>
-                </a:srgbClr>
-              </a:solidFill>
-            </a:endParaRPr>
           </a:p>
         </p:txBody>
       </p:sp>
@@ -5373,7 +5356,7 @@
           </a:lstStyle>
           <a:p>
             <a:r>
-              <a:rPr lang="en-US" dirty="0" smtClean="0"/>
+              <a:rPr lang="en-US" dirty="0"/>
               <a:t>Click icon to add picture</a:t>
             </a:r>
             <a:endParaRPr dirty="0"/>
@@ -5424,14 +5407,14 @@
           <a:p>
             <a:pPr lvl="0"/>
             <a:r>
-              <a:rPr lang="en-US" smtClean="0"/>
+              <a:rPr lang="en-US"/>
               <a:t>Click to edit Master text styles</a:t>
             </a:r>
           </a:p>
           <a:p>
             <a:pPr lvl="1"/>
             <a:r>
-              <a:rPr lang="en-US" smtClean="0"/>
+              <a:rPr lang="en-US"/>
               <a:t>Second level</a:t>
             </a:r>
           </a:p>
@@ -5440,7 +5423,7 @@
     </p:spTree>
     <p:extLst>
       <p:ext uri="{BB962C8B-B14F-4D97-AF65-F5344CB8AC3E}">
-        <p14:creationId xmlns:p14="http://schemas.microsoft.com/office/powerpoint/2010/main" xmlns="" val="1596256317"/>
+        <p14:creationId xmlns:p14="http://schemas.microsoft.com/office/powerpoint/2010/main" val="1596256317"/>
       </p:ext>
     </p:extLst>
   </p:cSld>
@@ -5484,7 +5467,7 @@
           <a:lstStyle/>
           <a:p>
             <a:r>
-              <a:rPr lang="en-US" smtClean="0"/>
+              <a:rPr lang="en-US"/>
               <a:t>Click to edit Master title style</a:t>
             </a:r>
             <a:endParaRPr lang="en-US" dirty="0"/>
@@ -5524,7 +5507,7 @@
                 </a:solidFill>
               </a:rPr>
               <a:pPr/>
-              <a:t>10/24/2016</a:t>
+              <a:t>10/31/2017</a:t>
             </a:fld>
             <a:endParaRPr dirty="0">
               <a:solidFill>
@@ -5553,7 +5536,7 @@
           <a:lstStyle/>
           <a:p>
             <a:r>
-              <a:rPr lang="en-US" dirty="0" smtClean="0">
+              <a:rPr lang="en-US" dirty="0">
                 <a:solidFill>
                   <a:srgbClr val="5F5F5F">
                     <a:lumMod val="60000"/>
@@ -5615,7 +5598,7 @@
     </p:spTree>
     <p:extLst>
       <p:ext uri="{BB962C8B-B14F-4D97-AF65-F5344CB8AC3E}">
-        <p14:creationId xmlns:p14="http://schemas.microsoft.com/office/powerpoint/2010/main" xmlns="" val="3337699384"/>
+        <p14:creationId xmlns:p14="http://schemas.microsoft.com/office/powerpoint/2010/main" val="3337699384"/>
       </p:ext>
     </p:extLst>
   </p:cSld>
@@ -5623,13 +5606,6 @@
     <a:masterClrMapping/>
   </p:clrMapOvr>
   <p:transition/>
-  <p:timing>
-    <p:tnLst>
-      <p:par>
-        <p:cTn id="1" dur="indefinite" restart="never" nodeType="tmRoot"/>
-      </p:par>
-    </p:tnLst>
-  </p:timing>
 </p:sldLayout>
 </file>
 
@@ -5666,7 +5642,7 @@
           <a:lstStyle/>
           <a:p>
             <a:r>
-              <a:rPr lang="en-US" dirty="0" smtClean="0"/>
+              <a:rPr lang="en-US" dirty="0"/>
               <a:t>Click to edit Master title style</a:t>
             </a:r>
             <a:endParaRPr dirty="0"/>
@@ -5685,7 +5661,7 @@
           <a:blip r:embed="rId2" cstate="print">
             <a:extLst>
               <a:ext uri="{28A0092B-C50C-407E-A947-70E740481C1C}">
-                <a14:useLocalDpi xmlns:a14="http://schemas.microsoft.com/office/drawing/2010/main" xmlns="" val="0"/>
+                <a14:useLocalDpi xmlns:a14="http://schemas.microsoft.com/office/drawing/2010/main" val="0"/>
               </a:ext>
             </a:extLst>
           </a:blip>
@@ -5771,7 +5747,7 @@
           </a:lstStyle>
           <a:p>
             <a:r>
-              <a:rPr lang="en-US" dirty="0" smtClean="0"/>
+              <a:rPr lang="en-US" dirty="0"/>
               <a:t>Click icon to add picture</a:t>
             </a:r>
             <a:endParaRPr dirty="0"/>
@@ -5811,7 +5787,7 @@
                 </a:solidFill>
               </a:rPr>
               <a:pPr/>
-              <a:t>10/24/2016</a:t>
+              <a:t>10/31/2017</a:t>
             </a:fld>
             <a:endParaRPr dirty="0">
               <a:solidFill>
@@ -5840,7 +5816,7 @@
           <a:lstStyle/>
           <a:p>
             <a:r>
-              <a:rPr lang="en-US" dirty="0" smtClean="0">
+              <a:rPr lang="en-US" dirty="0">
                 <a:solidFill>
                   <a:srgbClr val="5F5F5F">
                     <a:lumMod val="60000"/>
@@ -5911,7 +5887,7 @@
           <a:blip r:embed="rId3" cstate="print">
             <a:extLst>
               <a:ext uri="{28A0092B-C50C-407E-A947-70E740481C1C}">
-                <a14:useLocalDpi xmlns:a14="http://schemas.microsoft.com/office/drawing/2010/main" xmlns="" val="0"/>
+                <a14:useLocalDpi xmlns:a14="http://schemas.microsoft.com/office/drawing/2010/main" val="0"/>
               </a:ext>
             </a:extLst>
           </a:blip>
@@ -5996,7 +5972,7 @@
           </a:lstStyle>
           <a:p>
             <a:r>
-              <a:rPr lang="en-US" dirty="0" smtClean="0"/>
+              <a:rPr lang="en-US" dirty="0"/>
               <a:t>Click icon to add picture</a:t>
             </a:r>
             <a:endParaRPr dirty="0"/>
@@ -6006,7 +5982,7 @@
     </p:spTree>
     <p:extLst>
       <p:ext uri="{BB962C8B-B14F-4D97-AF65-F5344CB8AC3E}">
-        <p14:creationId xmlns:p14="http://schemas.microsoft.com/office/powerpoint/2010/main" xmlns="" val="745444510"/>
+        <p14:creationId xmlns:p14="http://schemas.microsoft.com/office/powerpoint/2010/main" val="745444510"/>
       </p:ext>
     </p:extLst>
   </p:cSld>
@@ -6014,13 +5990,6 @@
     <a:masterClrMapping/>
   </p:clrMapOvr>
   <p:transition/>
-  <p:timing>
-    <p:tnLst>
-      <p:par>
-        <p:cTn id="1" dur="indefinite" restart="never" nodeType="tmRoot"/>
-      </p:par>
-    </p:tnLst>
-  </p:timing>
 </p:sldLayout>
 </file>
 
@@ -6068,7 +6037,7 @@
           </a:lstStyle>
           <a:p>
             <a:r>
-              <a:rPr lang="en-US" dirty="0" smtClean="0"/>
+              <a:rPr lang="en-US" dirty="0"/>
               <a:t>Click to edit Master title style</a:t>
             </a:r>
             <a:endParaRPr dirty="0"/>
@@ -6087,7 +6056,7 @@
           <a:blip r:embed="rId2" cstate="print">
             <a:extLst>
               <a:ext uri="{28A0092B-C50C-407E-A947-70E740481C1C}">
-                <a14:useLocalDpi xmlns:a14="http://schemas.microsoft.com/office/drawing/2010/main" xmlns="" val="0"/>
+                <a14:useLocalDpi xmlns:a14="http://schemas.microsoft.com/office/drawing/2010/main" val="0"/>
               </a:ext>
             </a:extLst>
           </a:blip>
@@ -6172,7 +6141,7 @@
           </a:lstStyle>
           <a:p>
             <a:r>
-              <a:rPr lang="en-US" dirty="0" smtClean="0"/>
+              <a:rPr lang="en-US" dirty="0"/>
               <a:t>Click icon to add picture</a:t>
             </a:r>
             <a:endParaRPr dirty="0"/>
@@ -6191,7 +6160,7 @@
           <a:blip r:embed="rId3" cstate="print">
             <a:extLst>
               <a:ext uri="{28A0092B-C50C-407E-A947-70E740481C1C}">
-                <a14:useLocalDpi xmlns:a14="http://schemas.microsoft.com/office/drawing/2010/main" xmlns="" val="0"/>
+                <a14:useLocalDpi xmlns:a14="http://schemas.microsoft.com/office/drawing/2010/main" val="0"/>
               </a:ext>
             </a:extLst>
           </a:blip>
@@ -6276,7 +6245,7 @@
           </a:lstStyle>
           <a:p>
             <a:r>
-              <a:rPr lang="en-US" dirty="0" smtClean="0"/>
+              <a:rPr lang="en-US" dirty="0"/>
               <a:t>Click icon to add picture</a:t>
             </a:r>
             <a:endParaRPr dirty="0"/>
@@ -6316,7 +6285,7 @@
                 </a:solidFill>
               </a:rPr>
               <a:pPr/>
-              <a:t>10/24/2016</a:t>
+              <a:t>10/31/2017</a:t>
             </a:fld>
             <a:endParaRPr dirty="0">
               <a:solidFill>
@@ -6345,7 +6314,7 @@
           <a:lstStyle/>
           <a:p>
             <a:r>
-              <a:rPr lang="en-US" dirty="0" smtClean="0">
+              <a:rPr lang="en-US" dirty="0">
                 <a:solidFill>
                   <a:srgbClr val="5F5F5F">
                     <a:lumMod val="60000"/>
@@ -6407,7 +6376,7 @@
     </p:spTree>
     <p:extLst>
       <p:ext uri="{BB962C8B-B14F-4D97-AF65-F5344CB8AC3E}">
-        <p14:creationId xmlns:p14="http://schemas.microsoft.com/office/powerpoint/2010/main" xmlns="" val="2720634047"/>
+        <p14:creationId xmlns:p14="http://schemas.microsoft.com/office/powerpoint/2010/main" val="2720634047"/>
       </p:ext>
     </p:extLst>
   </p:cSld>
@@ -6415,16 +6384,9 @@
     <a:masterClrMapping/>
   </p:clrMapOvr>
   <p:transition/>
-  <p:timing>
-    <p:tnLst>
-      <p:par>
-        <p:cTn id="1" dur="indefinite" restart="never" nodeType="tmRoot"/>
-      </p:par>
-    </p:tnLst>
-  </p:timing>
   <p:extLst mod="1">
     <p:ext uri="{DCECCB84-F9BA-43D5-87BE-67443E8EF086}">
-      <p15:sldGuideLst xmlns:p15="http://schemas.microsoft.com/office/powerpoint/2012/main" xmlns="">
+      <p15:sldGuideLst xmlns:p15="http://schemas.microsoft.com/office/powerpoint/2012/main">
         <p15:guide id="1" orient="horz" pos="2160" userDrawn="1">
           <p15:clr>
             <a:srgbClr val="FBAE40"/>
@@ -6474,7 +6436,7 @@
           <a:lstStyle/>
           <a:p>
             <a:r>
-              <a:rPr lang="en-US" smtClean="0"/>
+              <a:rPr lang="en-US"/>
               <a:t>Click to edit Master title style</a:t>
             </a:r>
             <a:endParaRPr dirty="0"/>
@@ -6514,7 +6476,7 @@
                 </a:solidFill>
               </a:rPr>
               <a:pPr/>
-              <a:t>10/24/2016</a:t>
+              <a:t>10/31/2017</a:t>
             </a:fld>
             <a:endParaRPr dirty="0">
               <a:solidFill>
@@ -6543,7 +6505,7 @@
           <a:lstStyle/>
           <a:p>
             <a:r>
-              <a:rPr lang="en-US" dirty="0" smtClean="0">
+              <a:rPr lang="en-US" dirty="0">
                 <a:solidFill>
                   <a:srgbClr val="5F5F5F">
                     <a:lumMod val="60000"/>
@@ -6611,10 +6573,10 @@
           <p:nvPr userDrawn="1"/>
         </p:nvPicPr>
         <p:blipFill>
-          <a:blip r:embed="rId2" cstate="screen">
+          <a:blip r:embed="rId2" cstate="print">
             <a:extLst>
               <a:ext uri="{28A0092B-C50C-407E-A947-70E740481C1C}">
-                <a14:useLocalDpi xmlns:a14="http://schemas.microsoft.com/office/drawing/2010/main" xmlns="" val="0"/>
+                <a14:useLocalDpi xmlns:a14="http://schemas.microsoft.com/office/drawing/2010/main" val="0"/>
               </a:ext>
             </a:extLst>
           </a:blip>
@@ -6700,7 +6662,7 @@
           </a:lstStyle>
           <a:p>
             <a:r>
-              <a:rPr lang="en-US" dirty="0" smtClean="0"/>
+              <a:rPr lang="en-US" dirty="0"/>
               <a:t>Click icon to add picture</a:t>
             </a:r>
             <a:endParaRPr dirty="0"/>
@@ -6719,7 +6681,7 @@
           <a:blip r:embed="rId3" cstate="print">
             <a:extLst>
               <a:ext uri="{28A0092B-C50C-407E-A947-70E740481C1C}">
-                <a14:useLocalDpi xmlns:a14="http://schemas.microsoft.com/office/drawing/2010/main" xmlns="" val="0"/>
+                <a14:useLocalDpi xmlns:a14="http://schemas.microsoft.com/office/drawing/2010/main" val="0"/>
               </a:ext>
             </a:extLst>
           </a:blip>
@@ -6805,7 +6767,7 @@
           </a:lstStyle>
           <a:p>
             <a:r>
-              <a:rPr lang="en-US" dirty="0" smtClean="0"/>
+              <a:rPr lang="en-US" dirty="0"/>
               <a:t>Click icon to add picture</a:t>
             </a:r>
             <a:endParaRPr dirty="0"/>
@@ -6815,7 +6777,7 @@
     </p:spTree>
     <p:extLst>
       <p:ext uri="{BB962C8B-B14F-4D97-AF65-F5344CB8AC3E}">
-        <p14:creationId xmlns:p14="http://schemas.microsoft.com/office/powerpoint/2010/main" xmlns="" val="860819270"/>
+        <p14:creationId xmlns:p14="http://schemas.microsoft.com/office/powerpoint/2010/main" val="860819270"/>
       </p:ext>
     </p:extLst>
   </p:cSld>
@@ -6823,13 +6785,6 @@
     <a:masterClrMapping/>
   </p:clrMapOvr>
   <p:transition/>
-  <p:timing>
-    <p:tnLst>
-      <p:par>
-        <p:cTn id="1" dur="indefinite" restart="never" nodeType="tmRoot"/>
-      </p:par>
-    </p:tnLst>
-  </p:timing>
 </p:sldLayout>
 </file>
 
@@ -6877,7 +6832,7 @@
           </a:lstStyle>
           <a:p>
             <a:r>
-              <a:rPr lang="en-US" dirty="0" smtClean="0"/>
+              <a:rPr lang="en-US" dirty="0"/>
               <a:t>Click to edit Master title style</a:t>
             </a:r>
             <a:endParaRPr dirty="0"/>
@@ -6917,7 +6872,7 @@
                 </a:solidFill>
               </a:rPr>
               <a:pPr/>
-              <a:t>10/24/2016</a:t>
+              <a:t>10/31/2017</a:t>
             </a:fld>
             <a:endParaRPr dirty="0">
               <a:solidFill>
@@ -6946,7 +6901,7 @@
           <a:lstStyle/>
           <a:p>
             <a:r>
-              <a:rPr lang="en-US" dirty="0" smtClean="0">
+              <a:rPr lang="en-US" dirty="0">
                 <a:solidFill>
                   <a:srgbClr val="5F5F5F">
                     <a:lumMod val="60000"/>
@@ -7017,7 +6972,7 @@
           <a:blip r:embed="rId2" cstate="screen">
             <a:extLst>
               <a:ext uri="{28A0092B-C50C-407E-A947-70E740481C1C}">
-                <a14:useLocalDpi xmlns:a14="http://schemas.microsoft.com/office/drawing/2010/main" xmlns="" val="0"/>
+                <a14:useLocalDpi xmlns:a14="http://schemas.microsoft.com/office/drawing/2010/main" val="0"/>
               </a:ext>
             </a:extLst>
           </a:blip>
@@ -7102,7 +7057,7 @@
           </a:lstStyle>
           <a:p>
             <a:r>
-              <a:rPr lang="en-US" dirty="0" smtClean="0"/>
+              <a:rPr lang="en-US" dirty="0"/>
               <a:t>Click icon to add picture</a:t>
             </a:r>
             <a:endParaRPr dirty="0"/>
@@ -7121,7 +7076,7 @@
           <a:blip r:embed="rId3" cstate="print">
             <a:extLst>
               <a:ext uri="{28A0092B-C50C-407E-A947-70E740481C1C}">
-                <a14:useLocalDpi xmlns:a14="http://schemas.microsoft.com/office/drawing/2010/main" xmlns="" val="0"/>
+                <a14:useLocalDpi xmlns:a14="http://schemas.microsoft.com/office/drawing/2010/main" val="0"/>
               </a:ext>
             </a:extLst>
           </a:blip>
@@ -7207,7 +7162,7 @@
           </a:lstStyle>
           <a:p>
             <a:r>
-              <a:rPr lang="en-US" dirty="0" smtClean="0"/>
+              <a:rPr lang="en-US" dirty="0"/>
               <a:t>Click icon to add picture</a:t>
             </a:r>
             <a:endParaRPr dirty="0"/>
@@ -7217,7 +7172,7 @@
     </p:spTree>
     <p:extLst>
       <p:ext uri="{BB962C8B-B14F-4D97-AF65-F5344CB8AC3E}">
-        <p14:creationId xmlns:p14="http://schemas.microsoft.com/office/powerpoint/2010/main" xmlns="" val="187660172"/>
+        <p14:creationId xmlns:p14="http://schemas.microsoft.com/office/powerpoint/2010/main" val="187660172"/>
       </p:ext>
     </p:extLst>
   </p:cSld>
@@ -7225,16 +7180,9 @@
     <a:masterClrMapping/>
   </p:clrMapOvr>
   <p:transition/>
-  <p:timing>
-    <p:tnLst>
-      <p:par>
-        <p:cTn id="1" dur="indefinite" restart="never" nodeType="tmRoot"/>
-      </p:par>
-    </p:tnLst>
-  </p:timing>
   <p:extLst mod="1">
     <p:ext uri="{DCECCB84-F9BA-43D5-87BE-67443E8EF086}">
-      <p15:sldGuideLst xmlns:p15="http://schemas.microsoft.com/office/powerpoint/2012/main" xmlns="">
+      <p15:sldGuideLst xmlns:p15="http://schemas.microsoft.com/office/powerpoint/2012/main">
         <p15:guide id="1" orient="horz" pos="2160">
           <p15:clr>
             <a:srgbClr val="FBAE40"/>
@@ -7288,10 +7236,9 @@
           </a:lstStyle>
           <a:p>
             <a:r>
-              <a:rPr lang="en-US" dirty="0" smtClean="0"/>
+              <a:rPr lang="en-US" dirty="0"/>
               <a:t>Agenda</a:t>
             </a:r>
-            <a:endParaRPr lang="en-US" dirty="0"/>
           </a:p>
         </p:txBody>
       </p:sp>
@@ -7323,45 +7270,44 @@
           <a:p>
             <a:pPr lvl="0"/>
             <a:r>
-              <a:rPr lang="en-US" dirty="0" smtClean="0"/>
+              <a:rPr lang="en-US" dirty="0"/>
               <a:t>Topic 1</a:t>
             </a:r>
           </a:p>
           <a:p>
             <a:pPr lvl="0"/>
             <a:r>
-              <a:rPr lang="en-US" dirty="0" smtClean="0"/>
+              <a:rPr lang="en-US" dirty="0"/>
               <a:t>Topic 2</a:t>
             </a:r>
           </a:p>
           <a:p>
             <a:pPr lvl="0"/>
             <a:r>
-              <a:rPr lang="en-US" dirty="0" smtClean="0"/>
+              <a:rPr lang="en-US" dirty="0"/>
               <a:t>Topic 3</a:t>
             </a:r>
           </a:p>
           <a:p>
             <a:pPr lvl="0"/>
             <a:r>
-              <a:rPr lang="en-US" dirty="0" smtClean="0"/>
+              <a:rPr lang="en-US" dirty="0"/>
               <a:t>Topic 4</a:t>
             </a:r>
           </a:p>
           <a:p>
             <a:pPr lvl="0"/>
             <a:r>
-              <a:rPr lang="en-US" dirty="0" smtClean="0"/>
+              <a:rPr lang="en-US" dirty="0"/>
               <a:t>Topic 5</a:t>
             </a:r>
           </a:p>
           <a:p>
             <a:pPr lvl="0"/>
             <a:r>
-              <a:rPr lang="en-US" dirty="0" smtClean="0"/>
+              <a:rPr lang="en-US" dirty="0"/>
               <a:t>Topic 6</a:t>
             </a:r>
-            <a:endParaRPr lang="en-US" dirty="0"/>
           </a:p>
         </p:txBody>
       </p:sp>
@@ -7396,17 +7342,16 @@
           </a:lstStyle>
           <a:p>
             <a:r>
-              <a:rPr lang="en-US" dirty="0" smtClean="0"/>
+              <a:rPr lang="en-US" dirty="0"/>
               <a:t>Insert Picture</a:t>
             </a:r>
-            <a:endParaRPr lang="en-US" dirty="0"/>
           </a:p>
         </p:txBody>
       </p:sp>
     </p:spTree>
     <p:extLst>
       <p:ext uri="{BB962C8B-B14F-4D97-AF65-F5344CB8AC3E}">
-        <p14:creationId xmlns:p14="http://schemas.microsoft.com/office/powerpoint/2010/main" xmlns="" val="1781731904"/>
+        <p14:creationId xmlns:p14="http://schemas.microsoft.com/office/powerpoint/2010/main" val="1781731904"/>
       </p:ext>
     </p:extLst>
   </p:cSld>
@@ -7414,13 +7359,6 @@
     <a:masterClrMapping/>
   </p:clrMapOvr>
   <p:transition/>
-  <p:timing>
-    <p:tnLst>
-      <p:par>
-        <p:cTn id="1" dur="indefinite" restart="never" nodeType="tmRoot"/>
-      </p:par>
-    </p:tnLst>
-  </p:timing>
 </p:sldLayout>
 </file>
 
@@ -7462,10 +7400,9 @@
           <a:lstStyle/>
           <a:p>
             <a:r>
-              <a:rPr lang="en-US" dirty="0" smtClean="0"/>
+              <a:rPr lang="en-US" dirty="0"/>
               <a:t>Click to edit Master title style</a:t>
             </a:r>
-            <a:endParaRPr lang="en-US" dirty="0"/>
           </a:p>
         </p:txBody>
       </p:sp>
@@ -7491,28 +7428,28 @@
           <a:p>
             <a:pPr lvl="0"/>
             <a:r>
-              <a:rPr lang="en-US" dirty="0" smtClean="0"/>
+              <a:rPr lang="en-US" dirty="0"/>
               <a:t>Click to edit Master text styles</a:t>
             </a:r>
           </a:p>
           <a:p>
             <a:pPr lvl="1"/>
             <a:r>
-              <a:rPr lang="en-US" dirty="0" smtClean="0"/>
+              <a:rPr lang="en-US" dirty="0"/>
               <a:t>Second level</a:t>
             </a:r>
           </a:p>
           <a:p>
             <a:pPr lvl="2"/>
             <a:r>
-              <a:rPr lang="en-US" dirty="0" smtClean="0"/>
+              <a:rPr lang="en-US" dirty="0"/>
               <a:t>Third level</a:t>
             </a:r>
           </a:p>
           <a:p>
             <a:pPr lvl="3"/>
             <a:r>
-              <a:rPr lang="en-US" dirty="0" smtClean="0"/>
+              <a:rPr lang="en-US" dirty="0"/>
               <a:t>Fourth level</a:t>
             </a:r>
           </a:p>
@@ -7575,7 +7512,7 @@
           <a:p>
             <a:pPr lvl="0"/>
             <a:r>
-              <a:rPr lang="en-US" dirty="0" smtClean="0"/>
+              <a:rPr lang="en-US" dirty="0"/>
               <a:t>Click to edit Master text styles</a:t>
             </a:r>
           </a:p>
@@ -7584,7 +7521,7 @@
     </p:spTree>
     <p:extLst>
       <p:ext uri="{BB962C8B-B14F-4D97-AF65-F5344CB8AC3E}">
-        <p14:creationId xmlns:p14="http://schemas.microsoft.com/office/powerpoint/2010/main" xmlns="" val="2922849693"/>
+        <p14:creationId xmlns:p14="http://schemas.microsoft.com/office/powerpoint/2010/main" val="2922849693"/>
       </p:ext>
     </p:extLst>
   </p:cSld>
@@ -7592,13 +7529,6 @@
     <a:masterClrMapping/>
   </p:clrMapOvr>
   <p:transition/>
-  <p:timing>
-    <p:tnLst>
-      <p:par>
-        <p:cTn id="1" dur="indefinite" restart="never" nodeType="tmRoot"/>
-      </p:par>
-    </p:tnLst>
-  </p:timing>
 </p:sldLayout>
 </file>
 
@@ -7640,7 +7570,7 @@
           <a:lstStyle/>
           <a:p>
             <a:r>
-              <a:rPr lang="en-US" smtClean="0"/>
+              <a:rPr lang="en-US"/>
               <a:t>Click to edit Master title style</a:t>
             </a:r>
             <a:endParaRPr lang="en-US" dirty="0"/>
@@ -7720,7 +7650,7 @@
     </p:spTree>
     <p:extLst>
       <p:ext uri="{BB962C8B-B14F-4D97-AF65-F5344CB8AC3E}">
-        <p14:creationId xmlns:p14="http://schemas.microsoft.com/office/powerpoint/2010/main" xmlns="" val="399101769"/>
+        <p14:creationId xmlns:p14="http://schemas.microsoft.com/office/powerpoint/2010/main" val="399101769"/>
       </p:ext>
     </p:extLst>
   </p:cSld>
@@ -7728,13 +7658,6 @@
     <a:masterClrMapping/>
   </p:clrMapOvr>
   <p:transition/>
-  <p:timing>
-    <p:tnLst>
-      <p:par>
-        <p:cTn id="1" dur="indefinite" restart="never" nodeType="tmRoot"/>
-      </p:par>
-    </p:tnLst>
-  </p:timing>
 </p:sldLayout>
 </file>
 
@@ -7780,7 +7703,7 @@
           </a:lstStyle>
           <a:p>
             <a:r>
-              <a:rPr lang="en-US" smtClean="0"/>
+              <a:rPr lang="en-US"/>
               <a:t>Click to edit Master title style</a:t>
             </a:r>
             <a:endParaRPr lang="en-US" dirty="0"/>
@@ -7844,7 +7767,7 @@
           <a:p>
             <a:pPr lvl="0"/>
             <a:r>
-              <a:rPr lang="en-US" smtClean="0"/>
+              <a:rPr lang="en-US"/>
               <a:t>Click to edit Master text styles</a:t>
             </a:r>
           </a:p>
@@ -7853,7 +7776,7 @@
     </p:spTree>
     <p:extLst>
       <p:ext uri="{BB962C8B-B14F-4D97-AF65-F5344CB8AC3E}">
-        <p14:creationId xmlns:p14="http://schemas.microsoft.com/office/powerpoint/2010/main" xmlns="" val="1578596723"/>
+        <p14:creationId xmlns:p14="http://schemas.microsoft.com/office/powerpoint/2010/main" val="1578596723"/>
       </p:ext>
     </p:extLst>
   </p:cSld>
@@ -7861,13 +7784,6 @@
     <a:masterClrMapping/>
   </p:clrMapOvr>
   <p:transition/>
-  <p:timing>
-    <p:tnLst>
-      <p:par>
-        <p:cTn id="1" dur="indefinite" restart="never" nodeType="tmRoot"/>
-      </p:par>
-    </p:tnLst>
-  </p:timing>
 </p:sldLayout>
 </file>
 
@@ -7913,10 +7829,9 @@
           </a:lstStyle>
           <a:p>
             <a:r>
-              <a:rPr lang="en-US" smtClean="0"/>
+              <a:rPr lang="en-US"/>
               <a:t>Click to edit Master title style</a:t>
             </a:r>
-            <a:endParaRPr lang="en-US"/>
           </a:p>
         </p:txBody>
       </p:sp>
@@ -7979,7 +7894,7 @@
           <a:p>
             <a:pPr lvl="0"/>
             <a:r>
-              <a:rPr lang="en-US" smtClean="0"/>
+              <a:rPr lang="en-US"/>
               <a:t>Click to edit Master text styles</a:t>
             </a:r>
           </a:p>
@@ -8022,7 +7937,7 @@
     </p:spTree>
     <p:extLst>
       <p:ext uri="{BB962C8B-B14F-4D97-AF65-F5344CB8AC3E}">
-        <p14:creationId xmlns:p14="http://schemas.microsoft.com/office/powerpoint/2010/main" xmlns="" val="4038153841"/>
+        <p14:creationId xmlns:p14="http://schemas.microsoft.com/office/powerpoint/2010/main" val="4038153841"/>
       </p:ext>
     </p:extLst>
   </p:cSld>
@@ -8141,17 +8056,16 @@
           <a:lstStyle/>
           <a:p>
             <a:r>
-              <a:rPr lang="en-US" dirty="0" smtClean="0"/>
+              <a:rPr lang="en-US" dirty="0"/>
               <a:t>Click to edit Master title style</a:t>
             </a:r>
-            <a:endParaRPr lang="en-US" dirty="0"/>
           </a:p>
         </p:txBody>
       </p:sp>
     </p:spTree>
     <p:extLst>
       <p:ext uri="{BB962C8B-B14F-4D97-AF65-F5344CB8AC3E}">
-        <p14:creationId xmlns:p14="http://schemas.microsoft.com/office/powerpoint/2010/main" xmlns="" val="2569008734"/>
+        <p14:creationId xmlns:p14="http://schemas.microsoft.com/office/powerpoint/2010/main" val="2569008734"/>
       </p:ext>
     </p:extLst>
   </p:cSld>
@@ -8204,7 +8118,7 @@
           </a:lstStyle>
           <a:p>
             <a:r>
-              <a:rPr lang="en-US" smtClean="0"/>
+              <a:rPr lang="en-US"/>
               <a:t>Click to edit Master title style</a:t>
             </a:r>
             <a:endParaRPr lang="en-US" dirty="0"/>
@@ -8268,7 +8182,7 @@
           <a:p>
             <a:pPr lvl="0"/>
             <a:r>
-              <a:rPr lang="en-US" smtClean="0"/>
+              <a:rPr lang="en-US"/>
               <a:t>Click to edit Master text styles</a:t>
             </a:r>
           </a:p>
@@ -8277,7 +8191,7 @@
     </p:spTree>
     <p:extLst>
       <p:ext uri="{BB962C8B-B14F-4D97-AF65-F5344CB8AC3E}">
-        <p14:creationId xmlns:p14="http://schemas.microsoft.com/office/powerpoint/2010/main" xmlns="" val="1380056141"/>
+        <p14:creationId xmlns:p14="http://schemas.microsoft.com/office/powerpoint/2010/main" val="1380056141"/>
       </p:ext>
     </p:extLst>
   </p:cSld>
@@ -8285,13 +8199,6 @@
     <a:masterClrMapping/>
   </p:clrMapOvr>
   <p:transition/>
-  <p:timing>
-    <p:tnLst>
-      <p:par>
-        <p:cTn id="1" dur="indefinite" restart="never" nodeType="tmRoot"/>
-      </p:par>
-    </p:tnLst>
-  </p:timing>
 </p:sldLayout>
 </file>
 
@@ -8385,7 +8292,7 @@
     </p:spTree>
     <p:extLst>
       <p:ext uri="{BB962C8B-B14F-4D97-AF65-F5344CB8AC3E}">
-        <p14:creationId xmlns:p14="http://schemas.microsoft.com/office/powerpoint/2010/main" xmlns="" val="133874501"/>
+        <p14:creationId xmlns:p14="http://schemas.microsoft.com/office/powerpoint/2010/main" val="133874501"/>
       </p:ext>
     </p:extLst>
   </p:cSld>
@@ -8393,13 +8300,6 @@
     <a:masterClrMapping/>
   </p:clrMapOvr>
   <p:transition/>
-  <p:timing>
-    <p:tnLst>
-      <p:par>
-        <p:cTn id="1" dur="indefinite" restart="never" nodeType="tmRoot"/>
-      </p:par>
-    </p:tnLst>
-  </p:timing>
 </p:sldLayout>
 </file>
 
@@ -8423,7 +8323,7 @@
     </p:spTree>
     <p:extLst>
       <p:ext uri="{BB962C8B-B14F-4D97-AF65-F5344CB8AC3E}">
-        <p14:creationId xmlns:p14="http://schemas.microsoft.com/office/powerpoint/2010/main" xmlns="" val="4021669199"/>
+        <p14:creationId xmlns:p14="http://schemas.microsoft.com/office/powerpoint/2010/main" val="4021669199"/>
       </p:ext>
     </p:extLst>
   </p:cSld>
@@ -8542,7 +8442,7 @@
           <a:lstStyle/>
           <a:p>
             <a:r>
-              <a:rPr lang="en-US" smtClean="0"/>
+              <a:rPr lang="en-US"/>
               <a:t>Click to edit Master title style</a:t>
             </a:r>
             <a:endParaRPr lang="en-US" dirty="0"/>
@@ -8552,7 +8452,7 @@
     </p:spTree>
     <p:extLst>
       <p:ext uri="{BB962C8B-B14F-4D97-AF65-F5344CB8AC3E}">
-        <p14:creationId xmlns:p14="http://schemas.microsoft.com/office/powerpoint/2010/main" xmlns="" val="647765311"/>
+        <p14:creationId xmlns:p14="http://schemas.microsoft.com/office/powerpoint/2010/main" val="647765311"/>
       </p:ext>
     </p:extLst>
   </p:cSld>
@@ -8605,7 +8505,7 @@
           </a:lstStyle>
           <a:p>
             <a:r>
-              <a:rPr lang="en-US" smtClean="0"/>
+              <a:rPr lang="en-US"/>
               <a:t>Click to edit Master title style</a:t>
             </a:r>
             <a:endParaRPr lang="en-US" dirty="0"/>
@@ -8669,7 +8569,7 @@
           <a:p>
             <a:pPr lvl="0"/>
             <a:r>
-              <a:rPr lang="en-US" smtClean="0"/>
+              <a:rPr lang="en-US"/>
               <a:t>Click to edit Master text styles</a:t>
             </a:r>
           </a:p>
@@ -8678,7 +8578,7 @@
     </p:spTree>
     <p:extLst>
       <p:ext uri="{BB962C8B-B14F-4D97-AF65-F5344CB8AC3E}">
-        <p14:creationId xmlns:p14="http://schemas.microsoft.com/office/powerpoint/2010/main" xmlns="" val="633530676"/>
+        <p14:creationId xmlns:p14="http://schemas.microsoft.com/office/powerpoint/2010/main" val="633530676"/>
       </p:ext>
     </p:extLst>
   </p:cSld>
@@ -8686,13 +8586,6 @@
     <a:masterClrMapping/>
   </p:clrMapOvr>
   <p:transition/>
-  <p:timing>
-    <p:tnLst>
-      <p:par>
-        <p:cTn id="1" dur="indefinite" restart="never" nodeType="tmRoot"/>
-      </p:par>
-    </p:tnLst>
-  </p:timing>
 </p:sldLayout>
 </file>
 
@@ -8729,10 +8622,9 @@
           <a:lstStyle/>
           <a:p>
             <a:r>
-              <a:rPr lang="en-US" smtClean="0"/>
+              <a:rPr lang="en-US"/>
               <a:t>Click to edit Master title style</a:t>
             </a:r>
-            <a:endParaRPr lang="en-US"/>
           </a:p>
         </p:txBody>
       </p:sp>
@@ -8758,38 +8650,37 @@
           <a:p>
             <a:pPr lvl="0"/>
             <a:r>
-              <a:rPr lang="en-US" smtClean="0"/>
+              <a:rPr lang="en-US"/>
               <a:t>Click to edit Master text styles</a:t>
             </a:r>
           </a:p>
           <a:p>
             <a:pPr lvl="1"/>
             <a:r>
-              <a:rPr lang="en-US" smtClean="0"/>
+              <a:rPr lang="en-US"/>
               <a:t>Second level</a:t>
             </a:r>
           </a:p>
           <a:p>
             <a:pPr lvl="2"/>
             <a:r>
-              <a:rPr lang="en-US" smtClean="0"/>
+              <a:rPr lang="en-US"/>
               <a:t>Third level</a:t>
             </a:r>
           </a:p>
           <a:p>
             <a:pPr lvl="3"/>
             <a:r>
-              <a:rPr lang="en-US" smtClean="0"/>
+              <a:rPr lang="en-US"/>
               <a:t>Fourth level</a:t>
             </a:r>
           </a:p>
           <a:p>
             <a:pPr lvl="4"/>
             <a:r>
-              <a:rPr lang="en-US" smtClean="0"/>
+              <a:rPr lang="en-US"/>
               <a:t>Fifth level</a:t>
             </a:r>
-            <a:endParaRPr lang="en-US"/>
           </a:p>
         </p:txBody>
       </p:sp>
@@ -8815,38 +8706,37 @@
           <a:p>
             <a:pPr lvl="0"/>
             <a:r>
-              <a:rPr lang="en-US" smtClean="0"/>
+              <a:rPr lang="en-US"/>
               <a:t>Click to edit Master text styles</a:t>
             </a:r>
           </a:p>
           <a:p>
             <a:pPr lvl="1"/>
             <a:r>
-              <a:rPr lang="en-US" smtClean="0"/>
+              <a:rPr lang="en-US"/>
               <a:t>Second level</a:t>
             </a:r>
           </a:p>
           <a:p>
             <a:pPr lvl="2"/>
             <a:r>
-              <a:rPr lang="en-US" smtClean="0"/>
+              <a:rPr lang="en-US"/>
               <a:t>Third level</a:t>
             </a:r>
           </a:p>
           <a:p>
             <a:pPr lvl="3"/>
             <a:r>
-              <a:rPr lang="en-US" smtClean="0"/>
+              <a:rPr lang="en-US"/>
               <a:t>Fourth level</a:t>
             </a:r>
           </a:p>
           <a:p>
             <a:pPr lvl="4"/>
             <a:r>
-              <a:rPr lang="en-US" smtClean="0"/>
+              <a:rPr lang="en-US"/>
               <a:t>Fifth level</a:t>
             </a:r>
-            <a:endParaRPr lang="en-US"/>
           </a:p>
         </p:txBody>
       </p:sp>
@@ -8887,7 +8777,7 @@
     </p:spTree>
     <p:extLst>
       <p:ext uri="{BB962C8B-B14F-4D97-AF65-F5344CB8AC3E}">
-        <p14:creationId xmlns:p14="http://schemas.microsoft.com/office/powerpoint/2010/main" xmlns="" val="443218131"/>
+        <p14:creationId xmlns:p14="http://schemas.microsoft.com/office/powerpoint/2010/main" val="443218131"/>
       </p:ext>
     </p:extLst>
   </p:cSld>
@@ -8935,10 +8825,9 @@
           <a:lstStyle/>
           <a:p>
             <a:r>
-              <a:rPr lang="en-US" smtClean="0"/>
+              <a:rPr lang="en-US"/>
               <a:t>Click to edit Master title style</a:t>
             </a:r>
-            <a:endParaRPr lang="en-US"/>
           </a:p>
         </p:txBody>
       </p:sp>
@@ -9001,7 +8890,7 @@
           <a:p>
             <a:pPr lvl="0"/>
             <a:r>
-              <a:rPr lang="en-US" smtClean="0"/>
+              <a:rPr lang="en-US"/>
               <a:t>Click to edit Master text styles</a:t>
             </a:r>
           </a:p>
@@ -9029,38 +8918,37 @@
           <a:p>
             <a:pPr lvl="0"/>
             <a:r>
-              <a:rPr lang="en-US" smtClean="0"/>
+              <a:rPr lang="en-US"/>
               <a:t>Click to edit Master text styles</a:t>
             </a:r>
           </a:p>
           <a:p>
             <a:pPr lvl="1"/>
             <a:r>
-              <a:rPr lang="en-US" smtClean="0"/>
+              <a:rPr lang="en-US"/>
               <a:t>Second level</a:t>
             </a:r>
           </a:p>
           <a:p>
             <a:pPr lvl="2"/>
             <a:r>
-              <a:rPr lang="en-US" smtClean="0"/>
+              <a:rPr lang="en-US"/>
               <a:t>Third level</a:t>
             </a:r>
           </a:p>
           <a:p>
             <a:pPr lvl="3"/>
             <a:r>
-              <a:rPr lang="en-US" smtClean="0"/>
+              <a:rPr lang="en-US"/>
               <a:t>Fourth level</a:t>
             </a:r>
           </a:p>
           <a:p>
             <a:pPr lvl="4"/>
             <a:r>
-              <a:rPr lang="en-US" smtClean="0"/>
+              <a:rPr lang="en-US"/>
               <a:t>Fifth level</a:t>
             </a:r>
-            <a:endParaRPr lang="en-US"/>
           </a:p>
         </p:txBody>
       </p:sp>
@@ -9123,7 +9011,7 @@
           <a:p>
             <a:pPr lvl="0"/>
             <a:r>
-              <a:rPr lang="en-US" smtClean="0"/>
+              <a:rPr lang="en-US"/>
               <a:t>Click to edit Master text styles</a:t>
             </a:r>
           </a:p>
@@ -9151,38 +9039,37 @@
           <a:p>
             <a:pPr lvl="0"/>
             <a:r>
-              <a:rPr lang="en-US" smtClean="0"/>
+              <a:rPr lang="en-US"/>
               <a:t>Click to edit Master text styles</a:t>
             </a:r>
           </a:p>
           <a:p>
             <a:pPr lvl="1"/>
             <a:r>
-              <a:rPr lang="en-US" smtClean="0"/>
+              <a:rPr lang="en-US"/>
               <a:t>Second level</a:t>
             </a:r>
           </a:p>
           <a:p>
             <a:pPr lvl="2"/>
             <a:r>
-              <a:rPr lang="en-US" smtClean="0"/>
+              <a:rPr lang="en-US"/>
               <a:t>Third level</a:t>
             </a:r>
           </a:p>
           <a:p>
             <a:pPr lvl="3"/>
             <a:r>
-              <a:rPr lang="en-US" smtClean="0"/>
+              <a:rPr lang="en-US"/>
               <a:t>Fourth level</a:t>
             </a:r>
           </a:p>
           <a:p>
             <a:pPr lvl="4"/>
             <a:r>
-              <a:rPr lang="en-US" smtClean="0"/>
+              <a:rPr lang="en-US"/>
               <a:t>Fifth level</a:t>
             </a:r>
-            <a:endParaRPr lang="en-US"/>
           </a:p>
         </p:txBody>
       </p:sp>
@@ -9223,7 +9110,7 @@
     </p:spTree>
     <p:extLst>
       <p:ext uri="{BB962C8B-B14F-4D97-AF65-F5344CB8AC3E}">
-        <p14:creationId xmlns:p14="http://schemas.microsoft.com/office/powerpoint/2010/main" xmlns="" val="3068269899"/>
+        <p14:creationId xmlns:p14="http://schemas.microsoft.com/office/powerpoint/2010/main" val="3068269899"/>
       </p:ext>
     </p:extLst>
   </p:cSld>
@@ -9266,10 +9153,9 @@
           <a:lstStyle/>
           <a:p>
             <a:r>
-              <a:rPr lang="en-US" smtClean="0"/>
+              <a:rPr lang="en-US"/>
               <a:t>Click to edit Master title style</a:t>
             </a:r>
-            <a:endParaRPr lang="en-US"/>
           </a:p>
         </p:txBody>
       </p:sp>
@@ -9310,7 +9196,7 @@
     </p:spTree>
     <p:extLst>
       <p:ext uri="{BB962C8B-B14F-4D97-AF65-F5344CB8AC3E}">
-        <p14:creationId xmlns:p14="http://schemas.microsoft.com/office/powerpoint/2010/main" xmlns="" val="1866031572"/>
+        <p14:creationId xmlns:p14="http://schemas.microsoft.com/office/powerpoint/2010/main" val="1866031572"/>
       </p:ext>
     </p:extLst>
   </p:cSld>
@@ -9374,20 +9260,13 @@
     </p:spTree>
     <p:extLst>
       <p:ext uri="{BB962C8B-B14F-4D97-AF65-F5344CB8AC3E}">
-        <p14:creationId xmlns:p14="http://schemas.microsoft.com/office/powerpoint/2010/main" xmlns="" val="3623718578"/>
+        <p14:creationId xmlns:p14="http://schemas.microsoft.com/office/powerpoint/2010/main" val="3623718578"/>
       </p:ext>
     </p:extLst>
   </p:cSld>
   <p:clrMapOvr>
     <a:masterClrMapping/>
   </p:clrMapOvr>
-  <p:timing>
-    <p:tnLst>
-      <p:par>
-        <p:cTn id="1" dur="indefinite" restart="never" nodeType="tmRoot"/>
-      </p:par>
-    </p:tnLst>
-  </p:timing>
 </p:sldLayout>
 </file>
 
@@ -9433,10 +9312,9 @@
           </a:lstStyle>
           <a:p>
             <a:r>
-              <a:rPr lang="en-US" smtClean="0"/>
+              <a:rPr lang="en-US"/>
               <a:t>Click to edit Master title style</a:t>
             </a:r>
-            <a:endParaRPr lang="en-US"/>
           </a:p>
         </p:txBody>
       </p:sp>
@@ -9490,38 +9368,37 @@
           <a:p>
             <a:pPr lvl="0"/>
             <a:r>
-              <a:rPr lang="en-US" smtClean="0"/>
+              <a:rPr lang="en-US"/>
               <a:t>Click to edit Master text styles</a:t>
             </a:r>
           </a:p>
           <a:p>
             <a:pPr lvl="1"/>
             <a:r>
-              <a:rPr lang="en-US" smtClean="0"/>
+              <a:rPr lang="en-US"/>
               <a:t>Second level</a:t>
             </a:r>
           </a:p>
           <a:p>
             <a:pPr lvl="2"/>
             <a:r>
-              <a:rPr lang="en-US" smtClean="0"/>
+              <a:rPr lang="en-US"/>
               <a:t>Third level</a:t>
             </a:r>
           </a:p>
           <a:p>
             <a:pPr lvl="3"/>
             <a:r>
-              <a:rPr lang="en-US" smtClean="0"/>
+              <a:rPr lang="en-US"/>
               <a:t>Fourth level</a:t>
             </a:r>
           </a:p>
           <a:p>
             <a:pPr lvl="4"/>
             <a:r>
-              <a:rPr lang="en-US" smtClean="0"/>
+              <a:rPr lang="en-US"/>
               <a:t>Fifth level</a:t>
             </a:r>
-            <a:endParaRPr lang="en-US"/>
           </a:p>
         </p:txBody>
       </p:sp>
@@ -9584,7 +9461,7 @@
           <a:p>
             <a:pPr lvl="0"/>
             <a:r>
-              <a:rPr lang="en-US" smtClean="0"/>
+              <a:rPr lang="en-US"/>
               <a:t>Click to edit Master text styles</a:t>
             </a:r>
           </a:p>
@@ -9627,7 +9504,7 @@
     </p:spTree>
     <p:extLst>
       <p:ext uri="{BB962C8B-B14F-4D97-AF65-F5344CB8AC3E}">
-        <p14:creationId xmlns:p14="http://schemas.microsoft.com/office/powerpoint/2010/main" xmlns="" val="1644137627"/>
+        <p14:creationId xmlns:p14="http://schemas.microsoft.com/office/powerpoint/2010/main" val="1644137627"/>
       </p:ext>
     </p:extLst>
   </p:cSld>
@@ -9679,10 +9556,9 @@
           </a:lstStyle>
           <a:p>
             <a:r>
-              <a:rPr lang="en-US" smtClean="0"/>
+              <a:rPr lang="en-US"/>
               <a:t>Click to edit Master title style</a:t>
             </a:r>
-            <a:endParaRPr lang="en-US"/>
           </a:p>
         </p:txBody>
       </p:sp>
@@ -9806,7 +9682,7 @@
           <a:p>
             <a:pPr lvl="0"/>
             <a:r>
-              <a:rPr lang="en-US" smtClean="0"/>
+              <a:rPr lang="en-US"/>
               <a:t>Click to edit Master text styles</a:t>
             </a:r>
           </a:p>
@@ -9849,7 +9725,7 @@
     </p:spTree>
     <p:extLst>
       <p:ext uri="{BB962C8B-B14F-4D97-AF65-F5344CB8AC3E}">
-        <p14:creationId xmlns:p14="http://schemas.microsoft.com/office/powerpoint/2010/main" xmlns="" val="2633008561"/>
+        <p14:creationId xmlns:p14="http://schemas.microsoft.com/office/powerpoint/2010/main" val="2633008561"/>
       </p:ext>
     </p:extLst>
   </p:cSld>
@@ -9910,7 +9786,7 @@
           <a:lstStyle/>
           <a:p>
             <a:r>
-              <a:rPr lang="en-US" smtClean="0"/>
+              <a:rPr lang="en-US"/>
               <a:t>Click to edit Master title style</a:t>
             </a:r>
             <a:endParaRPr lang="en-US" dirty="0"/>
@@ -9969,35 +9845,35 @@
           <a:p>
             <a:pPr lvl="0"/>
             <a:r>
-              <a:rPr lang="en-US" smtClean="0"/>
+              <a:rPr lang="en-US"/>
               <a:t>    Click to edit Master text styles</a:t>
             </a:r>
           </a:p>
           <a:p>
             <a:pPr lvl="1"/>
             <a:r>
-              <a:rPr lang="en-US" smtClean="0"/>
+              <a:rPr lang="en-US"/>
               <a:t>Second level</a:t>
             </a:r>
           </a:p>
           <a:p>
             <a:pPr lvl="2"/>
             <a:r>
-              <a:rPr lang="en-US" smtClean="0"/>
+              <a:rPr lang="en-US"/>
               <a:t>Third level</a:t>
             </a:r>
           </a:p>
           <a:p>
             <a:pPr lvl="3"/>
             <a:r>
-              <a:rPr lang="en-US" smtClean="0"/>
+              <a:rPr lang="en-US"/>
               <a:t>Fourth level</a:t>
             </a:r>
           </a:p>
           <a:p>
             <a:pPr lvl="4"/>
             <a:r>
-              <a:rPr lang="en-US" smtClean="0"/>
+              <a:rPr lang="en-US"/>
               <a:t>Fifth level</a:t>
             </a:r>
           </a:p>
@@ -10190,7 +10066,7 @@
           <a:blip r:embed="rId37" cstate="print">
             <a:extLst>
               <a:ext uri="{28A0092B-C50C-407E-A947-70E740481C1C}">
-                <a14:useLocalDpi xmlns:a14="http://schemas.microsoft.com/office/drawing/2010/main" xmlns="" val="0"/>
+                <a14:useLocalDpi xmlns:a14="http://schemas.microsoft.com/office/drawing/2010/main" val="0"/>
               </a:ext>
             </a:extLst>
           </a:blip>
@@ -10259,13 +10135,6 @@
     <p:sldLayoutId id="2147483714" r:id="rId34"/>
     <p:sldLayoutId id="2147483715" r:id="rId35"/>
   </p:sldLayoutIdLst>
-  <p:timing>
-    <p:tnLst>
-      <p:par>
-        <p:cTn id="1" dur="indefinite" restart="never" nodeType="tmRoot"/>
-      </p:par>
-    </p:tnLst>
-  </p:timing>
   <p:hf sldNum="0" hdr="0"/>
   <p:txStyles>
     <p:titleStyle>
@@ -10745,13 +10614,8 @@
             <a:pPr algn="ctr"/>
             <a:r>
               <a:rPr lang="en-US" dirty="0"/>
-              <a:t>Pittsburgh Data Jam </a:t>
-            </a:r>
-            <a:r>
-              <a:rPr lang="en-US" dirty="0" smtClean="0"/>
-              <a:t>2016-2017</a:t>
-            </a:r>
-            <a:endParaRPr lang="en-US" dirty="0"/>
+              <a:t>Pittsburgh Data Jam 2017-2018</a:t>
+            </a:r>
           </a:p>
         </p:txBody>
       </p:sp>
@@ -10777,15 +10641,7 @@
           <a:p>
             <a:r>
               <a:rPr lang="en-US" dirty="0"/>
-              <a:t>Bringing Big </a:t>
-            </a:r>
-            <a:r>
-              <a:rPr lang="en-US" dirty="0" smtClean="0"/>
-              <a:t>Data Education and Awareness </a:t>
-            </a:r>
-            <a:r>
-              <a:rPr lang="en-US" dirty="0"/>
-              <a:t>to Pittsburgh High School Students</a:t>
+              <a:t>Bringing Big Data Education and Awareness to Pittsburgh High School Students</a:t>
             </a:r>
           </a:p>
         </p:txBody>
@@ -10802,7 +10658,7 @@
           <a:blip r:embed="rId2" cstate="print">
             <a:extLst>
               <a:ext uri="{28A0092B-C50C-407E-A947-70E740481C1C}">
-                <a14:useLocalDpi xmlns:a14="http://schemas.microsoft.com/office/drawing/2010/main" xmlns="" val="0"/>
+                <a14:useLocalDpi xmlns:a14="http://schemas.microsoft.com/office/drawing/2010/main" val="0"/>
               </a:ext>
             </a:extLst>
           </a:blip>
@@ -10854,26 +10710,13 @@
           <a:lstStyle/>
           <a:p>
             <a:r>
-              <a:rPr lang="en-US" sz="1800" b="0" dirty="0" smtClean="0">
+              <a:rPr lang="en-US" sz="1800" b="0" dirty="0">
                 <a:solidFill>
                   <a:schemeClr val="tx1"/>
                 </a:solidFill>
               </a:rPr>
-              <a:t>October 25, </a:t>
-            </a:r>
-            <a:r>
-              <a:rPr lang="en-US" sz="1800" b="0" dirty="0" smtClean="0">
-                <a:solidFill>
-                  <a:schemeClr val="tx1"/>
-                </a:solidFill>
-              </a:rPr>
-              <a:t>2016</a:t>
-            </a:r>
-            <a:endParaRPr lang="en-US" sz="1800" b="0" dirty="0">
-              <a:solidFill>
-                <a:schemeClr val="tx1"/>
-              </a:solidFill>
-            </a:endParaRPr>
+              <a:t>November 1, 2016</a:t>
+            </a:r>
           </a:p>
         </p:txBody>
       </p:sp>
@@ -10883,13 +10726,6 @@
     <a:masterClrMapping/>
   </p:clrMapOvr>
   <p:transition advTm="4353"/>
-  <p:timing>
-    <p:tnLst>
-      <p:par>
-        <p:cTn id="1" dur="indefinite" restart="never" nodeType="tmRoot"/>
-      </p:par>
-    </p:tnLst>
-  </p:timing>
 </p:sld>
 </file>
 
@@ -10933,14 +10769,14 @@
           <a:lstStyle/>
           <a:p>
             <a:r>
-              <a:rPr lang="en-US" dirty="0" smtClean="0"/>
+              <a:rPr lang="en-US" dirty="0"/>
               <a:t>Data Exploration</a:t>
             </a:r>
             <a:br>
-              <a:rPr lang="en-US" dirty="0" smtClean="0"/>
+              <a:rPr lang="en-US" dirty="0"/>
             </a:br>
             <a:r>
-              <a:rPr lang="en-US" sz="2700" dirty="0" smtClean="0"/>
+              <a:rPr lang="en-US" sz="2700" dirty="0"/>
               <a:t>Exploratory Data Analysis (EDA)</a:t>
             </a:r>
             <a:endParaRPr lang="en-US" dirty="0"/>
@@ -10968,47 +10804,47 @@
           <a:lstStyle/>
           <a:p>
             <a:r>
-              <a:rPr lang="en-US" dirty="0" smtClean="0"/>
+              <a:rPr lang="en-US" dirty="0"/>
               <a:t> </a:t>
             </a:r>
             <a:r>
-              <a:rPr lang="en-US" b="0" dirty="0" smtClean="0"/>
+              <a:rPr lang="en-US" b="0" dirty="0"/>
               <a:t>Goal is to get an understanding of what data you have</a:t>
             </a:r>
           </a:p>
           <a:p>
             <a:r>
-              <a:rPr lang="en-US" b="0" dirty="0" smtClean="0"/>
+              <a:rPr lang="en-US" b="0" dirty="0"/>
               <a:t>What are your variables</a:t>
             </a:r>
           </a:p>
           <a:p>
             <a:r>
-              <a:rPr lang="en-US" b="0" dirty="0" smtClean="0"/>
+              <a:rPr lang="en-US" b="0" dirty="0"/>
               <a:t>Basic Statistics</a:t>
             </a:r>
           </a:p>
           <a:p>
             <a:r>
-              <a:rPr lang="en-US" b="0" dirty="0" smtClean="0"/>
+              <a:rPr lang="en-US" b="0" dirty="0"/>
               <a:t>Graph Data</a:t>
             </a:r>
           </a:p>
           <a:p>
             <a:r>
-              <a:rPr lang="en-US" b="0" dirty="0" smtClean="0"/>
+              <a:rPr lang="en-US" b="0" dirty="0"/>
               <a:t>Look for missing values</a:t>
             </a:r>
           </a:p>
           <a:p>
             <a:r>
-              <a:rPr lang="en-US" b="0" dirty="0" smtClean="0"/>
+              <a:rPr lang="en-US" b="0" dirty="0"/>
               <a:t>Look for outliers</a:t>
             </a:r>
           </a:p>
           <a:p>
             <a:r>
-              <a:rPr lang="en-US" dirty="0" smtClean="0">
+              <a:rPr lang="en-US" dirty="0">
                 <a:solidFill>
                   <a:srgbClr val="C00000"/>
                 </a:solidFill>
@@ -11091,13 +10927,6 @@
   <p:clrMapOvr>
     <a:masterClrMapping/>
   </p:clrMapOvr>
-  <p:timing>
-    <p:tnLst>
-      <p:par>
-        <p:cTn id="1" dur="indefinite" restart="never" nodeType="tmRoot"/>
-      </p:par>
-    </p:tnLst>
-  </p:timing>
 </p:sld>
 </file>
 
@@ -11134,10 +10963,9 @@
           <a:lstStyle/>
           <a:p>
             <a:r>
-              <a:rPr lang="en-US" dirty="0" smtClean="0"/>
+              <a:rPr lang="en-US" dirty="0"/>
               <a:t>Basic Statistics</a:t>
             </a:r>
-            <a:endParaRPr lang="en-US" dirty="0"/>
           </a:p>
         </p:txBody>
       </p:sp>
@@ -11162,100 +10990,100 @@
           <a:lstStyle/>
           <a:p>
             <a:r>
-              <a:rPr lang="en-US" dirty="0" smtClean="0"/>
+              <a:rPr lang="en-US" dirty="0"/>
               <a:t>Goal is to get a basic understanding of your data</a:t>
             </a:r>
           </a:p>
           <a:p>
             <a:pPr lvl="1"/>
             <a:r>
-              <a:rPr lang="en-US" dirty="0" smtClean="0"/>
+              <a:rPr lang="en-US" dirty="0"/>
               <a:t>Mean (Average) </a:t>
             </a:r>
           </a:p>
           <a:p>
             <a:pPr lvl="2"/>
             <a:r>
-              <a:rPr lang="en-US" dirty="0" smtClean="0"/>
+              <a:rPr lang="en-US" dirty="0"/>
               <a:t>Sum of values/Count of values</a:t>
             </a:r>
           </a:p>
           <a:p>
             <a:pPr lvl="1"/>
             <a:r>
-              <a:rPr lang="en-US" dirty="0" smtClean="0"/>
+              <a:rPr lang="en-US" dirty="0"/>
               <a:t>Median </a:t>
             </a:r>
           </a:p>
           <a:p>
             <a:pPr lvl="2"/>
             <a:r>
-              <a:rPr lang="en-US" dirty="0" smtClean="0"/>
+              <a:rPr lang="en-US" dirty="0"/>
               <a:t>Mid Point of Values</a:t>
             </a:r>
           </a:p>
           <a:p>
             <a:pPr lvl="1"/>
             <a:r>
-              <a:rPr lang="en-US" dirty="0" smtClean="0"/>
+              <a:rPr lang="en-US" dirty="0"/>
               <a:t>Maximum, Minimum (Range)</a:t>
             </a:r>
           </a:p>
           <a:p>
             <a:pPr lvl="1"/>
             <a:r>
-              <a:rPr lang="en-US" dirty="0" smtClean="0"/>
+              <a:rPr lang="en-US" dirty="0"/>
               <a:t>Standard Deviation (</a:t>
             </a:r>
             <a:r>
-              <a:rPr lang="el-GR" dirty="0" smtClean="0"/>
+              <a:rPr lang="el-GR" dirty="0"/>
               <a:t>σ</a:t>
             </a:r>
             <a:r>
-              <a:rPr lang="en-US" dirty="0" smtClean="0"/>
+              <a:rPr lang="en-US" dirty="0"/>
               <a:t>) &amp; Variance (</a:t>
             </a:r>
             <a:r>
-              <a:rPr lang="el-GR" dirty="0" smtClean="0"/>
+              <a:rPr lang="el-GR" dirty="0"/>
               <a:t>σ</a:t>
             </a:r>
             <a:r>
-              <a:rPr lang="en-US" dirty="0" smtClean="0"/>
+              <a:rPr lang="en-US" dirty="0"/>
               <a:t>^2)</a:t>
             </a:r>
           </a:p>
           <a:p>
             <a:pPr lvl="2"/>
             <a:r>
-              <a:rPr lang="en-US" dirty="0" smtClean="0"/>
+              <a:rPr lang="en-US" dirty="0"/>
               <a:t>How spread out the values are compared to the mean</a:t>
             </a:r>
           </a:p>
           <a:p>
             <a:pPr lvl="1"/>
             <a:r>
-              <a:rPr lang="en-US" dirty="0" smtClean="0"/>
+              <a:rPr lang="en-US" dirty="0"/>
               <a:t>Quartiles</a:t>
             </a:r>
           </a:p>
           <a:p>
             <a:pPr lvl="2"/>
             <a:r>
-              <a:rPr lang="en-US" dirty="0" smtClean="0"/>
+              <a:rPr lang="en-US" dirty="0"/>
               <a:t>Nice buckets of the spread of the data</a:t>
             </a:r>
           </a:p>
           <a:p>
             <a:pPr lvl="1"/>
-            <a:endParaRPr lang="en-US" dirty="0" smtClean="0"/>
+            <a:endParaRPr lang="en-US" dirty="0"/>
           </a:p>
           <a:p>
             <a:pPr lvl="1"/>
-            <a:endParaRPr lang="en-US" dirty="0" smtClean="0"/>
+            <a:endParaRPr lang="en-US" dirty="0"/>
           </a:p>
           <a:p>
             <a:pPr lvl="1"/>
-            <a:endParaRPr lang="en-US" dirty="0" smtClean="0"/>
+            <a:endParaRPr lang="en-US" dirty="0"/>
           </a:p>
         </p:txBody>
       </p:sp>
@@ -11290,13 +11118,6 @@
   <p:clrMapOvr>
     <a:masterClrMapping/>
   </p:clrMapOvr>
-  <p:timing>
-    <p:tnLst>
-      <p:par>
-        <p:cTn id="1" dur="indefinite" restart="never" nodeType="tmRoot"/>
-      </p:par>
-    </p:tnLst>
-  </p:timing>
 </p:sld>
 </file>
 
@@ -11340,10 +11161,9 @@
           <a:lstStyle/>
           <a:p>
             <a:r>
-              <a:rPr lang="en-US" sz="4000" dirty="0" smtClean="0"/>
+              <a:rPr lang="en-US" sz="4000" dirty="0"/>
               <a:t>Demo - Statistics in Excel</a:t>
             </a:r>
-            <a:endParaRPr lang="en-US" sz="4000" dirty="0"/>
           </a:p>
         </p:txBody>
       </p:sp>
@@ -11371,13 +11191,6 @@
   <p:clrMapOvr>
     <a:masterClrMapping/>
   </p:clrMapOvr>
-  <p:timing>
-    <p:tnLst>
-      <p:par>
-        <p:cTn id="1" dur="indefinite" restart="never" nodeType="tmRoot"/>
-      </p:par>
-    </p:tnLst>
-  </p:timing>
 </p:sld>
 </file>
 
@@ -11414,10 +11227,9 @@
           <a:lstStyle/>
           <a:p>
             <a:r>
-              <a:rPr lang="en-US" dirty="0" smtClean="0"/>
+              <a:rPr lang="en-US" dirty="0"/>
               <a:t>Graphing Data</a:t>
             </a:r>
-            <a:endParaRPr lang="en-US" dirty="0"/>
           </a:p>
         </p:txBody>
       </p:sp>
@@ -11442,43 +11254,43 @@
           <a:lstStyle/>
           <a:p>
             <a:r>
-              <a:rPr lang="en-US" dirty="0" smtClean="0"/>
+              <a:rPr lang="en-US" dirty="0"/>
               <a:t>Helps visualize patterns in the data</a:t>
             </a:r>
           </a:p>
           <a:p>
             <a:r>
-              <a:rPr lang="en-US" dirty="0" smtClean="0"/>
+              <a:rPr lang="en-US" dirty="0"/>
               <a:t>Especially with large data sets.</a:t>
             </a:r>
           </a:p>
           <a:p>
             <a:pPr lvl="1"/>
             <a:r>
-              <a:rPr lang="en-US" dirty="0" smtClean="0"/>
+              <a:rPr lang="en-US" dirty="0"/>
               <a:t>https://www.mapbox.com/labs/twitter-gnip/locals/#12/40.4620/-80.0151</a:t>
             </a:r>
           </a:p>
           <a:p>
             <a:r>
-              <a:rPr lang="en-US" dirty="0" smtClean="0"/>
+              <a:rPr lang="en-US" dirty="0"/>
               <a:t>Spot exceptions</a:t>
             </a:r>
           </a:p>
           <a:p>
             <a:r>
-              <a:rPr lang="en-US" dirty="0" smtClean="0"/>
+              <a:rPr lang="en-US" dirty="0"/>
               <a:t>Use the best graph for the data types</a:t>
             </a:r>
           </a:p>
           <a:p>
             <a:r>
-              <a:rPr lang="en-US" dirty="0" smtClean="0"/>
+              <a:rPr lang="en-US" dirty="0"/>
               <a:t>Help tell your story</a:t>
             </a:r>
           </a:p>
           <a:p>
-            <a:endParaRPr lang="en-US" dirty="0" smtClean="0"/>
+            <a:endParaRPr lang="en-US" dirty="0"/>
           </a:p>
           <a:p>
             <a:endParaRPr lang="en-US" dirty="0"/>
@@ -11554,13 +11366,6 @@
   <p:clrMapOvr>
     <a:masterClrMapping/>
   </p:clrMapOvr>
-  <p:timing>
-    <p:tnLst>
-      <p:par>
-        <p:cTn id="1" dur="indefinite" restart="never" nodeType="tmRoot"/>
-      </p:par>
-    </p:tnLst>
-  </p:timing>
 </p:sld>
 </file>
 
@@ -11604,10 +11409,9 @@
           <a:lstStyle/>
           <a:p>
             <a:r>
-              <a:rPr lang="en-US" sz="4000" dirty="0" smtClean="0"/>
+              <a:rPr lang="en-US" sz="4000" dirty="0"/>
               <a:t>Demo - Graphing in Excel</a:t>
             </a:r>
-            <a:endParaRPr lang="en-US" sz="4000" dirty="0"/>
           </a:p>
         </p:txBody>
       </p:sp>
@@ -11635,13 +11439,6 @@
   <p:clrMapOvr>
     <a:masterClrMapping/>
   </p:clrMapOvr>
-  <p:timing>
-    <p:tnLst>
-      <p:par>
-        <p:cTn id="1" dur="indefinite" restart="never" nodeType="tmRoot"/>
-      </p:par>
-    </p:tnLst>
-  </p:timing>
 </p:sld>
 </file>
 
@@ -11678,10 +11475,9 @@
           <a:lstStyle/>
           <a:p>
             <a:r>
-              <a:rPr lang="en-US" dirty="0" smtClean="0"/>
+              <a:rPr lang="en-US" dirty="0"/>
               <a:t>Missing Values</a:t>
             </a:r>
-            <a:endParaRPr lang="en-US" dirty="0"/>
           </a:p>
         </p:txBody>
       </p:sp>
@@ -11706,66 +11502,66 @@
           <a:lstStyle/>
           <a:p>
             <a:r>
-              <a:rPr lang="en-US" dirty="0" smtClean="0"/>
+              <a:rPr lang="en-US" dirty="0"/>
               <a:t>Can have large impact on basic statistics</a:t>
             </a:r>
           </a:p>
           <a:p>
             <a:r>
-              <a:rPr lang="en-US" dirty="0" smtClean="0"/>
+              <a:rPr lang="en-US" dirty="0"/>
               <a:t>Count # of missing values of every variable (column)</a:t>
             </a:r>
           </a:p>
           <a:p>
             <a:r>
-              <a:rPr lang="en-US" dirty="0" smtClean="0"/>
+              <a:rPr lang="en-US" dirty="0"/>
               <a:t>Important to understand why data is missing?</a:t>
             </a:r>
           </a:p>
           <a:p>
             <a:pPr lvl="1"/>
             <a:r>
-              <a:rPr lang="en-US" dirty="0" smtClean="0"/>
+              <a:rPr lang="en-US" dirty="0"/>
               <a:t>Data entry</a:t>
             </a:r>
           </a:p>
           <a:p>
             <a:pPr lvl="1"/>
             <a:r>
-              <a:rPr lang="en-US" dirty="0" smtClean="0"/>
+              <a:rPr lang="en-US" dirty="0"/>
               <a:t>Wasn’t collected</a:t>
             </a:r>
           </a:p>
           <a:p>
             <a:pPr lvl="1"/>
             <a:r>
-              <a:rPr lang="en-US" dirty="0" smtClean="0"/>
+              <a:rPr lang="en-US" dirty="0"/>
               <a:t>Isn’t relevant</a:t>
             </a:r>
           </a:p>
           <a:p>
             <a:r>
-              <a:rPr lang="en-US" dirty="0" smtClean="0"/>
+              <a:rPr lang="en-US" dirty="0"/>
               <a:t>Should you use the variable?</a:t>
             </a:r>
           </a:p>
           <a:p>
             <a:r>
-              <a:rPr lang="en-US" dirty="0" smtClean="0"/>
+              <a:rPr lang="en-US" dirty="0"/>
               <a:t>Should you fill in missing values</a:t>
             </a:r>
           </a:p>
           <a:p>
             <a:pPr lvl="1"/>
             <a:r>
-              <a:rPr lang="en-US" dirty="0" smtClean="0"/>
+              <a:rPr lang="en-US" dirty="0"/>
               <a:t>Use mean, median, max, min, 0.  </a:t>
             </a:r>
           </a:p>
           <a:p>
             <a:pPr lvl="1"/>
             <a:r>
-              <a:rPr lang="en-US" dirty="0" smtClean="0"/>
+              <a:rPr lang="en-US" dirty="0"/>
               <a:t>You need to determine best method</a:t>
             </a:r>
           </a:p>
@@ -11811,13 +11607,6 @@
   <p:clrMapOvr>
     <a:masterClrMapping/>
   </p:clrMapOvr>
-  <p:timing>
-    <p:tnLst>
-      <p:par>
-        <p:cTn id="1" dur="indefinite" restart="never" nodeType="tmRoot"/>
-      </p:par>
-    </p:tnLst>
-  </p:timing>
 </p:sld>
 </file>
 
@@ -11854,10 +11643,9 @@
           <a:lstStyle/>
           <a:p>
             <a:r>
-              <a:rPr lang="en-US" dirty="0" smtClean="0"/>
+              <a:rPr lang="en-US" dirty="0"/>
               <a:t>Outliers</a:t>
             </a:r>
-            <a:endParaRPr lang="en-US" dirty="0"/>
           </a:p>
         </p:txBody>
       </p:sp>
@@ -11882,63 +11670,63 @@
           <a:lstStyle/>
           <a:p>
             <a:r>
-              <a:rPr lang="en-US" dirty="0" smtClean="0"/>
+              <a:rPr lang="en-US" dirty="0"/>
               <a:t>Outliers are values at the extreme</a:t>
             </a:r>
           </a:p>
           <a:p>
             <a:r>
-              <a:rPr lang="en-US" dirty="0" smtClean="0"/>
+              <a:rPr lang="en-US" dirty="0"/>
               <a:t>Much larger or smaller than most of your data</a:t>
             </a:r>
           </a:p>
           <a:p>
             <a:r>
-              <a:rPr lang="en-US" dirty="0" smtClean="0"/>
+              <a:rPr lang="en-US" dirty="0"/>
               <a:t>May have many causes</a:t>
             </a:r>
           </a:p>
           <a:p>
             <a:pPr lvl="1"/>
             <a:r>
-              <a:rPr lang="en-US" dirty="0" smtClean="0"/>
+              <a:rPr lang="en-US" dirty="0"/>
               <a:t>Data Entry Error</a:t>
             </a:r>
           </a:p>
           <a:p>
             <a:pPr lvl="1"/>
             <a:r>
-              <a:rPr lang="en-US" dirty="0" smtClean="0"/>
+              <a:rPr lang="en-US" dirty="0"/>
               <a:t>Instrument Malfunction </a:t>
             </a:r>
           </a:p>
           <a:p>
             <a:pPr lvl="1"/>
             <a:r>
-              <a:rPr lang="en-US" dirty="0" smtClean="0"/>
+              <a:rPr lang="en-US" dirty="0"/>
               <a:t>Real Exceptional data </a:t>
             </a:r>
           </a:p>
           <a:p>
             <a:r>
-              <a:rPr lang="en-US" dirty="0" smtClean="0"/>
+              <a:rPr lang="en-US" dirty="0"/>
               <a:t>Is 140º F an Outlier</a:t>
             </a:r>
           </a:p>
           <a:p>
             <a:r>
-              <a:rPr lang="en-US" dirty="0" smtClean="0"/>
+              <a:rPr lang="en-US" dirty="0"/>
               <a:t>Some are easy to spot within a single variable</a:t>
             </a:r>
           </a:p>
           <a:p>
             <a:r>
-              <a:rPr lang="en-US" dirty="0" smtClean="0"/>
+              <a:rPr lang="en-US" dirty="0"/>
               <a:t>Some are only found with multiple variables</a:t>
             </a:r>
           </a:p>
           <a:p>
-            <a:endParaRPr lang="en-US" dirty="0" smtClean="0"/>
+            <a:endParaRPr lang="en-US" dirty="0"/>
           </a:p>
           <a:p>
             <a:endParaRPr lang="en-US" dirty="0"/>
@@ -12014,13 +11802,6 @@
   <p:clrMapOvr>
     <a:masterClrMapping/>
   </p:clrMapOvr>
-  <p:timing>
-    <p:tnLst>
-      <p:par>
-        <p:cTn id="1" dur="indefinite" restart="never" nodeType="tmRoot"/>
-      </p:par>
-    </p:tnLst>
-  </p:timing>
 </p:sld>
 </file>
 
@@ -12057,10 +11838,9 @@
           <a:lstStyle/>
           <a:p>
             <a:r>
-              <a:rPr lang="en-US" dirty="0" smtClean="0"/>
+              <a:rPr lang="en-US" dirty="0"/>
               <a:t>Outliers</a:t>
             </a:r>
-            <a:endParaRPr lang="en-US" dirty="0"/>
           </a:p>
         </p:txBody>
       </p:sp>
@@ -12085,70 +11865,70 @@
           <a:lstStyle/>
           <a:p>
             <a:r>
-              <a:rPr lang="en-US" dirty="0" smtClean="0"/>
+              <a:rPr lang="en-US" dirty="0"/>
               <a:t>Need to decide how to treat Outliers</a:t>
             </a:r>
           </a:p>
           <a:p>
             <a:pPr lvl="1"/>
             <a:r>
-              <a:rPr lang="en-US" dirty="0" smtClean="0"/>
+              <a:rPr lang="en-US" dirty="0"/>
               <a:t>Is the variable ok to use?  Do you question the validity of the data?</a:t>
             </a:r>
           </a:p>
           <a:p>
             <a:pPr lvl="1"/>
             <a:r>
-              <a:rPr lang="en-US" dirty="0" smtClean="0"/>
+              <a:rPr lang="en-US" dirty="0"/>
               <a:t>Remove them from your data set?</a:t>
             </a:r>
           </a:p>
           <a:p>
             <a:pPr lvl="1"/>
             <a:r>
-              <a:rPr lang="en-US" dirty="0" smtClean="0"/>
+              <a:rPr lang="en-US" dirty="0"/>
               <a:t>Keep them as is?</a:t>
             </a:r>
           </a:p>
           <a:p>
             <a:pPr lvl="1"/>
             <a:r>
-              <a:rPr lang="en-US" dirty="0" smtClean="0"/>
+              <a:rPr lang="en-US" dirty="0"/>
               <a:t>Change the value (i.e. make it less extreme)</a:t>
             </a:r>
           </a:p>
           <a:p>
             <a:pPr lvl="1"/>
             <a:r>
-              <a:rPr lang="en-US" dirty="0" smtClean="0"/>
+              <a:rPr lang="en-US" dirty="0"/>
               <a:t>Infer the real meaning</a:t>
             </a:r>
           </a:p>
           <a:p>
             <a:pPr lvl="2"/>
             <a:r>
-              <a:rPr lang="en-US" dirty="0" smtClean="0"/>
+              <a:rPr lang="en-US" dirty="0"/>
               <a:t>-90º F temperature in Miami is likely 90º</a:t>
             </a:r>
           </a:p>
           <a:p>
             <a:r>
-              <a:rPr lang="en-US" dirty="0" smtClean="0"/>
+              <a:rPr lang="en-US" dirty="0"/>
               <a:t>Make sure you understand implications</a:t>
             </a:r>
           </a:p>
           <a:p>
             <a:r>
-              <a:rPr lang="en-US" dirty="0" smtClean="0"/>
+              <a:rPr lang="en-US" dirty="0"/>
               <a:t>Document your decision making</a:t>
             </a:r>
           </a:p>
           <a:p>
             <a:pPr lvl="1"/>
-            <a:endParaRPr lang="en-US" dirty="0" smtClean="0"/>
-          </a:p>
-          <a:p>
-            <a:endParaRPr lang="en-US" dirty="0" smtClean="0"/>
+            <a:endParaRPr lang="en-US" dirty="0"/>
+          </a:p>
+          <a:p>
+            <a:endParaRPr lang="en-US" dirty="0"/>
           </a:p>
           <a:p>
             <a:endParaRPr lang="en-US" dirty="0"/>
@@ -12192,13 +11972,6 @@
   <p:clrMapOvr>
     <a:masterClrMapping/>
   </p:clrMapOvr>
-  <p:timing>
-    <p:tnLst>
-      <p:par>
-        <p:cTn id="1" dur="indefinite" restart="never" nodeType="tmRoot"/>
-      </p:par>
-    </p:tnLst>
-  </p:timing>
 </p:sld>
 </file>
 
@@ -12242,10 +12015,9 @@
           <a:lstStyle/>
           <a:p>
             <a:r>
-              <a:rPr lang="en-US" sz="4000" dirty="0" smtClean="0"/>
+              <a:rPr lang="en-US" sz="4000" dirty="0"/>
               <a:t>Demo – Missing Values &amp; Outlier Detection in Excel</a:t>
             </a:r>
-            <a:endParaRPr lang="en-US" sz="4000" dirty="0"/>
           </a:p>
         </p:txBody>
       </p:sp>
@@ -12273,13 +12045,6 @@
   <p:clrMapOvr>
     <a:masterClrMapping/>
   </p:clrMapOvr>
-  <p:timing>
-    <p:tnLst>
-      <p:par>
-        <p:cTn id="1" dur="indefinite" restart="never" nodeType="tmRoot"/>
-      </p:par>
-    </p:tnLst>
-  </p:timing>
 </p:sld>
 </file>
 
@@ -12323,26 +12088,22 @@
           <a:lstStyle/>
           <a:p>
             <a:r>
-              <a:rPr lang="en-US" sz="2400" b="1" dirty="0" smtClean="0"/>
+              <a:rPr lang="en-US" sz="2400" b="1" dirty="0"/>
               <a:t>One Last Thought on Exploring Data</a:t>
             </a:r>
             <a:br>
-              <a:rPr lang="en-US" sz="2400" b="1" dirty="0" smtClean="0"/>
+              <a:rPr lang="en-US" sz="2400" b="1" dirty="0"/>
             </a:br>
             <a:r>
-              <a:rPr lang="en-US" sz="2400" b="1" dirty="0" smtClean="0">
+              <a:rPr lang="en-US" sz="2400" b="1" dirty="0">
                 <a:solidFill>
                   <a:schemeClr val="tx1"/>
                 </a:solidFill>
               </a:rPr>
               <a:t>You must be observant</a:t>
             </a:r>
-            <a:r>
-              <a:rPr lang="en-US" sz="2400" dirty="0" smtClean="0"/>
-              <a:t/>
-            </a:r>
             <a:br>
-              <a:rPr lang="en-US" sz="2400" dirty="0" smtClean="0"/>
+              <a:rPr lang="en-US" sz="2400" dirty="0"/>
             </a:br>
             <a:endParaRPr lang="en-US" sz="2400" b="1" dirty="0"/>
           </a:p>
@@ -12369,50 +12130,49 @@
           <a:lstStyle/>
           <a:p>
             <a:r>
-              <a:rPr lang="en-US" dirty="0" smtClean="0"/>
+              <a:rPr lang="en-US" dirty="0"/>
               <a:t>Count the Number of F’s in the following sentence.</a:t>
             </a:r>
           </a:p>
           <a:p>
             <a:pPr lvl="1"/>
             <a:r>
-              <a:rPr lang="en-US" dirty="0" smtClean="0"/>
+              <a:rPr lang="en-US" dirty="0"/>
               <a:t>You will have 15 Seconds</a:t>
             </a:r>
           </a:p>
           <a:p>
-            <a:endParaRPr lang="en-US" dirty="0" smtClean="0"/>
+            <a:endParaRPr lang="en-US" dirty="0"/>
           </a:p>
           <a:p>
             <a:pPr>
               <a:buNone/>
             </a:pPr>
             <a:r>
-              <a:rPr lang="en-US" dirty="0" smtClean="0"/>
+              <a:rPr lang="en-US" dirty="0"/>
               <a:t>FINISHED FILES ARE THE RE-</a:t>
             </a:r>
             <a:br>
-              <a:rPr lang="en-US" dirty="0" smtClean="0"/>
+              <a:rPr lang="en-US" dirty="0"/>
             </a:br>
             <a:r>
-              <a:rPr lang="en-US" dirty="0" smtClean="0"/>
+              <a:rPr lang="en-US" dirty="0"/>
               <a:t>SULT OF YEARS OF SCIENTIF-</a:t>
             </a:r>
             <a:br>
-              <a:rPr lang="en-US" dirty="0" smtClean="0"/>
+              <a:rPr lang="en-US" dirty="0"/>
             </a:br>
             <a:r>
-              <a:rPr lang="en-US" dirty="0" smtClean="0"/>
+              <a:rPr lang="en-US" dirty="0"/>
               <a:t>IC STUDY COMBINED WITH</a:t>
             </a:r>
             <a:br>
-              <a:rPr lang="en-US" dirty="0" smtClean="0"/>
+              <a:rPr lang="en-US" dirty="0"/>
             </a:br>
             <a:r>
-              <a:rPr lang="en-US" dirty="0" smtClean="0"/>
+              <a:rPr lang="en-US" dirty="0"/>
               <a:t>THE EXPERIENCE OF YEARS.</a:t>
             </a:r>
-            <a:endParaRPr lang="en-US" dirty="0"/>
           </a:p>
         </p:txBody>
       </p:sp>
@@ -12672,10 +12432,9 @@
           <a:lstStyle/>
           <a:p>
             <a:r>
-              <a:rPr lang="en-US" dirty="0" smtClean="0"/>
+              <a:rPr lang="en-US" dirty="0"/>
               <a:t>Introductions</a:t>
             </a:r>
-            <a:endParaRPr lang="en-US" dirty="0"/>
           </a:p>
         </p:txBody>
       </p:sp>
@@ -12692,7 +12451,7 @@
         <p:spPr>
           <a:xfrm>
             <a:off x="609600" y="819150"/>
-            <a:ext cx="8077200" cy="3721894"/>
+            <a:ext cx="8077200" cy="4267200"/>
           </a:xfrm>
         </p:spPr>
         <p:txBody>
@@ -12700,146 +12459,136 @@
           <a:lstStyle/>
           <a:p>
             <a:r>
-              <a:rPr lang="en-US" dirty="0" err="1" smtClean="0"/>
+              <a:rPr lang="en-US" dirty="0" err="1"/>
               <a:t>Saman</a:t>
             </a:r>
             <a:r>
-              <a:rPr lang="en-US" dirty="0" smtClean="0"/>
+              <a:rPr lang="en-US" dirty="0"/>
               <a:t> </a:t>
             </a:r>
             <a:r>
-              <a:rPr lang="en-US" dirty="0" err="1" smtClean="0"/>
+              <a:rPr lang="en-US" dirty="0" err="1"/>
               <a:t>Haqqi</a:t>
             </a:r>
             <a:r>
-              <a:rPr lang="en-US" dirty="0" smtClean="0"/>
+              <a:rPr lang="en-US" dirty="0"/>
               <a:t> - President - Pittsburgh </a:t>
             </a:r>
             <a:r>
-              <a:rPr lang="en-US" dirty="0" err="1" smtClean="0"/>
+              <a:rPr lang="en-US" dirty="0" err="1"/>
               <a:t>Dataworks</a:t>
             </a:r>
-            <a:endParaRPr lang="en-US" dirty="0" smtClean="0"/>
+            <a:endParaRPr lang="en-US" dirty="0"/>
           </a:p>
           <a:p>
             <a:pPr lvl="1"/>
             <a:r>
-              <a:rPr lang="en-US" dirty="0" smtClean="0"/>
+              <a:rPr lang="en-US" dirty="0"/>
               <a:t>saman.haqqi@pghdataworks.org</a:t>
             </a:r>
           </a:p>
           <a:p>
             <a:r>
-              <a:rPr lang="en-US" dirty="0" smtClean="0"/>
+              <a:rPr lang="en-US" dirty="0"/>
               <a:t>Brian Macdonald – Data Scientist – Oracle Corporation</a:t>
             </a:r>
           </a:p>
           <a:p>
             <a:pPr lvl="1"/>
             <a:r>
-              <a:rPr lang="en-US" dirty="0" smtClean="0"/>
+              <a:rPr lang="en-US" dirty="0"/>
               <a:t>brian.macdonald@oracle.com</a:t>
             </a:r>
           </a:p>
           <a:p>
             <a:r>
-              <a:rPr lang="en-US" dirty="0" smtClean="0"/>
-              <a:t>Pitt Science </a:t>
-            </a:r>
-            <a:r>
-              <a:rPr lang="en-US" dirty="0" smtClean="0"/>
-              <a:t>Outreach – Judy </a:t>
-            </a:r>
-            <a:r>
-              <a:rPr lang="en-US" dirty="0" smtClean="0"/>
-              <a:t>C</a:t>
-            </a:r>
-            <a:r>
-              <a:rPr lang="en-US" dirty="0" smtClean="0"/>
-              <a:t>ameron - cameronjl@upmc.edu</a:t>
-            </a:r>
-            <a:endParaRPr lang="en-US" dirty="0" smtClean="0"/>
+              <a:rPr lang="en-US" dirty="0"/>
+              <a:t>Pitt Science Outreach – Judy Cameron - cameronjl@upmc.edu</a:t>
+            </a:r>
           </a:p>
           <a:p>
             <a:pPr lvl="1"/>
             <a:r>
-              <a:rPr lang="en-US" sz="1600" dirty="0" smtClean="0"/>
+              <a:rPr lang="en-US" sz="1600" dirty="0"/>
               <a:t>Margaret Farrell	</a:t>
             </a:r>
           </a:p>
           <a:p>
             <a:pPr lvl="1"/>
             <a:r>
-              <a:rPr lang="en-US" sz="1600" dirty="0" smtClean="0"/>
+              <a:rPr lang="en-US" sz="1600" dirty="0"/>
               <a:t>Laura Marshall	</a:t>
             </a:r>
           </a:p>
           <a:p>
             <a:pPr lvl="1"/>
             <a:r>
-              <a:rPr lang="en-US" sz="1600" dirty="0" smtClean="0"/>
+              <a:rPr lang="en-US" sz="1600" dirty="0"/>
               <a:t>Jenny </a:t>
             </a:r>
             <a:r>
-              <a:rPr lang="en-US" sz="1600" dirty="0" err="1" smtClean="0"/>
+              <a:rPr lang="en-US" sz="1600" dirty="0" err="1"/>
               <a:t>Lundahl</a:t>
             </a:r>
             <a:r>
-              <a:rPr lang="en-US" sz="1600" dirty="0" smtClean="0"/>
-              <a:t>	</a:t>
-            </a:r>
-            <a:r>
-              <a:rPr lang="en-US" sz="1600" dirty="0" smtClean="0"/>
-              <a:t>   ------       PittsburghDataJam@pitt.edu</a:t>
-            </a:r>
-            <a:endParaRPr lang="en-US" sz="1600" dirty="0" smtClean="0"/>
+              <a:rPr lang="en-US" sz="1600" dirty="0"/>
+              <a:t>	   ------       </a:t>
+            </a:r>
+            <a:r>
+              <a:rPr lang="en-US" sz="1600" dirty="0">
+                <a:hlinkClick r:id="rId2"/>
+              </a:rPr>
+              <a:t>PittsburghDataJam@pitt.edu</a:t>
+            </a:r>
+            <a:endParaRPr lang="en-US" sz="1600" dirty="0"/>
           </a:p>
           <a:p>
             <a:pPr lvl="1"/>
             <a:r>
-              <a:rPr lang="en-US" sz="1600" dirty="0" smtClean="0"/>
+              <a:rPr lang="en-US" sz="1600" dirty="0"/>
               <a:t>Jackie </a:t>
             </a:r>
             <a:r>
-              <a:rPr lang="en-US" sz="1600" dirty="0" err="1" smtClean="0"/>
+              <a:rPr lang="en-US" sz="1600" dirty="0" err="1"/>
               <a:t>Choffo</a:t>
             </a:r>
             <a:r>
-              <a:rPr lang="en-US" sz="1600" dirty="0" smtClean="0"/>
-              <a:t>	</a:t>
+              <a:rPr lang="en-US" sz="1600" dirty="0"/>
+              <a:t>	     http://www.pittscienceoutreach.com/content/pittsburgh-data-jam</a:t>
             </a:r>
           </a:p>
           <a:p>
             <a:pPr lvl="1"/>
             <a:r>
-              <a:rPr lang="en-US" sz="1600" dirty="0" smtClean="0"/>
+              <a:rPr lang="en-US" sz="1600" dirty="0"/>
               <a:t>Kyle </a:t>
             </a:r>
             <a:r>
-              <a:rPr lang="en-US" sz="1600" dirty="0" err="1" smtClean="0"/>
+              <a:rPr lang="en-US" sz="1600" dirty="0" err="1"/>
               <a:t>Wiche</a:t>
             </a:r>
-            <a:r>
-              <a:rPr lang="en-US" sz="1600" dirty="0" smtClean="0"/>
-              <a:t>		</a:t>
-            </a:r>
+            <a:endParaRPr lang="en-US" sz="1600" dirty="0"/>
           </a:p>
           <a:p>
             <a:pPr lvl="1"/>
             <a:r>
-              <a:rPr lang="en-US" sz="1600" dirty="0" smtClean="0"/>
-              <a:t>Chris Davis	</a:t>
-            </a:r>
-            <a:endParaRPr lang="en-US" sz="1600" dirty="0" smtClean="0"/>
+              <a:rPr lang="en-US" sz="1600" dirty="0"/>
+              <a:t>Evan Becker		</a:t>
+            </a:r>
           </a:p>
           <a:p>
             <a:pPr lvl="1"/>
             <a:r>
-              <a:rPr lang="en-US" sz="1600" dirty="0" smtClean="0"/>
-              <a:t>Evan Becker</a:t>
-            </a:r>
-            <a:r>
-              <a:rPr lang="en-US" dirty="0" smtClean="0"/>
+              <a:rPr lang="en-US" sz="1600" dirty="0"/>
+              <a:t>Chris Davis</a:t>
+            </a:r>
+          </a:p>
+          <a:p>
+            <a:pPr marL="274637" lvl="1" indent="0">
+              <a:buNone/>
+            </a:pPr>
+            <a:r>
+              <a:rPr lang="en-US" dirty="0"/>
               <a:t>	</a:t>
             </a:r>
           </a:p>
@@ -12854,13 +12603,6 @@
   <p:clrMapOvr>
     <a:masterClrMapping/>
   </p:clrMapOvr>
-  <p:timing>
-    <p:tnLst>
-      <p:par>
-        <p:cTn id="1" dur="indefinite" restart="never" nodeType="tmRoot"/>
-      </p:par>
-    </p:tnLst>
-  </p:timing>
 </p:sld>
 </file>
 
@@ -12904,10 +12646,9 @@
           <a:lstStyle/>
           <a:p>
             <a:r>
-              <a:rPr lang="en-US" dirty="0" smtClean="0"/>
+              <a:rPr lang="en-US" dirty="0"/>
               <a:t>Leave your assumptions at the door!</a:t>
             </a:r>
-            <a:endParaRPr lang="en-US" dirty="0"/>
           </a:p>
         </p:txBody>
       </p:sp>
@@ -12931,14 +12672,14 @@
           <a:bodyPr/>
           <a:lstStyle/>
           <a:p>
-            <a:endParaRPr lang="en-US" b="1" dirty="0" smtClean="0">
+            <a:endParaRPr lang="en-US" b="1" dirty="0">
               <a:solidFill>
                 <a:srgbClr val="FF0000"/>
               </a:solidFill>
             </a:endParaRPr>
           </a:p>
           <a:p>
-            <a:endParaRPr lang="en-US" b="1" dirty="0" smtClean="0">
+            <a:endParaRPr lang="en-US" b="1" dirty="0">
               <a:solidFill>
                 <a:srgbClr val="FF0000"/>
               </a:solidFill>
@@ -12949,7 +12690,7 @@
               <a:buNone/>
             </a:pPr>
             <a:r>
-              <a:rPr lang="en-US" b="1" dirty="0" smtClean="0">
+              <a:rPr lang="en-US" b="1" dirty="0">
                 <a:solidFill>
                   <a:srgbClr val="FF0000"/>
                 </a:solidFill>
@@ -12957,11 +12698,11 @@
               <a:t>F</a:t>
             </a:r>
             <a:r>
-              <a:rPr lang="en-US" dirty="0" smtClean="0"/>
+              <a:rPr lang="en-US" dirty="0"/>
               <a:t>INISHED </a:t>
             </a:r>
             <a:r>
-              <a:rPr lang="en-US" b="1" dirty="0" smtClean="0">
+              <a:rPr lang="en-US" b="1" dirty="0">
                 <a:solidFill>
                   <a:srgbClr val="FF0000"/>
                 </a:solidFill>
@@ -12969,18 +12710,18 @@
               <a:t>F</a:t>
             </a:r>
             <a:r>
-              <a:rPr lang="en-US" dirty="0" smtClean="0"/>
+              <a:rPr lang="en-US" dirty="0"/>
               <a:t>ILES ARE THE RE-</a:t>
             </a:r>
             <a:br>
-              <a:rPr lang="en-US" dirty="0" smtClean="0"/>
+              <a:rPr lang="en-US" dirty="0"/>
             </a:br>
             <a:r>
-              <a:rPr lang="en-US" dirty="0" smtClean="0"/>
+              <a:rPr lang="en-US" dirty="0"/>
               <a:t>SULT O</a:t>
             </a:r>
             <a:r>
-              <a:rPr lang="en-US" b="1" dirty="0" smtClean="0">
+              <a:rPr lang="en-US" b="1" dirty="0">
                 <a:solidFill>
                   <a:srgbClr val="FF0000"/>
                 </a:solidFill>
@@ -12988,11 +12729,11 @@
               <a:t>F</a:t>
             </a:r>
             <a:r>
-              <a:rPr lang="en-US" dirty="0" smtClean="0"/>
+              <a:rPr lang="en-US" dirty="0"/>
               <a:t> YEARS O</a:t>
             </a:r>
             <a:r>
-              <a:rPr lang="en-US" b="1" dirty="0" smtClean="0">
+              <a:rPr lang="en-US" b="1" dirty="0">
                 <a:solidFill>
                   <a:srgbClr val="FF0000"/>
                 </a:solidFill>
@@ -13000,11 +12741,11 @@
               <a:t>F</a:t>
             </a:r>
             <a:r>
-              <a:rPr lang="en-US" dirty="0" smtClean="0"/>
+              <a:rPr lang="en-US" dirty="0"/>
               <a:t> SCIENTI</a:t>
             </a:r>
             <a:r>
-              <a:rPr lang="en-US" b="1" dirty="0" smtClean="0">
+              <a:rPr lang="en-US" b="1" dirty="0">
                 <a:solidFill>
                   <a:srgbClr val="FF0000"/>
                 </a:solidFill>
@@ -13012,25 +12753,25 @@
               <a:t>F</a:t>
             </a:r>
             <a:r>
-              <a:rPr lang="en-US" dirty="0" smtClean="0"/>
+              <a:rPr lang="en-US" dirty="0"/>
               <a:t>-</a:t>
             </a:r>
             <a:br>
-              <a:rPr lang="en-US" dirty="0" smtClean="0"/>
+              <a:rPr lang="en-US" dirty="0"/>
             </a:br>
             <a:r>
-              <a:rPr lang="en-US" dirty="0" smtClean="0"/>
+              <a:rPr lang="en-US" dirty="0"/>
               <a:t>IC STUDY COMBINED WITH</a:t>
             </a:r>
             <a:br>
-              <a:rPr lang="en-US" dirty="0" smtClean="0"/>
+              <a:rPr lang="en-US" dirty="0"/>
             </a:br>
             <a:r>
-              <a:rPr lang="en-US" dirty="0" smtClean="0"/>
+              <a:rPr lang="en-US" dirty="0"/>
               <a:t>THE EXPERIENCE O</a:t>
             </a:r>
             <a:r>
-              <a:rPr lang="en-US" b="1" dirty="0" smtClean="0">
+              <a:rPr lang="en-US" b="1" dirty="0">
                 <a:solidFill>
                   <a:srgbClr val="FF0000"/>
                 </a:solidFill>
@@ -13038,10 +12779,9 @@
               <a:t>F</a:t>
             </a:r>
             <a:r>
-              <a:rPr lang="en-US" dirty="0" smtClean="0"/>
+              <a:rPr lang="en-US" dirty="0"/>
               <a:t> YEARS.</a:t>
             </a:r>
-            <a:endParaRPr lang="en-US" dirty="0"/>
           </a:p>
         </p:txBody>
       </p:sp>
@@ -13074,13 +12814,6 @@
   <p:clrMapOvr>
     <a:masterClrMapping/>
   </p:clrMapOvr>
-  <p:timing>
-    <p:tnLst>
-      <p:par>
-        <p:cTn id="1" dur="indefinite" restart="never" nodeType="tmRoot"/>
-      </p:par>
-    </p:tnLst>
-  </p:timing>
 </p:sld>
 </file>
 
@@ -13117,10 +12850,9 @@
           <a:lstStyle/>
           <a:p>
             <a:r>
-              <a:rPr lang="en-US" dirty="0" smtClean="0"/>
+              <a:rPr lang="en-US" dirty="0"/>
               <a:t>Exploration Exercise</a:t>
             </a:r>
-            <a:endParaRPr lang="en-US" dirty="0"/>
           </a:p>
         </p:txBody>
       </p:sp>
@@ -13140,40 +12872,39 @@
           <a:lstStyle/>
           <a:p>
             <a:r>
-              <a:rPr lang="en-US" dirty="0" smtClean="0"/>
+              <a:rPr lang="en-US" dirty="0"/>
               <a:t>Using Excel</a:t>
             </a:r>
           </a:p>
           <a:p>
             <a:r>
-              <a:rPr lang="en-US" dirty="0" smtClean="0"/>
+              <a:rPr lang="en-US" dirty="0"/>
               <a:t>Sort</a:t>
             </a:r>
           </a:p>
           <a:p>
             <a:r>
-              <a:rPr lang="en-US" dirty="0" smtClean="0"/>
+              <a:rPr lang="en-US" dirty="0"/>
               <a:t>Filter</a:t>
             </a:r>
           </a:p>
           <a:p>
             <a:r>
-              <a:rPr lang="en-US" dirty="0" smtClean="0"/>
+              <a:rPr lang="en-US" dirty="0"/>
               <a:t>Summarize</a:t>
             </a:r>
           </a:p>
           <a:p>
             <a:r>
-              <a:rPr lang="en-US" dirty="0" smtClean="0"/>
+              <a:rPr lang="en-US" dirty="0"/>
               <a:t>Create Crosstabs</a:t>
             </a:r>
           </a:p>
           <a:p>
             <a:r>
-              <a:rPr lang="en-US" dirty="0" smtClean="0"/>
+              <a:rPr lang="en-US" dirty="0"/>
               <a:t>Charting</a:t>
             </a:r>
-            <a:endParaRPr lang="en-US" dirty="0"/>
           </a:p>
         </p:txBody>
       </p:sp>
@@ -13214,13 +12945,6 @@
   <p:clrMapOvr>
     <a:masterClrMapping/>
   </p:clrMapOvr>
-  <p:timing>
-    <p:tnLst>
-      <p:par>
-        <p:cTn id="1" dur="indefinite" restart="never" nodeType="tmRoot"/>
-      </p:par>
-    </p:tnLst>
-  </p:timing>
 </p:sld>
 </file>
 
@@ -13257,10 +12981,9 @@
           <a:lstStyle/>
           <a:p>
             <a:r>
-              <a:rPr lang="en-US" dirty="0" smtClean="0"/>
+              <a:rPr lang="en-US" dirty="0"/>
               <a:t>Basic Steps for Analysis </a:t>
             </a:r>
-            <a:endParaRPr lang="en-US" dirty="0"/>
           </a:p>
         </p:txBody>
       </p:sp>
@@ -13280,7 +13003,7 @@
           <a:lstStyle/>
           <a:p>
             <a:r>
-              <a:rPr lang="en-US" sz="3200" dirty="0" smtClean="0">
+              <a:rPr lang="en-US" sz="3200" dirty="0">
                 <a:solidFill>
                   <a:schemeClr val="bg1">
                     <a:lumMod val="75000"/>
@@ -13292,13 +13015,13 @@
           </a:p>
           <a:p>
             <a:r>
-              <a:rPr lang="en-US" sz="3200" dirty="0" smtClean="0"/>
+              <a:rPr lang="en-US" sz="3200" dirty="0"/>
               <a:t>Data Preparation</a:t>
             </a:r>
           </a:p>
           <a:p>
             <a:r>
-              <a:rPr lang="en-US" sz="3200" dirty="0" smtClean="0">
+              <a:rPr lang="en-US" sz="3200" dirty="0">
                 <a:solidFill>
                   <a:schemeClr val="bg1">
                     <a:lumMod val="75000"/>
@@ -13318,13 +13041,6 @@
   <p:clrMapOvr>
     <a:masterClrMapping/>
   </p:clrMapOvr>
-  <p:timing>
-    <p:tnLst>
-      <p:par>
-        <p:cTn id="1" dur="indefinite" restart="never" nodeType="tmRoot"/>
-      </p:par>
-    </p:tnLst>
-  </p:timing>
 </p:sld>
 </file>
 
@@ -13361,10 +13077,9 @@
           <a:lstStyle/>
           <a:p>
             <a:r>
-              <a:rPr lang="en-US" dirty="0" smtClean="0"/>
+              <a:rPr lang="en-US" dirty="0"/>
               <a:t>Data Preparation</a:t>
             </a:r>
-            <a:endParaRPr lang="en-US" dirty="0"/>
           </a:p>
         </p:txBody>
       </p:sp>
@@ -13389,72 +13104,72 @@
           <a:lstStyle/>
           <a:p>
             <a:r>
-              <a:rPr lang="en-US" dirty="0" smtClean="0"/>
+              <a:rPr lang="en-US" dirty="0"/>
               <a:t> This step will fix any issues you found during data exploration  </a:t>
             </a:r>
           </a:p>
           <a:p>
             <a:r>
-              <a:rPr lang="en-US" dirty="0" smtClean="0"/>
+              <a:rPr lang="en-US" dirty="0"/>
               <a:t> Fix missing values</a:t>
             </a:r>
           </a:p>
           <a:p>
             <a:r>
-              <a:rPr lang="en-US" dirty="0" smtClean="0"/>
+              <a:rPr lang="en-US" dirty="0"/>
               <a:t> Remove bad data</a:t>
             </a:r>
           </a:p>
           <a:p>
             <a:r>
-              <a:rPr lang="en-US" dirty="0" smtClean="0"/>
+              <a:rPr lang="en-US" dirty="0"/>
               <a:t> Create new variables</a:t>
             </a:r>
           </a:p>
           <a:p>
             <a:pPr lvl="1"/>
             <a:r>
-              <a:rPr lang="en-US" dirty="0" smtClean="0"/>
+              <a:rPr lang="en-US" dirty="0"/>
               <a:t>Add/Subtract/Multiply/Divide multiple variables</a:t>
             </a:r>
           </a:p>
           <a:p>
             <a:pPr lvl="1"/>
             <a:r>
-              <a:rPr lang="en-US" dirty="0" smtClean="0"/>
+              <a:rPr lang="en-US" dirty="0"/>
               <a:t>Ratios</a:t>
             </a:r>
           </a:p>
           <a:p>
             <a:pPr lvl="1"/>
             <a:r>
-              <a:rPr lang="en-US" dirty="0" smtClean="0"/>
+              <a:rPr lang="en-US" dirty="0"/>
               <a:t>Binning</a:t>
             </a:r>
           </a:p>
           <a:p>
             <a:pPr lvl="1"/>
             <a:r>
-              <a:rPr lang="en-US" dirty="0" smtClean="0"/>
+              <a:rPr lang="en-US" dirty="0"/>
               <a:t>Other functions like Square Root or Exponents</a:t>
             </a:r>
           </a:p>
           <a:p>
             <a:r>
-              <a:rPr lang="en-US" dirty="0" smtClean="0"/>
+              <a:rPr lang="en-US" dirty="0"/>
               <a:t>Anything else you feel appropriate</a:t>
             </a:r>
           </a:p>
           <a:p>
             <a:pPr lvl="1"/>
             <a:r>
-              <a:rPr lang="en-US" dirty="0" smtClean="0"/>
+              <a:rPr lang="en-US" dirty="0"/>
               <a:t>Have fun and experiment.  You can not hurt data.</a:t>
             </a:r>
           </a:p>
           <a:p>
             <a:pPr lvl="1"/>
-            <a:endParaRPr lang="en-US" dirty="0" smtClean="0"/>
+            <a:endParaRPr lang="en-US" dirty="0"/>
           </a:p>
           <a:p>
             <a:endParaRPr lang="en-US" dirty="0"/>
@@ -13466,13 +13181,6 @@
   <p:clrMapOvr>
     <a:masterClrMapping/>
   </p:clrMapOvr>
-  <p:timing>
-    <p:tnLst>
-      <p:par>
-        <p:cTn id="1" dur="indefinite" restart="never" nodeType="tmRoot"/>
-      </p:par>
-    </p:tnLst>
-  </p:timing>
 </p:sld>
 </file>
 
@@ -13516,10 +13224,9 @@
           <a:lstStyle/>
           <a:p>
             <a:r>
-              <a:rPr lang="en-US" sz="4000" dirty="0" smtClean="0"/>
+              <a:rPr lang="en-US" sz="4000" dirty="0"/>
               <a:t>Demo – Data Preparation</a:t>
             </a:r>
-            <a:endParaRPr lang="en-US" sz="4000" dirty="0"/>
           </a:p>
         </p:txBody>
       </p:sp>
@@ -13547,13 +13254,6 @@
   <p:clrMapOvr>
     <a:masterClrMapping/>
   </p:clrMapOvr>
-  <p:timing>
-    <p:tnLst>
-      <p:par>
-        <p:cTn id="1" dur="indefinite" restart="never" nodeType="tmRoot"/>
-      </p:par>
-    </p:tnLst>
-  </p:timing>
 </p:sld>
 </file>
 
@@ -13590,10 +13290,9 @@
           <a:lstStyle/>
           <a:p>
             <a:r>
-              <a:rPr lang="en-US" dirty="0" smtClean="0"/>
+              <a:rPr lang="en-US" dirty="0"/>
               <a:t>Preparation Exercise</a:t>
             </a:r>
-            <a:endParaRPr lang="en-US" dirty="0"/>
           </a:p>
         </p:txBody>
       </p:sp>
@@ -13613,35 +13312,35 @@
           <a:lstStyle/>
           <a:p>
             <a:r>
-              <a:rPr lang="en-US" dirty="0" smtClean="0"/>
+              <a:rPr lang="en-US" dirty="0"/>
               <a:t>Using Excel</a:t>
             </a:r>
           </a:p>
           <a:p>
             <a:r>
-              <a:rPr lang="en-US" dirty="0" smtClean="0"/>
+              <a:rPr lang="en-US" dirty="0"/>
               <a:t>Merge data</a:t>
             </a:r>
           </a:p>
           <a:p>
             <a:r>
-              <a:rPr lang="en-US" dirty="0" smtClean="0"/>
+              <a:rPr lang="en-US" dirty="0"/>
               <a:t>New Calculations</a:t>
             </a:r>
           </a:p>
           <a:p>
             <a:r>
-              <a:rPr lang="en-US" smtClean="0"/>
+              <a:rPr lang="en-US"/>
               <a:t>Fix Missing </a:t>
             </a:r>
             <a:r>
-              <a:rPr lang="en-US" dirty="0" smtClean="0"/>
+              <a:rPr lang="en-US" dirty="0"/>
               <a:t>Data</a:t>
             </a:r>
           </a:p>
           <a:p>
             <a:r>
-              <a:rPr lang="en-US" dirty="0" smtClean="0"/>
+              <a:rPr lang="en-US" dirty="0"/>
               <a:t>Fix Outliers</a:t>
             </a:r>
           </a:p>
@@ -13684,13 +13383,6 @@
   <p:clrMapOvr>
     <a:masterClrMapping/>
   </p:clrMapOvr>
-  <p:timing>
-    <p:tnLst>
-      <p:par>
-        <p:cTn id="1" dur="indefinite" restart="never" nodeType="tmRoot"/>
-      </p:par>
-    </p:tnLst>
-  </p:timing>
 </p:sld>
 </file>
 
@@ -13727,10 +13419,9 @@
           <a:lstStyle/>
           <a:p>
             <a:r>
-              <a:rPr lang="en-US" dirty="0" smtClean="0"/>
+              <a:rPr lang="en-US" dirty="0"/>
               <a:t>Basic Steps for Analysis </a:t>
             </a:r>
-            <a:endParaRPr lang="en-US" dirty="0"/>
           </a:p>
         </p:txBody>
       </p:sp>
@@ -13750,7 +13441,7 @@
           <a:lstStyle/>
           <a:p>
             <a:r>
-              <a:rPr lang="en-US" sz="3200" dirty="0" smtClean="0">
+              <a:rPr lang="en-US" sz="3200" dirty="0">
                 <a:solidFill>
                   <a:schemeClr val="bg1">
                     <a:lumMod val="75000"/>
@@ -13762,7 +13453,7 @@
           </a:p>
           <a:p>
             <a:r>
-              <a:rPr lang="en-US" sz="3200" dirty="0" smtClean="0">
+              <a:rPr lang="en-US" sz="3200" dirty="0">
                 <a:solidFill>
                   <a:schemeClr val="bg1">
                     <a:lumMod val="75000"/>
@@ -13774,7 +13465,7 @@
           </a:p>
           <a:p>
             <a:r>
-              <a:rPr lang="en-US" sz="3200" dirty="0" smtClean="0"/>
+              <a:rPr lang="en-US" sz="3200" dirty="0"/>
               <a:t>Build Models</a:t>
             </a:r>
           </a:p>
@@ -13788,13 +13479,6 @@
   <p:clrMapOvr>
     <a:masterClrMapping/>
   </p:clrMapOvr>
-  <p:timing>
-    <p:tnLst>
-      <p:par>
-        <p:cTn id="1" dur="indefinite" restart="never" nodeType="tmRoot"/>
-      </p:par>
-    </p:tnLst>
-  </p:timing>
 </p:sld>
 </file>
 
@@ -13833,10 +13517,9 @@
           <a:lstStyle/>
           <a:p>
             <a:r>
-              <a:rPr lang="en-US" dirty="0" smtClean="0"/>
+              <a:rPr lang="en-US" dirty="0"/>
               <a:t>Explaining Insights</a:t>
             </a:r>
-            <a:endParaRPr lang="en-US" dirty="0"/>
           </a:p>
         </p:txBody>
       </p:sp>
@@ -13861,22 +13544,21 @@
           <a:lstStyle/>
           <a:p>
             <a:r>
-              <a:rPr lang="en-US" sz="2400" dirty="0" smtClean="0"/>
+              <a:rPr lang="en-US" sz="2400" dirty="0"/>
               <a:t>How do you know what you see is valid?</a:t>
             </a:r>
           </a:p>
           <a:p>
             <a:r>
-              <a:rPr lang="en-US" sz="2400" dirty="0" smtClean="0"/>
+              <a:rPr lang="en-US" sz="2400" dirty="0"/>
               <a:t>And not due to chance?</a:t>
             </a:r>
           </a:p>
           <a:p>
             <a:r>
-              <a:rPr lang="en-US" sz="2400" dirty="0" smtClean="0"/>
+              <a:rPr lang="en-US" sz="2400" dirty="0"/>
               <a:t>Correlation</a:t>
             </a:r>
-            <a:endParaRPr lang="en-US" sz="2400" dirty="0"/>
           </a:p>
         </p:txBody>
       </p:sp>
@@ -13902,18 +13584,13 @@
           <a:lstStyle/>
           <a:p>
             <a:r>
-              <a:rPr lang="en-US" sz="1200" b="0" dirty="0" smtClean="0">
+              <a:rPr lang="en-US" sz="1200" b="0" dirty="0">
                 <a:solidFill>
                   <a:schemeClr val="tx1"/>
                 </a:solidFill>
               </a:rPr>
               <a:t>http://musicthatmakesyoudumb.virgil.gr/</a:t>
             </a:r>
-            <a:endParaRPr lang="en-US" sz="1200" b="0" dirty="0">
-              <a:solidFill>
-                <a:schemeClr val="tx1"/>
-              </a:solidFill>
-            </a:endParaRPr>
           </a:p>
         </p:txBody>
       </p:sp>
@@ -14080,10 +13757,9 @@
           <a:lstStyle/>
           <a:p>
             <a:r>
-              <a:rPr lang="en-US" dirty="0" smtClean="0"/>
+              <a:rPr lang="en-US" dirty="0"/>
               <a:t>Correlation</a:t>
             </a:r>
-            <a:endParaRPr lang="en-US" dirty="0"/>
           </a:p>
         </p:txBody>
       </p:sp>
@@ -14108,7 +13784,7 @@
           <a:lstStyle/>
           <a:p>
             <a:r>
-              <a:rPr lang="en-US" dirty="0" smtClean="0">
+              <a:rPr lang="en-US" dirty="0">
                 <a:latin typeface="Calibri" pitchFamily="34" charset="0"/>
               </a:rPr>
               <a:t>The degree to which two or more attributes or measurements on the same group of elements show a tendency to vary together</a:t>
@@ -14116,7 +13792,7 @@
           </a:p>
           <a:p>
             <a:r>
-              <a:rPr lang="en-US" dirty="0" smtClean="0">
+              <a:rPr lang="en-US" dirty="0">
                 <a:latin typeface="Calibri" pitchFamily="34" charset="0"/>
               </a:rPr>
               <a:t>Positive when values increase together</a:t>
@@ -14124,7 +13800,7 @@
           </a:p>
           <a:p>
             <a:r>
-              <a:rPr lang="en-US" dirty="0" smtClean="0">
+              <a:rPr lang="en-US" dirty="0">
                 <a:latin typeface="Calibri" pitchFamily="34" charset="0"/>
               </a:rPr>
               <a:t>Negative when values decrease together</a:t>
@@ -14196,7 +13872,7 @@
               </a:spcAft>
             </a:pPr>
             <a:r>
-              <a:rPr lang="en-US" sz="1400" b="0" dirty="0" smtClean="0">
+              <a:rPr lang="en-US" sz="1400" b="0" dirty="0">
                 <a:solidFill>
                   <a:srgbClr val="5F5F5F"/>
                 </a:solidFill>
@@ -14206,14 +13882,6 @@
               </a:rPr>
               <a:t>http://www.mathsisfun.com/data/correlation.html</a:t>
             </a:r>
-            <a:endParaRPr lang="en-US" sz="1400" b="0" dirty="0">
-              <a:solidFill>
-                <a:srgbClr val="5F5F5F"/>
-              </a:solidFill>
-              <a:latin typeface="Calibri"/>
-              <a:ea typeface="+mn-ea"/>
-              <a:cs typeface="+mn-cs"/>
-            </a:endParaRPr>
           </a:p>
         </p:txBody>
       </p:sp>
@@ -14241,13 +13909,6 @@
   <p:clrMapOvr>
     <a:masterClrMapping/>
   </p:clrMapOvr>
-  <p:timing>
-    <p:tnLst>
-      <p:par>
-        <p:cTn id="1" dur="indefinite" restart="never" nodeType="tmRoot"/>
-      </p:par>
-    </p:tnLst>
-  </p:timing>
 </p:sld>
 </file>
 
@@ -14291,10 +13952,9 @@
           <a:lstStyle/>
           <a:p>
             <a:r>
-              <a:rPr lang="en-US" sz="2800" dirty="0" smtClean="0"/>
+              <a:rPr lang="en-US" sz="2800" dirty="0"/>
               <a:t>What can you tell me about this graph?</a:t>
             </a:r>
-            <a:endParaRPr lang="en-US" sz="2800" dirty="0"/>
           </a:p>
         </p:txBody>
       </p:sp>
@@ -14383,7 +14043,7 @@
               </a:spcAft>
             </a:pPr>
             <a:r>
-              <a:rPr lang="en-US" sz="1400" b="0" dirty="0" smtClean="0">
+              <a:rPr lang="en-US" sz="1400" b="0" dirty="0">
                 <a:solidFill>
                   <a:srgbClr val="5F5F5F"/>
                 </a:solidFill>
@@ -14393,14 +14053,6 @@
               </a:rPr>
               <a:t>Ice Cream consumption/capita</a:t>
             </a:r>
-            <a:endParaRPr lang="en-US" sz="1400" b="0" dirty="0">
-              <a:solidFill>
-                <a:srgbClr val="5F5F5F"/>
-              </a:solidFill>
-              <a:latin typeface="Calibri"/>
-              <a:ea typeface="+mn-ea"/>
-              <a:cs typeface="+mn-cs"/>
-            </a:endParaRPr>
           </a:p>
         </p:txBody>
       </p:sp>
@@ -14435,7 +14087,7 @@
               </a:spcAft>
             </a:pPr>
             <a:r>
-              <a:rPr lang="en-US" sz="1400" b="0" dirty="0" smtClean="0">
+              <a:rPr lang="en-US" sz="1400" b="0" dirty="0">
                 <a:solidFill>
                   <a:srgbClr val="5F5F5F"/>
                 </a:solidFill>
@@ -14841,10 +14493,9 @@
           <a:lstStyle/>
           <a:p>
             <a:r>
-              <a:rPr lang="en-US" dirty="0" smtClean="0"/>
+              <a:rPr lang="en-US" dirty="0"/>
               <a:t>Who is Here?</a:t>
             </a:r>
-            <a:endParaRPr lang="en-US" dirty="0"/>
           </a:p>
         </p:txBody>
       </p:sp>
@@ -14864,10 +14515,9 @@
           <a:lstStyle/>
           <a:p>
             <a:r>
-              <a:rPr lang="en-US" dirty="0" smtClean="0"/>
+              <a:rPr lang="en-US" dirty="0"/>
               <a:t>Yes someone has to speak</a:t>
             </a:r>
-            <a:endParaRPr lang="en-US" dirty="0"/>
           </a:p>
         </p:txBody>
       </p:sp>
@@ -14876,13 +14526,6 @@
   <p:clrMapOvr>
     <a:masterClrMapping/>
   </p:clrMapOvr>
-  <p:timing>
-    <p:tnLst>
-      <p:par>
-        <p:cTn id="1" dur="indefinite" restart="never" nodeType="tmRoot"/>
-      </p:par>
-    </p:tnLst>
-  </p:timing>
 </p:sld>
 </file>
 
@@ -14926,10 +14569,9 @@
           <a:lstStyle/>
           <a:p>
             <a:r>
-              <a:rPr lang="en-US" sz="2800" dirty="0" smtClean="0"/>
+              <a:rPr lang="en-US" sz="2800" dirty="0"/>
               <a:t>Does Ice Cream Consumption Cause Drowning?</a:t>
             </a:r>
-            <a:endParaRPr lang="en-US" sz="2800" dirty="0"/>
           </a:p>
         </p:txBody>
       </p:sp>
@@ -14954,49 +14596,48 @@
           <a:lstStyle/>
           <a:p>
             <a:r>
-              <a:rPr lang="en-US" dirty="0" smtClean="0"/>
+              <a:rPr lang="en-US" dirty="0"/>
               <a:t>Obviously not</a:t>
             </a:r>
           </a:p>
           <a:p>
             <a:r>
-              <a:rPr lang="en-US" b="1" dirty="0" smtClean="0"/>
+              <a:rPr lang="en-US" b="1" dirty="0"/>
               <a:t>Correlation</a:t>
             </a:r>
             <a:r>
-              <a:rPr lang="en-US" dirty="0" smtClean="0"/>
+              <a:rPr lang="en-US" dirty="0"/>
               <a:t> does not imply </a:t>
             </a:r>
             <a:r>
-              <a:rPr lang="en-US" b="1" dirty="0" smtClean="0"/>
+              <a:rPr lang="en-US" b="1" dirty="0"/>
               <a:t>Causation</a:t>
             </a:r>
           </a:p>
           <a:p>
             <a:r>
-              <a:rPr lang="en-US" dirty="0" smtClean="0"/>
+              <a:rPr lang="en-US" dirty="0"/>
               <a:t> One may cause the other, but correlation just defines how they vary.</a:t>
             </a:r>
           </a:p>
           <a:p>
             <a:r>
-              <a:rPr lang="en-US" dirty="0" smtClean="0"/>
+              <a:rPr lang="en-US" dirty="0"/>
               <a:t> There may be other reasons.  i.e.  Hot temperatures</a:t>
             </a:r>
           </a:p>
           <a:p>
             <a:r>
-              <a:rPr lang="en-US" dirty="0" smtClean="0"/>
+              <a:rPr lang="en-US" dirty="0"/>
               <a:t>Be very cautious with Causation</a:t>
             </a:r>
           </a:p>
           <a:p>
             <a:pPr lvl="1"/>
             <a:r>
-              <a:rPr lang="en-US" dirty="0" smtClean="0"/>
+              <a:rPr lang="en-US" dirty="0"/>
               <a:t>There are tests to determine causation</a:t>
             </a:r>
-            <a:endParaRPr lang="en-US" dirty="0"/>
           </a:p>
         </p:txBody>
       </p:sp>
@@ -15556,10 +15197,9 @@
           <a:lstStyle/>
           <a:p>
             <a:r>
-              <a:rPr lang="en-US" sz="2800" dirty="0" smtClean="0"/>
+              <a:rPr lang="en-US" sz="2800" dirty="0"/>
               <a:t>How do I know if variables are correlated</a:t>
             </a:r>
-            <a:endParaRPr lang="en-US" sz="2800" dirty="0"/>
           </a:p>
         </p:txBody>
       </p:sp>
@@ -15584,62 +15224,62 @@
           <a:lstStyle/>
           <a:p>
             <a:r>
-              <a:rPr lang="en-US" dirty="0" smtClean="0"/>
+              <a:rPr lang="en-US" dirty="0"/>
               <a:t>R = Correlation Coefficient</a:t>
             </a:r>
           </a:p>
           <a:p>
             <a:pPr lvl="1"/>
             <a:r>
-              <a:rPr lang="en-US" dirty="0" smtClean="0"/>
+              <a:rPr lang="en-US" dirty="0"/>
               <a:t>Values between -1 &amp; 1</a:t>
             </a:r>
           </a:p>
           <a:p>
             <a:pPr lvl="1"/>
             <a:r>
-              <a:rPr lang="en-US" dirty="0" smtClean="0"/>
+              <a:rPr lang="en-US" dirty="0"/>
               <a:t>Positive Correlation &gt; 0  - As one variable increases, the other increases</a:t>
             </a:r>
           </a:p>
           <a:p>
             <a:pPr lvl="1"/>
             <a:r>
-              <a:rPr lang="en-US" dirty="0" smtClean="0"/>
+              <a:rPr lang="en-US" dirty="0"/>
               <a:t>Perfect Correlation = 1</a:t>
             </a:r>
           </a:p>
           <a:p>
             <a:pPr lvl="1"/>
             <a:r>
-              <a:rPr lang="en-US" dirty="0" smtClean="0"/>
+              <a:rPr lang="en-US" dirty="0"/>
               <a:t>Negative Correlation &lt; 0  - As one variable increases, the other decreases</a:t>
             </a:r>
           </a:p>
           <a:p>
             <a:pPr lvl="1"/>
             <a:r>
-              <a:rPr lang="en-US" dirty="0" smtClean="0"/>
+              <a:rPr lang="en-US" dirty="0"/>
               <a:t>Perfect Negative Correlation = -1</a:t>
             </a:r>
           </a:p>
           <a:p>
             <a:pPr lvl="1"/>
             <a:r>
-              <a:rPr lang="en-US" dirty="0" smtClean="0"/>
+              <a:rPr lang="en-US" dirty="0"/>
               <a:t>0 = No correlation</a:t>
             </a:r>
           </a:p>
           <a:p>
             <a:pPr lvl="1"/>
             <a:r>
-              <a:rPr lang="en-US" dirty="0" smtClean="0"/>
+              <a:rPr lang="en-US" dirty="0"/>
               <a:t>Can be shown with a trend line</a:t>
             </a:r>
           </a:p>
           <a:p>
             <a:pPr lvl="1"/>
-            <a:endParaRPr lang="en-US" dirty="0" smtClean="0"/>
+            <a:endParaRPr lang="en-US" dirty="0"/>
           </a:p>
         </p:txBody>
       </p:sp>
@@ -15664,14 +15304,13 @@
           <a:lstStyle/>
           <a:p>
             <a:r>
-              <a:rPr lang="en-US" dirty="0" smtClean="0"/>
+              <a:rPr lang="en-US" dirty="0"/>
               <a:t>Understanding R and R</a:t>
             </a:r>
             <a:r>
-              <a:rPr lang="en-US" baseline="30000" dirty="0" smtClean="0"/>
+              <a:rPr lang="en-US" baseline="30000" dirty="0"/>
               <a:t>2</a:t>
             </a:r>
-            <a:endParaRPr lang="en-US" baseline="30000" dirty="0"/>
           </a:p>
         </p:txBody>
       </p:sp>
@@ -15683,13 +15322,6 @@
   <p:transition spd="med">
     <p:fade/>
   </p:transition>
-  <p:timing>
-    <p:tnLst>
-      <p:par>
-        <p:cTn id="1" dur="indefinite" restart="never" nodeType="tmRoot"/>
-      </p:par>
-    </p:tnLst>
-  </p:timing>
 </p:sld>
 </file>
 
@@ -15733,10 +15365,9 @@
           <a:lstStyle/>
           <a:p>
             <a:r>
-              <a:rPr lang="en-US" sz="2800" dirty="0" smtClean="0"/>
+              <a:rPr lang="en-US" sz="2800" dirty="0"/>
               <a:t>How do I know if variables are correlated</a:t>
             </a:r>
-            <a:endParaRPr lang="en-US" sz="2800" dirty="0"/>
           </a:p>
         </p:txBody>
       </p:sp>
@@ -15761,48 +15392,48 @@
           <a:lstStyle/>
           <a:p>
             <a:r>
-              <a:rPr lang="en-US" dirty="0" smtClean="0"/>
+              <a:rPr lang="en-US" dirty="0"/>
               <a:t>R</a:t>
             </a:r>
             <a:r>
-              <a:rPr lang="en-US" baseline="30000" dirty="0" smtClean="0"/>
+              <a:rPr lang="en-US" baseline="30000" dirty="0"/>
               <a:t>2</a:t>
             </a:r>
             <a:r>
-              <a:rPr lang="en-US" dirty="0" smtClean="0"/>
+              <a:rPr lang="en-US" dirty="0"/>
               <a:t> = Coefficient of Determination</a:t>
             </a:r>
           </a:p>
           <a:p>
             <a:pPr lvl="1"/>
             <a:r>
-              <a:rPr lang="en-US" dirty="0" smtClean="0"/>
+              <a:rPr lang="en-US" dirty="0"/>
               <a:t>Tells how likely one variable predicts the other variable</a:t>
             </a:r>
           </a:p>
           <a:p>
             <a:pPr lvl="1"/>
             <a:r>
-              <a:rPr lang="en-US" dirty="0" smtClean="0"/>
+              <a:rPr lang="en-US" dirty="0"/>
               <a:t>Values between 0 &amp; 1</a:t>
             </a:r>
           </a:p>
           <a:p>
             <a:pPr lvl="1"/>
             <a:r>
-              <a:rPr lang="en-US" i="1" dirty="0" smtClean="0"/>
+              <a:rPr lang="en-US" i="1" dirty="0"/>
               <a:t>If R </a:t>
             </a:r>
             <a:r>
-              <a:rPr lang="en-US" baseline="30000" dirty="0" smtClean="0"/>
+              <a:rPr lang="en-US" baseline="30000" dirty="0"/>
               <a:t>2</a:t>
             </a:r>
             <a:r>
-              <a:rPr lang="en-US" dirty="0" smtClean="0"/>
+              <a:rPr lang="en-US" dirty="0"/>
               <a:t> = 0.850,  85% of </a:t>
             </a:r>
             <a:r>
-              <a:rPr lang="en-US" b="1" dirty="0" smtClean="0">
+              <a:rPr lang="en-US" b="1" dirty="0">
                 <a:solidFill>
                   <a:schemeClr val="tx2"/>
                 </a:solidFill>
@@ -15810,7 +15441,7 @@
               <a:t>the total variation in </a:t>
             </a:r>
             <a:r>
-              <a:rPr lang="en-US" b="1" i="1" dirty="0" smtClean="0">
+              <a:rPr lang="en-US" b="1" i="1" dirty="0">
                 <a:solidFill>
                   <a:schemeClr val="tx2"/>
                 </a:solidFill>
@@ -15818,7 +15449,7 @@
               <a:t>y</a:t>
             </a:r>
             <a:r>
-              <a:rPr lang="en-US" b="1" dirty="0" smtClean="0">
+              <a:rPr lang="en-US" b="1" dirty="0">
                 <a:solidFill>
                   <a:schemeClr val="tx2"/>
                 </a:solidFill>
@@ -15826,49 +15457,49 @@
               <a:t> can be explained by </a:t>
             </a:r>
             <a:r>
-              <a:rPr lang="en-US" dirty="0" smtClean="0"/>
+              <a:rPr lang="en-US" dirty="0"/>
               <a:t>the linear relationship between </a:t>
             </a:r>
             <a:r>
-              <a:rPr lang="en-US" i="1" dirty="0" smtClean="0"/>
+              <a:rPr lang="en-US" i="1" dirty="0"/>
               <a:t>x </a:t>
             </a:r>
             <a:r>
-              <a:rPr lang="en-US" dirty="0" smtClean="0"/>
+              <a:rPr lang="en-US" dirty="0"/>
               <a:t> and </a:t>
             </a:r>
             <a:r>
-              <a:rPr lang="en-US" i="1" dirty="0" smtClean="0"/>
+              <a:rPr lang="en-US" i="1" dirty="0"/>
               <a:t>y</a:t>
             </a:r>
           </a:p>
           <a:p>
             <a:pPr lvl="1"/>
             <a:r>
-              <a:rPr lang="en-US" dirty="0" smtClean="0"/>
+              <a:rPr lang="en-US" dirty="0"/>
               <a:t>R</a:t>
             </a:r>
             <a:r>
-              <a:rPr lang="en-US" baseline="30000" dirty="0" smtClean="0"/>
+              <a:rPr lang="en-US" baseline="30000" dirty="0"/>
               <a:t>2  </a:t>
             </a:r>
             <a:r>
-              <a:rPr lang="en-US" dirty="0" smtClean="0"/>
+              <a:rPr lang="en-US" dirty="0"/>
               <a:t>is more commonly used</a:t>
             </a:r>
-          </a:p>
-          <a:p>
-            <a:pPr lvl="1"/>
-            <a:endParaRPr lang="en-US" dirty="0" smtClean="0"/>
-          </a:p>
-          <a:p>
-            <a:pPr lvl="1"/>
-            <a:endParaRPr lang="en-US" dirty="0" smtClean="0"/>
           </a:p>
           <a:p>
             <a:pPr lvl="1"/>
             <a:endParaRPr lang="en-US" dirty="0"/>
           </a:p>
+          <a:p>
+            <a:pPr lvl="1"/>
+            <a:endParaRPr lang="en-US" dirty="0"/>
+          </a:p>
+          <a:p>
+            <a:pPr lvl="1"/>
+            <a:endParaRPr lang="en-US" dirty="0"/>
+          </a:p>
         </p:txBody>
       </p:sp>
       <p:sp>
@@ -15892,14 +15523,13 @@
           <a:lstStyle/>
           <a:p>
             <a:r>
-              <a:rPr lang="en-US" dirty="0" smtClean="0"/>
+              <a:rPr lang="en-US" dirty="0"/>
               <a:t>Understanding R and R</a:t>
             </a:r>
             <a:r>
-              <a:rPr lang="en-US" baseline="30000" dirty="0" smtClean="0"/>
+              <a:rPr lang="en-US" baseline="30000" dirty="0"/>
               <a:t>2</a:t>
             </a:r>
-            <a:endParaRPr lang="en-US" baseline="30000" dirty="0"/>
           </a:p>
         </p:txBody>
       </p:sp>
@@ -15943,13 +15573,6 @@
   <p:transition spd="med">
     <p:fade/>
   </p:transition>
-  <p:timing>
-    <p:tnLst>
-      <p:par>
-        <p:cTn id="1" dur="indefinite" restart="never" nodeType="tmRoot"/>
-      </p:par>
-    </p:tnLst>
-  </p:timing>
 </p:sld>
 </file>
 
@@ -15986,10 +15609,9 @@
           <a:lstStyle/>
           <a:p>
             <a:r>
-              <a:rPr lang="en-US" dirty="0" smtClean="0"/>
+              <a:rPr lang="en-US" dirty="0"/>
               <a:t>Some Terminology</a:t>
             </a:r>
-            <a:endParaRPr lang="en-US" dirty="0"/>
           </a:p>
         </p:txBody>
       </p:sp>
@@ -16009,38 +15631,38 @@
           <a:lstStyle/>
           <a:p>
             <a:r>
-              <a:rPr lang="en-US" dirty="0" smtClean="0"/>
+              <a:rPr lang="en-US" dirty="0"/>
               <a:t>Independent Variable</a:t>
             </a:r>
           </a:p>
           <a:p>
             <a:pPr lvl="1"/>
             <a:r>
-              <a:rPr lang="en-US" dirty="0" smtClean="0"/>
+              <a:rPr lang="en-US" dirty="0"/>
               <a:t>These are the variables that you modify</a:t>
             </a:r>
           </a:p>
           <a:p>
             <a:pPr lvl="1"/>
             <a:r>
-              <a:rPr lang="en-US" dirty="0" smtClean="0"/>
+              <a:rPr lang="en-US" dirty="0"/>
               <a:t>In trend equation they are the X values</a:t>
             </a:r>
           </a:p>
           <a:p>
             <a:r>
-              <a:rPr lang="en-US" dirty="0" smtClean="0"/>
+              <a:rPr lang="en-US" dirty="0"/>
               <a:t>Dependent Variable</a:t>
             </a:r>
           </a:p>
           <a:p>
             <a:pPr lvl="1"/>
             <a:r>
-              <a:rPr lang="en-US" dirty="0" smtClean="0"/>
+              <a:rPr lang="en-US" dirty="0"/>
               <a:t>These values </a:t>
             </a:r>
             <a:r>
-              <a:rPr lang="en-US" dirty="0" smtClean="0">
+              <a:rPr lang="en-US" dirty="0">
                 <a:solidFill>
                   <a:srgbClr val="FF0000"/>
                 </a:solidFill>
@@ -16048,24 +15670,24 @@
               <a:t>depend </a:t>
             </a:r>
             <a:r>
-              <a:rPr lang="en-US" dirty="0" smtClean="0"/>
+              <a:rPr lang="en-US" dirty="0"/>
               <a:t>on the values of the Independent variables.</a:t>
             </a:r>
           </a:p>
           <a:p>
             <a:pPr lvl="1"/>
             <a:r>
-              <a:rPr lang="en-US" dirty="0" smtClean="0"/>
+              <a:rPr lang="en-US" dirty="0"/>
               <a:t>In trend equation they are the Y values</a:t>
             </a:r>
           </a:p>
           <a:p>
             <a:pPr lvl="1"/>
-            <a:endParaRPr lang="en-US" dirty="0" smtClean="0"/>
+            <a:endParaRPr lang="en-US" dirty="0"/>
           </a:p>
           <a:p>
             <a:pPr lvl="1"/>
-            <a:endParaRPr lang="en-US" dirty="0" smtClean="0">
+            <a:endParaRPr lang="en-US" dirty="0">
               <a:solidFill>
                 <a:srgbClr val="FF0000"/>
               </a:solidFill>
@@ -16128,7 +15750,7 @@
           <a:p>
             <a:pPr algn="l"/>
             <a:r>
-              <a:rPr lang="en-US" sz="1600" b="0" dirty="0" smtClean="0">
+              <a:rPr lang="en-US" sz="1600" b="0" dirty="0">
                 <a:solidFill>
                   <a:srgbClr val="FF0000"/>
                 </a:solidFill>
@@ -16136,7 +15758,7 @@
               <a:t>y</a:t>
             </a:r>
             <a:r>
-              <a:rPr lang="en-US" sz="1600" b="0" dirty="0" smtClean="0">
+              <a:rPr lang="en-US" sz="1600" b="0" dirty="0">
                 <a:solidFill>
                   <a:schemeClr val="tx1"/>
                 </a:solidFill>
@@ -16144,7 +15766,7 @@
               <a:t> = 0.0045</a:t>
             </a:r>
             <a:r>
-              <a:rPr lang="en-US" sz="1600" b="0" dirty="0" smtClean="0">
+              <a:rPr lang="en-US" sz="1600" b="0" dirty="0">
                 <a:solidFill>
                   <a:srgbClr val="FF0000"/>
                 </a:solidFill>
@@ -16152,7 +15774,7 @@
               <a:t>x</a:t>
             </a:r>
             <a:r>
-              <a:rPr lang="en-US" sz="1600" b="0" dirty="0" smtClean="0">
+              <a:rPr lang="en-US" sz="1600" b="0" dirty="0">
                 <a:solidFill>
                   <a:schemeClr val="tx1"/>
                 </a:solidFill>
@@ -16162,7 +15784,7 @@
           </a:p>
           <a:p>
             <a:pPr algn="l"/>
-            <a:endParaRPr lang="en-US" sz="1600" b="0" dirty="0" smtClean="0">
+            <a:endParaRPr lang="en-US" sz="1600" b="0" dirty="0">
               <a:solidFill>
                 <a:schemeClr val="tx1"/>
               </a:solidFill>
@@ -16171,7 +15793,7 @@
           <a:p>
             <a:pPr algn="l"/>
             <a:r>
-              <a:rPr lang="en-US" sz="1600" b="0" dirty="0" smtClean="0">
+              <a:rPr lang="en-US" sz="1600" b="0" dirty="0">
                 <a:solidFill>
                   <a:srgbClr val="FF0000"/>
                 </a:solidFill>
@@ -16179,7 +15801,7 @@
               <a:t>y</a:t>
             </a:r>
             <a:r>
-              <a:rPr lang="en-US" sz="1600" b="0" dirty="0" smtClean="0">
+              <a:rPr lang="en-US" sz="1600" b="0" dirty="0">
                 <a:solidFill>
                   <a:schemeClr val="tx1"/>
                 </a:solidFill>
@@ -16190,7 +15812,7 @@
           <a:p>
             <a:pPr algn="l"/>
             <a:r>
-              <a:rPr lang="en-US" sz="1600" b="0" dirty="0" smtClean="0">
+              <a:rPr lang="en-US" sz="1600" b="0" dirty="0">
                 <a:solidFill>
                   <a:srgbClr val="FF0000"/>
                 </a:solidFill>
@@ -16198,18 +15820,13 @@
               <a:t>x</a:t>
             </a:r>
             <a:r>
-              <a:rPr lang="en-US" sz="1600" b="0" dirty="0" smtClean="0">
+              <a:rPr lang="en-US" sz="1600" b="0" dirty="0">
                 <a:solidFill>
                   <a:schemeClr val="tx1"/>
                 </a:solidFill>
               </a:rPr>
               <a:t> is Sale Price</a:t>
             </a:r>
-            <a:endParaRPr lang="en-US" sz="1600" b="0" dirty="0">
-              <a:solidFill>
-                <a:schemeClr val="tx1"/>
-              </a:solidFill>
-            </a:endParaRPr>
           </a:p>
         </p:txBody>
       </p:sp>
@@ -16267,7 +15884,7 @@
               <a:buNone/>
               <a:tabLst/>
             </a:pPr>
-            <a:endParaRPr kumimoji="0" lang="en-US" sz="4000" b="1" i="0" u="none" strike="noStrike" cap="none" normalizeH="0" baseline="0" dirty="0" smtClean="0">
+            <a:endParaRPr kumimoji="0" lang="en-US" sz="4000" b="1" i="0" u="none" strike="noStrike" cap="none" normalizeH="0" baseline="0" dirty="0">
               <a:ln>
                 <a:noFill/>
               </a:ln>
@@ -16343,7 +15960,7 @@
           <a:p>
             <a:pPr algn="l"/>
             <a:r>
-              <a:rPr lang="en-US" sz="1600" b="0" dirty="0" smtClean="0">
+              <a:rPr lang="en-US" sz="1600" b="0" dirty="0">
                 <a:solidFill>
                   <a:srgbClr val="FF0000"/>
                 </a:solidFill>
@@ -16433,13 +16050,6 @@
   <p:clrMapOvr>
     <a:masterClrMapping/>
   </p:clrMapOvr>
-  <p:timing>
-    <p:tnLst>
-      <p:par>
-        <p:cTn id="1" dur="indefinite" restart="never" nodeType="tmRoot"/>
-      </p:par>
-    </p:tnLst>
-  </p:timing>
 </p:sld>
 </file>
 
@@ -16483,10 +16093,9 @@
           <a:lstStyle/>
           <a:p>
             <a:r>
-              <a:rPr lang="en-US" sz="4000" dirty="0" smtClean="0"/>
+              <a:rPr lang="en-US" sz="4000" dirty="0"/>
               <a:t>Demo – Modeling Data</a:t>
             </a:r>
-            <a:endParaRPr lang="en-US" sz="4000" dirty="0"/>
           </a:p>
         </p:txBody>
       </p:sp>
@@ -16514,13 +16123,6 @@
   <p:clrMapOvr>
     <a:masterClrMapping/>
   </p:clrMapOvr>
-  <p:timing>
-    <p:tnLst>
-      <p:par>
-        <p:cTn id="1" dur="indefinite" restart="never" nodeType="tmRoot"/>
-      </p:par>
-    </p:tnLst>
-  </p:timing>
 </p:sld>
 </file>
 
@@ -16557,10 +16159,9 @@
           <a:lstStyle/>
           <a:p>
             <a:r>
-              <a:rPr lang="en-US" dirty="0" smtClean="0"/>
+              <a:rPr lang="en-US" dirty="0"/>
               <a:t>Modeling Exercise</a:t>
             </a:r>
-            <a:endParaRPr lang="en-US" dirty="0"/>
           </a:p>
         </p:txBody>
       </p:sp>
@@ -16580,28 +16181,27 @@
           <a:lstStyle/>
           <a:p>
             <a:r>
-              <a:rPr lang="en-US" dirty="0" smtClean="0"/>
+              <a:rPr lang="en-US" dirty="0"/>
               <a:t>Using Excel</a:t>
             </a:r>
           </a:p>
           <a:p>
             <a:r>
-              <a:rPr lang="en-US" dirty="0" smtClean="0"/>
+              <a:rPr lang="en-US" dirty="0"/>
               <a:t>Create scatter plot</a:t>
             </a:r>
           </a:p>
           <a:p>
             <a:r>
-              <a:rPr lang="en-US" dirty="0" smtClean="0"/>
+              <a:rPr lang="en-US" dirty="0"/>
               <a:t>Show Coefficient of determination</a:t>
             </a:r>
           </a:p>
           <a:p>
             <a:r>
-              <a:rPr lang="en-US" dirty="0" smtClean="0"/>
+              <a:rPr lang="en-US" dirty="0"/>
               <a:t>Create a formula to predict a value</a:t>
             </a:r>
-            <a:endParaRPr lang="en-US" dirty="0"/>
           </a:p>
         </p:txBody>
       </p:sp>
@@ -16672,13 +16272,6 @@
   <p:clrMapOvr>
     <a:masterClrMapping/>
   </p:clrMapOvr>
-  <p:timing>
-    <p:tnLst>
-      <p:par>
-        <p:cTn id="1" dur="indefinite" restart="never" nodeType="tmRoot"/>
-      </p:par>
-    </p:tnLst>
-  </p:timing>
 </p:sld>
 </file>
 
@@ -16715,10 +16308,9 @@
           <a:lstStyle/>
           <a:p>
             <a:r>
-              <a:rPr lang="en-US" dirty="0" smtClean="0"/>
+              <a:rPr lang="en-US" dirty="0"/>
               <a:t>What did the Data Tell You</a:t>
             </a:r>
-            <a:endParaRPr lang="en-US" dirty="0"/>
           </a:p>
         </p:txBody>
       </p:sp>
@@ -16738,68 +16330,68 @@
           <a:lstStyle/>
           <a:p>
             <a:r>
-              <a:rPr lang="en-US" dirty="0" smtClean="0"/>
+              <a:rPr lang="en-US" dirty="0"/>
               <a:t>Did it support your initial question?</a:t>
             </a:r>
           </a:p>
           <a:p>
             <a:pPr lvl="1"/>
             <a:r>
-              <a:rPr lang="en-US" dirty="0" smtClean="0"/>
+              <a:rPr lang="en-US" dirty="0"/>
               <a:t>What conclusions can you make?</a:t>
             </a:r>
           </a:p>
           <a:p>
             <a:pPr lvl="1"/>
             <a:r>
-              <a:rPr lang="en-US" dirty="0" smtClean="0"/>
+              <a:rPr lang="en-US" dirty="0"/>
               <a:t>Make sure they are fact based</a:t>
             </a:r>
           </a:p>
           <a:p>
             <a:pPr lvl="1"/>
             <a:r>
-              <a:rPr lang="en-US" dirty="0" smtClean="0"/>
+              <a:rPr lang="en-US" dirty="0"/>
               <a:t>Check your bias</a:t>
             </a:r>
           </a:p>
           <a:p>
             <a:r>
-              <a:rPr lang="en-US" dirty="0" smtClean="0"/>
+              <a:rPr lang="en-US" dirty="0"/>
               <a:t>What is your story?</a:t>
             </a:r>
           </a:p>
           <a:p>
             <a:pPr lvl="1"/>
             <a:r>
-              <a:rPr lang="en-US" dirty="0" smtClean="0"/>
+              <a:rPr lang="en-US" dirty="0"/>
               <a:t>Is it compelling?</a:t>
             </a:r>
           </a:p>
           <a:p>
             <a:pPr lvl="2"/>
             <a:r>
-              <a:rPr lang="en-US" dirty="0" smtClean="0"/>
+              <a:rPr lang="en-US" dirty="0"/>
               <a:t>Does x influence y?</a:t>
             </a:r>
           </a:p>
           <a:p>
             <a:pPr lvl="1"/>
             <a:r>
-              <a:rPr lang="en-US" dirty="0" smtClean="0"/>
+              <a:rPr lang="en-US" dirty="0"/>
               <a:t>Can it support actions to be taken?</a:t>
             </a:r>
           </a:p>
           <a:p>
             <a:pPr lvl="1"/>
             <a:r>
-              <a:rPr lang="en-US" dirty="0" smtClean="0"/>
+              <a:rPr lang="en-US" dirty="0"/>
               <a:t>If not, is there still some benefit?</a:t>
             </a:r>
           </a:p>
           <a:p>
             <a:pPr lvl="1"/>
-            <a:endParaRPr lang="en-US" dirty="0" smtClean="0"/>
+            <a:endParaRPr lang="en-US" dirty="0"/>
           </a:p>
         </p:txBody>
       </p:sp>
@@ -16936,13 +16528,6 @@
   <p:clrMapOvr>
     <a:masterClrMapping/>
   </p:clrMapOvr>
-  <p:timing>
-    <p:tnLst>
-      <p:par>
-        <p:cTn id="1" dur="indefinite" restart="never" nodeType="tmRoot"/>
-      </p:par>
-    </p:tnLst>
-  </p:timing>
 </p:sld>
 </file>
 
@@ -16979,10 +16564,9 @@
           <a:lstStyle/>
           <a:p>
             <a:r>
-              <a:rPr lang="en-US" dirty="0" smtClean="0"/>
+              <a:rPr lang="en-US" dirty="0"/>
               <a:t>What did the Data Tell You</a:t>
             </a:r>
-            <a:endParaRPr lang="en-US" dirty="0"/>
           </a:p>
         </p:txBody>
       </p:sp>
@@ -17002,62 +16586,62 @@
           <a:lstStyle/>
           <a:p>
             <a:r>
-              <a:rPr lang="en-US" dirty="0" smtClean="0"/>
+              <a:rPr lang="en-US" dirty="0"/>
               <a:t>What recommendations will you make?</a:t>
             </a:r>
           </a:p>
           <a:p>
             <a:pPr lvl="1"/>
             <a:r>
-              <a:rPr lang="en-US" dirty="0" smtClean="0"/>
+              <a:rPr lang="en-US" dirty="0"/>
               <a:t>Will you stand behind them?</a:t>
             </a:r>
           </a:p>
           <a:p>
             <a:pPr lvl="1"/>
             <a:r>
-              <a:rPr lang="en-US" dirty="0" smtClean="0"/>
+              <a:rPr lang="en-US" dirty="0"/>
               <a:t>If not, why not?</a:t>
             </a:r>
           </a:p>
           <a:p>
             <a:pPr lvl="1"/>
             <a:r>
-              <a:rPr lang="en-US" dirty="0" smtClean="0"/>
+              <a:rPr lang="en-US" dirty="0"/>
               <a:t>Can they really be implemented?</a:t>
             </a:r>
           </a:p>
           <a:p>
             <a:pPr lvl="1"/>
             <a:r>
-              <a:rPr lang="en-US" dirty="0" smtClean="0"/>
+              <a:rPr lang="en-US" dirty="0"/>
               <a:t>What is the value of implementing the recommendation</a:t>
             </a:r>
           </a:p>
           <a:p>
             <a:r>
-              <a:rPr lang="en-US" dirty="0" smtClean="0"/>
+              <a:rPr lang="en-US" dirty="0"/>
               <a:t>What new questions would you ask?</a:t>
             </a:r>
           </a:p>
           <a:p>
             <a:pPr lvl="1"/>
             <a:r>
-              <a:rPr lang="en-US" dirty="0" smtClean="0"/>
+              <a:rPr lang="en-US" dirty="0"/>
               <a:t>To clarify your analysis?</a:t>
             </a:r>
           </a:p>
           <a:p>
             <a:pPr lvl="1"/>
             <a:r>
-              <a:rPr lang="en-US" dirty="0" smtClean="0"/>
+              <a:rPr lang="en-US" dirty="0"/>
               <a:t>Expand on your analysis</a:t>
             </a:r>
           </a:p>
           <a:p>
             <a:pPr lvl="1"/>
             <a:r>
-              <a:rPr lang="en-US" dirty="0" smtClean="0"/>
+              <a:rPr lang="en-US" dirty="0"/>
               <a:t>Can better questions be asked?</a:t>
             </a:r>
           </a:p>
@@ -17196,13 +16780,6 @@
   <p:clrMapOvr>
     <a:masterClrMapping/>
   </p:clrMapOvr>
-  <p:timing>
-    <p:tnLst>
-      <p:par>
-        <p:cTn id="1" dur="indefinite" restart="never" nodeType="tmRoot"/>
-      </p:par>
-    </p:tnLst>
-  </p:timing>
 </p:sld>
 </file>
 
@@ -17239,10 +16816,9 @@
           <a:lstStyle/>
           <a:p>
             <a:r>
-              <a:rPr lang="en-US" dirty="0" smtClean="0"/>
+              <a:rPr lang="en-US" dirty="0"/>
               <a:t>And the most important Item</a:t>
             </a:r>
-            <a:endParaRPr lang="en-US" dirty="0"/>
           </a:p>
         </p:txBody>
       </p:sp>
@@ -17265,14 +16841,11 @@
               <a:buNone/>
             </a:pPr>
             <a:r>
-              <a:rPr lang="en-US" sz="13800" dirty="0" smtClean="0">
+              <a:rPr lang="en-US" sz="13800" dirty="0">
                 <a:latin typeface="Informal Roman" pitchFamily="66" charset="0"/>
               </a:rPr>
               <a:t>Have Fun</a:t>
             </a:r>
-            <a:endParaRPr lang="en-US" sz="13800" dirty="0">
-              <a:latin typeface="Informal Roman" pitchFamily="66" charset="0"/>
-            </a:endParaRPr>
           </a:p>
         </p:txBody>
       </p:sp>
@@ -17281,13 +16854,6 @@
   <p:clrMapOvr>
     <a:masterClrMapping/>
   </p:clrMapOvr>
-  <p:timing>
-    <p:tnLst>
-      <p:par>
-        <p:cTn id="1" dur="indefinite" restart="never" nodeType="tmRoot"/>
-      </p:par>
-    </p:tnLst>
-  </p:timing>
 </p:sld>
 </file>
 
@@ -17310,7 +16876,13 @@
       </p:grpSpPr>
       <p:sp>
         <p:nvSpPr>
-          <p:cNvPr id="5" name="Title 4"/>
+          <p:cNvPr id="2" name="Title 1">
+            <a:extLst>
+              <a:ext uri="{FF2B5EF4-FFF2-40B4-BE49-F238E27FC236}">
+                <a16:creationId xmlns:a16="http://schemas.microsoft.com/office/drawing/2014/main" id="{894C1A7C-C0F5-4ADF-B0FC-11D0C4A5355B}"/>
+              </a:ext>
+            </a:extLst>
+          </p:cNvPr>
           <p:cNvSpPr>
             <a:spLocks noGrp="1"/>
           </p:cNvSpPr>
@@ -17318,33 +16890,32 @@
             <p:ph type="title"/>
           </p:nvPr>
         </p:nvSpPr>
-        <p:spPr>
-          <a:xfrm>
-            <a:off x="609600" y="1581150"/>
-            <a:ext cx="7886700" cy="1307307"/>
-          </a:xfrm>
-        </p:spPr>
+        <p:spPr/>
         <p:txBody>
           <a:bodyPr/>
           <a:lstStyle/>
           <a:p>
-            <a:pPr algn="ctr"/>
-            <a:r>
-              <a:rPr lang="en-US" dirty="0" smtClean="0"/>
-              <a:t>Questions?</a:t>
-            </a:r>
-            <a:endParaRPr lang="en-US" dirty="0"/>
-          </a:p>
-        </p:txBody>
-      </p:sp>
-      <p:sp>
-        <p:nvSpPr>
-          <p:cNvPr id="6" name="Text Placeholder 5"/>
-          <p:cNvSpPr>
-            <a:spLocks noGrp="1"/>
-          </p:cNvSpPr>
-          <p:nvPr>
-            <p:ph type="body" idx="1"/>
+            <a:r>
+              <a:rPr lang="en-US" dirty="0"/>
+              <a:t>Example Data Jam Project</a:t>
+            </a:r>
+          </a:p>
+        </p:txBody>
+      </p:sp>
+      <p:sp>
+        <p:nvSpPr>
+          <p:cNvPr id="3" name="Content Placeholder 2">
+            <a:extLst>
+              <a:ext uri="{FF2B5EF4-FFF2-40B4-BE49-F238E27FC236}">
+                <a16:creationId xmlns:a16="http://schemas.microsoft.com/office/drawing/2014/main" id="{91CF1938-A686-467A-83AE-1DED99364E36}"/>
+              </a:ext>
+            </a:extLst>
+          </p:cNvPr>
+          <p:cNvSpPr>
+            <a:spLocks noGrp="1"/>
+          </p:cNvSpPr>
+          <p:nvPr>
+            <p:ph idx="1"/>
           </p:nvPr>
         </p:nvSpPr>
         <p:spPr/>
@@ -17352,27 +16923,51 @@
           <a:bodyPr/>
           <a:lstStyle/>
           <a:p>
-            <a:pPr algn="ctr"/>
-            <a:r>
-              <a:rPr lang="en-US" sz="2800" dirty="0" smtClean="0"/>
-              <a:t>Always ask questions!!!!</a:t>
-            </a:r>
-            <a:endParaRPr lang="en-US" sz="2800" dirty="0"/>
+            <a:r>
+              <a:rPr lang="en-US" dirty="0"/>
+              <a:t>Overview of Sample Data Analysis Project</a:t>
+            </a:r>
+          </a:p>
+          <a:p>
+            <a:pPr lvl="1"/>
+            <a:r>
+              <a:rPr lang="en-US" dirty="0"/>
+              <a:t>Finding data </a:t>
+            </a:r>
+          </a:p>
+          <a:p>
+            <a:pPr lvl="1"/>
+            <a:r>
+              <a:rPr lang="en-US" dirty="0"/>
+              <a:t>Do the analysis</a:t>
+            </a:r>
+          </a:p>
+          <a:p>
+            <a:pPr lvl="1"/>
+            <a:r>
+              <a:rPr lang="en-US" dirty="0"/>
+              <a:t>Make a visual presentation </a:t>
+            </a:r>
+          </a:p>
+          <a:p>
+            <a:pPr lvl="1"/>
+            <a:r>
+              <a:rPr lang="en-US" dirty="0"/>
+              <a:t>Present Conclusions </a:t>
+            </a:r>
           </a:p>
         </p:txBody>
       </p:sp>
     </p:spTree>
+    <p:extLst>
+      <p:ext uri="{BB962C8B-B14F-4D97-AF65-F5344CB8AC3E}">
+        <p14:creationId xmlns:p14="http://schemas.microsoft.com/office/powerpoint/2010/main" val="1853879105"/>
+      </p:ext>
+    </p:extLst>
   </p:cSld>
   <p:clrMapOvr>
     <a:masterClrMapping/>
   </p:clrMapOvr>
-  <p:timing>
-    <p:tnLst>
-      <p:par>
-        <p:cTn id="1" dur="indefinite" restart="never" nodeType="tmRoot"/>
-      </p:par>
-    </p:tnLst>
-  </p:timing>
 </p:sld>
 </file>
 
@@ -17409,10 +17004,9 @@
           <a:lstStyle/>
           <a:p>
             <a:r>
-              <a:rPr lang="en-US" dirty="0" smtClean="0"/>
+              <a:rPr lang="en-US" dirty="0"/>
               <a:t>Mentors</a:t>
             </a:r>
-            <a:endParaRPr lang="en-US" dirty="0"/>
           </a:p>
         </p:txBody>
       </p:sp>
@@ -17432,53 +17026,53 @@
           <a:lstStyle/>
           <a:p>
             <a:r>
-              <a:rPr lang="en-US" dirty="0" smtClean="0"/>
+              <a:rPr lang="en-US" dirty="0"/>
               <a:t> Each team will be assigned a mentor</a:t>
             </a:r>
           </a:p>
           <a:p>
             <a:r>
-              <a:rPr lang="en-US" dirty="0" smtClean="0"/>
+              <a:rPr lang="en-US" dirty="0"/>
               <a:t>Can ask questions via email at any time</a:t>
             </a:r>
           </a:p>
           <a:p>
             <a:pPr lvl="1"/>
             <a:r>
-              <a:rPr lang="en-US" dirty="0" smtClean="0"/>
+              <a:rPr lang="en-US" dirty="0"/>
               <a:t>Copy everyone on your team</a:t>
             </a:r>
           </a:p>
           <a:p>
             <a:pPr lvl="1"/>
             <a:r>
-              <a:rPr lang="en-US" dirty="0" smtClean="0"/>
+              <a:rPr lang="en-US" dirty="0"/>
               <a:t>Copy your teacher</a:t>
             </a:r>
           </a:p>
           <a:p>
             <a:r>
-              <a:rPr lang="en-US" dirty="0" smtClean="0"/>
+              <a:rPr lang="en-US" dirty="0"/>
               <a:t>Pitt Science Outreach students</a:t>
             </a:r>
           </a:p>
           <a:p>
             <a:pPr lvl="1"/>
             <a:r>
-              <a:rPr lang="en-US" dirty="0" smtClean="0"/>
+              <a:rPr lang="en-US" dirty="0"/>
               <a:t>Send email to all</a:t>
             </a:r>
           </a:p>
           <a:p>
             <a:r>
-              <a:rPr lang="en-US" dirty="0" smtClean="0"/>
+              <a:rPr lang="en-US" dirty="0"/>
               <a:t>Have a regular scheduled call with your mentor </a:t>
             </a:r>
           </a:p>
           <a:p>
             <a:pPr lvl="1"/>
             <a:r>
-              <a:rPr lang="en-US" dirty="0" smtClean="0"/>
+              <a:rPr lang="en-US" dirty="0"/>
               <a:t>Don’t wait to right before presentations.</a:t>
             </a:r>
           </a:p>
@@ -17493,13 +17087,6 @@
   <p:clrMapOvr>
     <a:masterClrMapping/>
   </p:clrMapOvr>
-  <p:timing>
-    <p:tnLst>
-      <p:par>
-        <p:cTn id="1" dur="indefinite" restart="never" nodeType="tmRoot"/>
-      </p:par>
-    </p:tnLst>
-  </p:timing>
 </p:sld>
 </file>
 
@@ -17530,94 +17117,44 @@
             <p:ph type="title"/>
           </p:nvPr>
         </p:nvSpPr>
-        <p:spPr/>
+        <p:spPr>
+          <a:xfrm>
+            <a:off x="609600" y="1581150"/>
+            <a:ext cx="7886700" cy="1307307"/>
+          </a:xfrm>
+        </p:spPr>
         <p:txBody>
           <a:bodyPr/>
           <a:lstStyle/>
           <a:p>
-            <a:r>
-              <a:rPr lang="en-US" dirty="0" smtClean="0"/>
-              <a:t>Timing</a:t>
-            </a:r>
-            <a:endParaRPr lang="en-US" dirty="0"/>
-          </a:p>
-        </p:txBody>
-      </p:sp>
-      <p:sp>
-        <p:nvSpPr>
-          <p:cNvPr id="6" name="Content Placeholder 5"/>
-          <p:cNvSpPr>
-            <a:spLocks noGrp="1"/>
-          </p:cNvSpPr>
-          <p:nvPr>
-            <p:ph idx="1"/>
-          </p:nvPr>
-        </p:nvSpPr>
-        <p:spPr>
-          <a:xfrm>
-            <a:off x="457200" y="1047750"/>
-            <a:ext cx="7620000" cy="3569494"/>
-          </a:xfrm>
-        </p:spPr>
+            <a:pPr algn="ctr"/>
+            <a:r>
+              <a:rPr lang="en-US" dirty="0"/>
+              <a:t>Questions?</a:t>
+            </a:r>
+          </a:p>
+        </p:txBody>
+      </p:sp>
+      <p:sp>
+        <p:nvSpPr>
+          <p:cNvPr id="6" name="Text Placeholder 5"/>
+          <p:cNvSpPr>
+            <a:spLocks noGrp="1"/>
+          </p:cNvSpPr>
+          <p:nvPr>
+            <p:ph type="body" idx="1"/>
+          </p:nvPr>
+        </p:nvSpPr>
+        <p:spPr/>
         <p:txBody>
           <a:bodyPr/>
           <a:lstStyle/>
           <a:p>
-            <a:r>
-              <a:rPr lang="en-US" dirty="0" smtClean="0"/>
-              <a:t>Introductions – 10 Minutes</a:t>
-            </a:r>
-          </a:p>
-          <a:p>
-            <a:r>
-              <a:rPr lang="en-US" dirty="0" smtClean="0"/>
-              <a:t>Overview/Data exploration Lecture – 35 Minutes</a:t>
-            </a:r>
-          </a:p>
-          <a:p>
-            <a:r>
-              <a:rPr lang="en-US" dirty="0" smtClean="0"/>
-              <a:t>Exploration Hands-on – 30 Minutes</a:t>
-            </a:r>
-          </a:p>
-          <a:p>
-            <a:r>
-              <a:rPr lang="en-US" dirty="0" smtClean="0"/>
-              <a:t>Data Prep Lecture – 20 Minutes</a:t>
-            </a:r>
-          </a:p>
-          <a:p>
-            <a:r>
-              <a:rPr lang="en-US" dirty="0" smtClean="0"/>
-              <a:t>Data Prep Hands-on – 25 Minutes</a:t>
-            </a:r>
-          </a:p>
-          <a:p>
-            <a:r>
-              <a:rPr lang="en-US" dirty="0" smtClean="0"/>
-              <a:t>Data Modeling Lecture – 20 Minutes</a:t>
-            </a:r>
-          </a:p>
-          <a:p>
-            <a:r>
-              <a:rPr lang="en-US" dirty="0" smtClean="0"/>
-              <a:t>Data Modeling – Hand-on – 30 Minutes</a:t>
-            </a:r>
-          </a:p>
-          <a:p>
-            <a:r>
-              <a:rPr lang="en-US" dirty="0" smtClean="0"/>
-              <a:t>Questions/Wrap Up – 10 Minutes</a:t>
-            </a:r>
-          </a:p>
-          <a:p>
-            <a:r>
-              <a:rPr lang="en-US" dirty="0" smtClean="0"/>
-              <a:t>Total 3:00</a:t>
-            </a:r>
-          </a:p>
-          <a:p>
-            <a:endParaRPr lang="en-US" dirty="0"/>
+            <a:pPr algn="ctr"/>
+            <a:r>
+              <a:rPr lang="en-US" sz="2800" dirty="0"/>
+              <a:t>Always ask questions!!!!</a:t>
+            </a:r>
           </a:p>
         </p:txBody>
       </p:sp>
@@ -17626,13 +17163,145 @@
   <p:clrMapOvr>
     <a:masterClrMapping/>
   </p:clrMapOvr>
-  <p:timing>
-    <p:tnLst>
-      <p:par>
-        <p:cTn id="1" dur="indefinite" restart="never" nodeType="tmRoot"/>
-      </p:par>
-    </p:tnLst>
-  </p:timing>
+</p:sld>
+</file>
+
+<file path=ppt/slides/slide41.xml><?xml version="1.0" encoding="utf-8"?>
+<p:sld xmlns:a="http://schemas.openxmlformats.org/drawingml/2006/main" xmlns:r="http://schemas.openxmlformats.org/officeDocument/2006/relationships" xmlns:p="http://schemas.openxmlformats.org/presentationml/2006/main">
+  <p:cSld>
+    <p:spTree>
+      <p:nvGrpSpPr>
+        <p:cNvPr id="1" name=""/>
+        <p:cNvGrpSpPr/>
+        <p:nvPr/>
+      </p:nvGrpSpPr>
+      <p:grpSpPr>
+        <a:xfrm>
+          <a:off x="0" y="0"/>
+          <a:ext cx="0" cy="0"/>
+          <a:chOff x="0" y="0"/>
+          <a:chExt cx="0" cy="0"/>
+        </a:xfrm>
+      </p:grpSpPr>
+      <p:sp>
+        <p:nvSpPr>
+          <p:cNvPr id="5" name="Title 4"/>
+          <p:cNvSpPr>
+            <a:spLocks noGrp="1"/>
+          </p:cNvSpPr>
+          <p:nvPr>
+            <p:ph type="title"/>
+          </p:nvPr>
+        </p:nvSpPr>
+        <p:spPr/>
+        <p:txBody>
+          <a:bodyPr/>
+          <a:lstStyle/>
+          <a:p>
+            <a:r>
+              <a:rPr lang="en-US" dirty="0"/>
+              <a:t>Timing</a:t>
+            </a:r>
+          </a:p>
+        </p:txBody>
+      </p:sp>
+      <p:sp>
+        <p:nvSpPr>
+          <p:cNvPr id="6" name="Content Placeholder 5"/>
+          <p:cNvSpPr>
+            <a:spLocks noGrp="1"/>
+          </p:cNvSpPr>
+          <p:nvPr>
+            <p:ph idx="1"/>
+          </p:nvPr>
+        </p:nvSpPr>
+        <p:spPr>
+          <a:xfrm>
+            <a:off x="457200" y="1047750"/>
+            <a:ext cx="7620000" cy="3569494"/>
+          </a:xfrm>
+        </p:spPr>
+        <p:txBody>
+          <a:bodyPr/>
+          <a:lstStyle/>
+          <a:p>
+            <a:r>
+              <a:rPr lang="en-US" dirty="0"/>
+              <a:t>Introductions – 			15 Minutes – 8:45</a:t>
+            </a:r>
+          </a:p>
+          <a:p>
+            <a:r>
+              <a:rPr lang="en-US" dirty="0"/>
+              <a:t>Overview/Data exploration Lecture  40 Minutes – 9:25</a:t>
+            </a:r>
+          </a:p>
+          <a:p>
+            <a:r>
+              <a:rPr lang="en-US" dirty="0"/>
+              <a:t>Exploration Hands-on – 		30 Minutes – 9:55</a:t>
+            </a:r>
+          </a:p>
+          <a:p>
+            <a:r>
+              <a:rPr lang="en-US" dirty="0"/>
+              <a:t>Data Prep Lecture – 			30 Minutes – 10:25</a:t>
+            </a:r>
+          </a:p>
+          <a:p>
+            <a:r>
+              <a:rPr lang="en-US" dirty="0"/>
+              <a:t>Data Prep Hands-on – 		30 Minutes – 10:55</a:t>
+            </a:r>
+          </a:p>
+          <a:p>
+            <a:r>
+              <a:rPr lang="en-US" dirty="0"/>
+              <a:t>Data Modeling Lecture – 	</a:t>
+            </a:r>
+            <a:r>
+              <a:rPr lang="en-US"/>
+              <a:t>	30 </a:t>
+            </a:r>
+            <a:r>
+              <a:rPr lang="en-US" dirty="0"/>
+              <a:t>Minutes – 11:25</a:t>
+            </a:r>
+          </a:p>
+          <a:p>
+            <a:r>
+              <a:rPr lang="en-US" dirty="0"/>
+              <a:t>Data Modeling – Hand-on – 		30 Minutes – 11:55</a:t>
+            </a:r>
+          </a:p>
+          <a:p>
+            <a:r>
+              <a:rPr lang="en-US" dirty="0"/>
+              <a:t>Questions/Wrap Up – 		20 Minutes – 12:15</a:t>
+            </a:r>
+          </a:p>
+          <a:p>
+            <a:r>
+              <a:rPr lang="en-US" dirty="0"/>
+              <a:t>Sample Presentation			15 Minutes – 12:30</a:t>
+            </a:r>
+          </a:p>
+          <a:p>
+            <a:r>
+              <a:rPr lang="en-US" dirty="0"/>
+              <a:t>Total 3:00</a:t>
+            </a:r>
+          </a:p>
+          <a:p>
+            <a:endParaRPr lang="en-US" dirty="0"/>
+          </a:p>
+        </p:txBody>
+      </p:sp>
+    </p:spTree>
+  </p:cSld>
+  <p:clrMapOvr>
+    <a:masterClrMapping/>
+  </p:clrMapOvr>
 </p:sld>
 </file>
 
@@ -17676,14 +17345,14 @@
           <a:lstStyle/>
           <a:p>
             <a:r>
-              <a:rPr lang="en-US" dirty="0" smtClean="0"/>
+              <a:rPr lang="en-US" dirty="0"/>
               <a:t>Data Analysis Workshop</a:t>
             </a:r>
             <a:br>
-              <a:rPr lang="en-US" dirty="0" smtClean="0"/>
+              <a:rPr lang="en-US" dirty="0"/>
             </a:br>
             <a:r>
-              <a:rPr lang="en-US" sz="2700" dirty="0" smtClean="0">
+              <a:rPr lang="en-US" sz="2700" dirty="0">
                 <a:solidFill>
                   <a:schemeClr val="tx1"/>
                 </a:solidFill>
@@ -17714,34 +17383,33 @@
           <a:lstStyle/>
           <a:p>
             <a:r>
-              <a:rPr lang="en-US" sz="2400" dirty="0" smtClean="0"/>
+              <a:rPr lang="en-US" sz="2400" dirty="0"/>
               <a:t>Identifying relevant variables</a:t>
             </a:r>
           </a:p>
           <a:p>
             <a:r>
-              <a:rPr lang="en-US" sz="2400" dirty="0" smtClean="0"/>
+              <a:rPr lang="en-US" sz="2400" dirty="0"/>
               <a:t>Depicting them graphically</a:t>
             </a:r>
           </a:p>
           <a:p>
             <a:r>
-              <a:rPr lang="en-US" sz="2400" dirty="0" smtClean="0"/>
+              <a:rPr lang="en-US" sz="2400" dirty="0"/>
               <a:t>Doing the analysis</a:t>
             </a:r>
           </a:p>
           <a:p>
             <a:r>
-              <a:rPr lang="en-US" sz="2400" dirty="0" smtClean="0"/>
+              <a:rPr lang="en-US" sz="2400" dirty="0"/>
               <a:t>Drawing conclusions</a:t>
             </a:r>
           </a:p>
           <a:p>
             <a:r>
-              <a:rPr lang="en-US" sz="2400" dirty="0" smtClean="0"/>
+              <a:rPr lang="en-US" sz="2400" dirty="0"/>
               <a:t>Making recommendations</a:t>
             </a:r>
-            <a:endParaRPr lang="en-US" sz="2400" dirty="0"/>
           </a:p>
         </p:txBody>
       </p:sp>
@@ -17776,13 +17444,6 @@
   <p:clrMapOvr>
     <a:masterClrMapping/>
   </p:clrMapOvr>
-  <p:timing>
-    <p:tnLst>
-      <p:par>
-        <p:cTn id="1" dur="indefinite" restart="never" nodeType="tmRoot"/>
-      </p:par>
-    </p:tnLst>
-  </p:timing>
 </p:sld>
 </file>
 
@@ -17821,10 +17482,9 @@
           <a:lstStyle/>
           <a:p>
             <a:r>
-              <a:rPr lang="en-US" dirty="0" smtClean="0"/>
+              <a:rPr lang="en-US" dirty="0"/>
               <a:t>What technology will you use?</a:t>
             </a:r>
-            <a:endParaRPr lang="en-US" dirty="0"/>
           </a:p>
         </p:txBody>
       </p:sp>
@@ -17849,42 +17509,41 @@
           <a:lstStyle/>
           <a:p>
             <a:r>
-              <a:rPr lang="en-US" sz="2800" dirty="0" smtClean="0"/>
+              <a:rPr lang="en-US" sz="2800" dirty="0"/>
               <a:t>Lots of tools are available</a:t>
             </a:r>
           </a:p>
           <a:p>
             <a:r>
-              <a:rPr lang="en-US" sz="2800" dirty="0" smtClean="0"/>
+              <a:rPr lang="en-US" sz="2800" dirty="0"/>
               <a:t>Keep it simple at the beginning</a:t>
             </a:r>
           </a:p>
           <a:p>
             <a:r>
-              <a:rPr lang="en-US" sz="2800" dirty="0" smtClean="0"/>
+              <a:rPr lang="en-US" sz="2800" dirty="0"/>
               <a:t>Use Excel</a:t>
             </a:r>
           </a:p>
           <a:p>
             <a:pPr lvl="1"/>
             <a:r>
-              <a:rPr lang="en-US" sz="2800" dirty="0" smtClean="0"/>
+              <a:rPr lang="en-US" sz="2800" dirty="0"/>
               <a:t>Tableau is also available</a:t>
             </a:r>
           </a:p>
           <a:p>
             <a:r>
-              <a:rPr lang="en-US" sz="2800" dirty="0" smtClean="0"/>
+              <a:rPr lang="en-US" sz="2800" dirty="0"/>
               <a:t>Many Others</a:t>
             </a:r>
           </a:p>
           <a:p>
             <a:pPr lvl="1"/>
             <a:r>
-              <a:rPr lang="en-US" dirty="0" smtClean="0"/>
+              <a:rPr lang="en-US" dirty="0"/>
               <a:t>R, SAS, Cognos, Oracle Business Intelligence, Google Apps, Matlab, Pyhton, Spotfire, QlikView  </a:t>
             </a:r>
-            <a:endParaRPr lang="en-US" dirty="0"/>
           </a:p>
         </p:txBody>
       </p:sp>
@@ -18149,13 +17808,6 @@
   <p:clrMapOvr>
     <a:masterClrMapping/>
   </p:clrMapOvr>
-  <p:timing>
-    <p:tnLst>
-      <p:par>
-        <p:cTn id="1" dur="indefinite" restart="never" nodeType="tmRoot"/>
-      </p:par>
-    </p:tnLst>
-  </p:timing>
 </p:sld>
 </file>
 
@@ -18192,10 +17844,9 @@
           <a:lstStyle/>
           <a:p>
             <a:r>
-              <a:rPr lang="en-US" dirty="0" smtClean="0"/>
+              <a:rPr lang="en-US" dirty="0"/>
               <a:t>Data Analysis Process</a:t>
             </a:r>
-            <a:endParaRPr lang="en-US" dirty="0"/>
           </a:p>
         </p:txBody>
       </p:sp>
@@ -18215,45 +17866,45 @@
           <a:lstStyle/>
           <a:p>
             <a:r>
-              <a:rPr lang="en-US" dirty="0" smtClean="0"/>
+              <a:rPr lang="en-US" dirty="0"/>
               <a:t>A standard repeatable process to guide data analysis.</a:t>
             </a:r>
           </a:p>
           <a:p>
             <a:r>
-              <a:rPr lang="en-US" dirty="0" smtClean="0"/>
+              <a:rPr lang="en-US" dirty="0"/>
               <a:t>Used formally and informally</a:t>
             </a:r>
           </a:p>
           <a:p>
             <a:pPr lvl="1"/>
             <a:r>
-              <a:rPr lang="en-US" dirty="0" smtClean="0"/>
+              <a:rPr lang="en-US" dirty="0"/>
               <a:t>If you do analysis, you will do these steps.</a:t>
             </a:r>
           </a:p>
           <a:p>
             <a:r>
-              <a:rPr lang="en-US" dirty="0" smtClean="0"/>
+              <a:rPr lang="en-US" dirty="0"/>
               <a:t>Used for Big Data or not so Big Data</a:t>
             </a:r>
           </a:p>
           <a:p>
             <a:r>
-              <a:rPr lang="en-US" dirty="0" smtClean="0"/>
+              <a:rPr lang="en-US" dirty="0"/>
               <a:t>Becomes second nature as you do more analysis.</a:t>
             </a:r>
           </a:p>
           <a:p>
             <a:r>
-              <a:rPr lang="en-US" dirty="0" smtClean="0"/>
+              <a:rPr lang="en-US" dirty="0"/>
               <a:t>Is not about using a cool data analysis tool</a:t>
             </a:r>
           </a:p>
           <a:p>
             <a:pPr lvl="1"/>
             <a:r>
-              <a:rPr lang="en-US" dirty="0" smtClean="0"/>
+              <a:rPr lang="en-US" dirty="0"/>
               <a:t>Although they are extremely helpful.</a:t>
             </a:r>
           </a:p>
@@ -18319,13 +17970,6 @@
   <p:clrMapOvr>
     <a:masterClrMapping/>
   </p:clrMapOvr>
-  <p:timing>
-    <p:tnLst>
-      <p:par>
-        <p:cTn id="1" dur="indefinite" restart="never" nodeType="tmRoot"/>
-      </p:par>
-    </p:tnLst>
-  </p:timing>
 </p:sld>
 </file>
 
@@ -18362,10 +18006,9 @@
           <a:lstStyle/>
           <a:p>
             <a:r>
-              <a:rPr lang="en-US" dirty="0" smtClean="0"/>
+              <a:rPr lang="en-US" dirty="0"/>
               <a:t>The Data Analysis Process</a:t>
             </a:r>
-            <a:endParaRPr lang="en-US" dirty="0"/>
           </a:p>
         </p:txBody>
       </p:sp>
@@ -18390,63 +18033,63 @@
           <a:lstStyle/>
           <a:p>
             <a:r>
-              <a:rPr lang="en-US" dirty="0" smtClean="0"/>
+              <a:rPr lang="en-US" dirty="0"/>
               <a:t>Define your Problem</a:t>
             </a:r>
           </a:p>
           <a:p>
             <a:r>
-              <a:rPr lang="en-US" dirty="0" smtClean="0"/>
+              <a:rPr lang="en-US" dirty="0"/>
               <a:t>Identify Data </a:t>
             </a:r>
           </a:p>
           <a:p>
             <a:r>
-              <a:rPr lang="en-US" dirty="0" smtClean="0"/>
+              <a:rPr lang="en-US" dirty="0"/>
               <a:t>Plan your Analysis</a:t>
             </a:r>
           </a:p>
           <a:p>
             <a:pPr lvl="1"/>
             <a:r>
-              <a:rPr lang="en-US" dirty="0" smtClean="0"/>
+              <a:rPr lang="en-US" dirty="0"/>
               <a:t>Explore Data</a:t>
             </a:r>
           </a:p>
           <a:p>
             <a:pPr lvl="1"/>
             <a:r>
-              <a:rPr lang="en-US" dirty="0" smtClean="0"/>
+              <a:rPr lang="en-US" dirty="0"/>
               <a:t>Prepare Data</a:t>
             </a:r>
           </a:p>
           <a:p>
             <a:pPr lvl="1"/>
             <a:r>
-              <a:rPr lang="en-US" dirty="0" smtClean="0"/>
+              <a:rPr lang="en-US" dirty="0"/>
               <a:t>Model Data</a:t>
             </a:r>
           </a:p>
           <a:p>
             <a:r>
-              <a:rPr lang="en-US" dirty="0" smtClean="0"/>
+              <a:rPr lang="en-US" dirty="0"/>
               <a:t>Tell A Story</a:t>
             </a:r>
           </a:p>
           <a:p>
             <a:r>
-              <a:rPr lang="en-US" dirty="0" smtClean="0"/>
+              <a:rPr lang="en-US" dirty="0"/>
               <a:t>Make Recommendations</a:t>
             </a:r>
           </a:p>
           <a:p>
             <a:r>
-              <a:rPr lang="en-US" dirty="0" smtClean="0"/>
+              <a:rPr lang="en-US" dirty="0"/>
               <a:t>Determine What’s Next</a:t>
             </a:r>
           </a:p>
           <a:p>
-            <a:endParaRPr lang="en-US" dirty="0" smtClean="0"/>
+            <a:endParaRPr lang="en-US" dirty="0"/>
           </a:p>
           <a:p>
             <a:endParaRPr lang="en-US" dirty="0"/>
@@ -18507,7 +18150,7 @@
               <a:buNone/>
               <a:tabLst/>
             </a:pPr>
-            <a:endParaRPr kumimoji="0" lang="en-US" sz="4000" b="1" i="0" u="none" strike="noStrike" cap="none" normalizeH="0" baseline="0" dirty="0" smtClean="0">
+            <a:endParaRPr kumimoji="0" lang="en-US" sz="4000" b="1" i="0" u="none" strike="noStrike" cap="none" normalizeH="0" baseline="0" dirty="0">
               <a:ln>
                 <a:noFill/>
               </a:ln>
@@ -18545,18 +18188,13 @@
           <a:lstStyle/>
           <a:p>
             <a:r>
-              <a:rPr lang="en-US" dirty="0" smtClean="0">
+              <a:rPr lang="en-US" dirty="0">
                 <a:solidFill>
                   <a:schemeClr val="tx2"/>
                 </a:solidFill>
               </a:rPr>
               <a:t>Today’s Focus</a:t>
             </a:r>
-            <a:endParaRPr lang="en-US" dirty="0">
-              <a:solidFill>
-                <a:schemeClr val="tx2"/>
-              </a:solidFill>
-            </a:endParaRPr>
           </a:p>
         </p:txBody>
       </p:sp>
@@ -18609,18 +18247,13 @@
           <a:lstStyle/>
           <a:p>
             <a:r>
-              <a:rPr lang="en-US" sz="2800" b="0" dirty="0" smtClean="0">
+              <a:rPr lang="en-US" sz="2800" b="0" dirty="0">
                 <a:solidFill>
                   <a:schemeClr val="tx1"/>
                 </a:solidFill>
               </a:rPr>
               <a:t>In practice it looks like this</a:t>
             </a:r>
-            <a:endParaRPr lang="en-US" sz="2800" b="0" dirty="0">
-              <a:solidFill>
-                <a:schemeClr val="tx1"/>
-              </a:solidFill>
-            </a:endParaRPr>
           </a:p>
         </p:txBody>
       </p:sp>
@@ -18646,18 +18279,13 @@
           <a:lstStyle/>
           <a:p>
             <a:r>
-              <a:rPr lang="en-US" sz="1200" b="0" dirty="0" smtClean="0">
+              <a:rPr lang="en-US" sz="1200" b="0" dirty="0">
                 <a:solidFill>
                   <a:schemeClr val="tx1"/>
                 </a:solidFill>
               </a:rPr>
               <a:t>https://cyberitgs.wikispaces.com/Sandbox+Yerlan</a:t>
             </a:r>
-            <a:endParaRPr lang="en-US" sz="1200" b="0" dirty="0">
-              <a:solidFill>
-                <a:schemeClr val="tx1"/>
-              </a:solidFill>
-            </a:endParaRPr>
           </a:p>
         </p:txBody>
       </p:sp>
@@ -19517,10 +19145,9 @@
           <a:lstStyle/>
           <a:p>
             <a:r>
-              <a:rPr lang="en-US" dirty="0" smtClean="0"/>
+              <a:rPr lang="en-US" dirty="0"/>
               <a:t>Basic Steps for Analysis </a:t>
             </a:r>
-            <a:endParaRPr lang="en-US" dirty="0"/>
           </a:p>
         </p:txBody>
       </p:sp>
@@ -19540,13 +19167,13 @@
           <a:lstStyle/>
           <a:p>
             <a:r>
-              <a:rPr lang="en-US" sz="3200" dirty="0" smtClean="0"/>
+              <a:rPr lang="en-US" sz="3200" dirty="0"/>
               <a:t>Data Exploration</a:t>
             </a:r>
           </a:p>
           <a:p>
             <a:r>
-              <a:rPr lang="en-US" sz="3200" dirty="0" smtClean="0">
+              <a:rPr lang="en-US" sz="3200" dirty="0">
                 <a:solidFill>
                   <a:schemeClr val="bg1">
                     <a:lumMod val="75000"/>
@@ -19558,7 +19185,7 @@
           </a:p>
           <a:p>
             <a:r>
-              <a:rPr lang="en-US" sz="3200" dirty="0" smtClean="0">
+              <a:rPr lang="en-US" sz="3200" dirty="0">
                 <a:solidFill>
                   <a:schemeClr val="bg1">
                     <a:lumMod val="75000"/>
@@ -19578,13 +19205,6 @@
   <p:clrMapOvr>
     <a:masterClrMapping/>
   </p:clrMapOvr>
-  <p:timing>
-    <p:tnLst>
-      <p:par>
-        <p:cTn id="1" dur="indefinite" restart="never" nodeType="tmRoot"/>
-      </p:par>
-    </p:tnLst>
-  </p:timing>
 </p:sld>
 </file>
 
@@ -19962,7 +19582,7 @@
   </a:extraClrSchemeLst>
   <a:extLst>
     <a:ext uri="{05A4C25C-085E-4340-85A3-A5531E510DB2}">
-      <thm15:themeFamily xmlns:thm15="http://schemas.microsoft.com/office/thememl/2012/main" xmlns="" name="Office Theme" id="{62F939B6-93AF-4DB8-9C6B-D6C7DFDC589F}" vid="{4A3C46E8-61CC-4603-A589-7422A47A8E4A}"/>
+      <thm15:themeFamily xmlns:thm15="http://schemas.microsoft.com/office/thememl/2012/main" name="Office Theme" id="{62F939B6-93AF-4DB8-9C6B-D6C7DFDC589F}" vid="{4A3C46E8-61CC-4603-A589-7422A47A8E4A}"/>
     </a:ext>
   </a:extLst>
 </a:theme>
@@ -20223,7 +19843,7 @@
   <a:extraClrSchemeLst/>
   <a:extLst>
     <a:ext uri="{05A4C25C-085E-4340-85A3-A5531E510DB2}">
-      <thm15:themeFamily xmlns:thm15="http://schemas.microsoft.com/office/thememl/2012/main" xmlns="" name="Office Theme" id="{62F939B6-93AF-4DB8-9C6B-D6C7DFDC589F}" vid="{4A3C46E8-61CC-4603-A589-7422A47A8E4A}"/>
+      <thm15:themeFamily xmlns:thm15="http://schemas.microsoft.com/office/thememl/2012/main" name="Office Theme" id="{62F939B6-93AF-4DB8-9C6B-D6C7DFDC589F}" vid="{4A3C46E8-61CC-4603-A589-7422A47A8E4A}"/>
     </a:ext>
   </a:extLst>
 </a:theme>
